--- a/MIMIC-III NLP.pptx
+++ b/MIMIC-III NLP.pptx
@@ -7,20 +7,21 @@
   <p:sldIdLst>
     <p:sldId id="256" r:id="rId5"/>
     <p:sldId id="257" r:id="rId6"/>
-    <p:sldId id="259" r:id="rId7"/>
-    <p:sldId id="260" r:id="rId8"/>
-    <p:sldId id="261" r:id="rId9"/>
-    <p:sldId id="262" r:id="rId10"/>
-    <p:sldId id="264" r:id="rId11"/>
-    <p:sldId id="263" r:id="rId12"/>
-    <p:sldId id="265" r:id="rId13"/>
-    <p:sldId id="266" r:id="rId14"/>
-    <p:sldId id="267" r:id="rId15"/>
-    <p:sldId id="268" r:id="rId16"/>
-    <p:sldId id="269" r:id="rId17"/>
-    <p:sldId id="270" r:id="rId18"/>
-    <p:sldId id="271" r:id="rId19"/>
-    <p:sldId id="272" r:id="rId20"/>
+    <p:sldId id="273" r:id="rId7"/>
+    <p:sldId id="259" r:id="rId8"/>
+    <p:sldId id="260" r:id="rId9"/>
+    <p:sldId id="261" r:id="rId10"/>
+    <p:sldId id="262" r:id="rId11"/>
+    <p:sldId id="264" r:id="rId12"/>
+    <p:sldId id="263" r:id="rId13"/>
+    <p:sldId id="265" r:id="rId14"/>
+    <p:sldId id="266" r:id="rId15"/>
+    <p:sldId id="267" r:id="rId16"/>
+    <p:sldId id="268" r:id="rId17"/>
+    <p:sldId id="269" r:id="rId18"/>
+    <p:sldId id="270" r:id="rId19"/>
+    <p:sldId id="271" r:id="rId20"/>
+    <p:sldId id="272" r:id="rId21"/>
   </p:sldIdLst>
   <p:sldSz cx="12192000" cy="6858000"/>
   <p:notesSz cx="6858000" cy="9144000"/>
@@ -119,15 +120,2166 @@
       </a:defRPr>
     </a:lvl9pPr>
   </p:defaultTextStyle>
+  <p:extLst>
+    <p:ext uri="{EFAFB233-063F-42B5-8137-9DF3F51BA10A}">
+      <p15:sldGuideLst xmlns:p15="http://schemas.microsoft.com/office/powerpoint/2012/main"/>
+    </p:ext>
+  </p:extLst>
 </p:presentation>
 </file>
 
 <file path=ppt/revisionInfo.xml><?xml version="1.0" encoding="utf-8"?>
 <p1510:revInfo xmlns:a="http://schemas.openxmlformats.org/drawingml/2006/main" xmlns:r="http://schemas.openxmlformats.org/officeDocument/2006/relationships" xmlns:p1510="http://schemas.microsoft.com/office/powerpoint/2015/10/main">
   <p1510:revLst>
-    <p1510:client id="{957F8EF4-DE2E-406C-A9E6-2384E4E35E69}" v="75" dt="2025-02-15T03:34:00.532"/>
+    <p1510:client id="{75D927A5-2AC8-4D11-5090-F8D72CE02162}" v="108" dt="2025-02-15T04:03:41.591"/>
+    <p1510:client id="{957F8EF4-DE2E-406C-A9E6-2384E4E35E69}" v="77" dt="2025-02-15T03:49:39.317"/>
   </p1510:revLst>
 </p1510:revInfo>
+</file>
+
+<file path=ppt/changesInfos/changesInfo1.xml><?xml version="1.0" encoding="utf-8"?>
+<pc:chgInfo xmlns:a="http://schemas.openxmlformats.org/drawingml/2006/main" xmlns:r="http://schemas.openxmlformats.org/officeDocument/2006/relationships" xmlns:ac="http://schemas.microsoft.com/office/drawing/2013/main/command" xmlns:pc="http://schemas.microsoft.com/office/powerpoint/2013/main/command">
+  <pc:docChgLst>
+    <pc:chgData name="Ankita L Savaliya" userId="S::als8453@my.utexas.edu::45302890-fb20-4ef9-a20b-62d8ea27512f" providerId="AD" clId="Web-{75D927A5-2AC8-4D11-5090-F8D72CE02162}"/>
+    <pc:docChg chg="addSld modSld sldOrd">
+      <pc:chgData name="Ankita L Savaliya" userId="S::als8453@my.utexas.edu::45302890-fb20-4ef9-a20b-62d8ea27512f" providerId="AD" clId="Web-{75D927A5-2AC8-4D11-5090-F8D72CE02162}" dt="2025-02-15T04:03:41.591" v="102" actId="1076"/>
+      <pc:docMkLst>
+        <pc:docMk/>
+      </pc:docMkLst>
+      <pc:sldChg chg="modSp">
+        <pc:chgData name="Ankita L Savaliya" userId="S::als8453@my.utexas.edu::45302890-fb20-4ef9-a20b-62d8ea27512f" providerId="AD" clId="Web-{75D927A5-2AC8-4D11-5090-F8D72CE02162}" dt="2025-02-15T03:55:13.458" v="56" actId="1076"/>
+        <pc:sldMkLst>
+          <pc:docMk/>
+          <pc:sldMk cId="2120084639" sldId="260"/>
+        </pc:sldMkLst>
+        <pc:spChg chg="mod">
+          <ac:chgData name="Ankita L Savaliya" userId="S::als8453@my.utexas.edu::45302890-fb20-4ef9-a20b-62d8ea27512f" providerId="AD" clId="Web-{75D927A5-2AC8-4D11-5090-F8D72CE02162}" dt="2025-02-15T03:55:10.458" v="55" actId="1076"/>
+          <ac:spMkLst>
+            <pc:docMk/>
+            <pc:sldMk cId="2120084639" sldId="260"/>
+            <ac:spMk id="10" creationId="{09B51455-F4C8-AEFD-ED17-17E5944CF101}"/>
+          </ac:spMkLst>
+        </pc:spChg>
+        <pc:picChg chg="mod">
+          <ac:chgData name="Ankita L Savaliya" userId="S::als8453@my.utexas.edu::45302890-fb20-4ef9-a20b-62d8ea27512f" providerId="AD" clId="Web-{75D927A5-2AC8-4D11-5090-F8D72CE02162}" dt="2025-02-15T03:55:13.458" v="56" actId="1076"/>
+          <ac:picMkLst>
+            <pc:docMk/>
+            <pc:sldMk cId="2120084639" sldId="260"/>
+            <ac:picMk id="14" creationId="{53E4250C-20E7-AF20-E046-701B764BD965}"/>
+          </ac:picMkLst>
+        </pc:picChg>
+        <pc:picChg chg="mod">
+          <ac:chgData name="Ankita L Savaliya" userId="S::als8453@my.utexas.edu::45302890-fb20-4ef9-a20b-62d8ea27512f" providerId="AD" clId="Web-{75D927A5-2AC8-4D11-5090-F8D72CE02162}" dt="2025-02-15T03:54:56.942" v="53" actId="1076"/>
+          <ac:picMkLst>
+            <pc:docMk/>
+            <pc:sldMk cId="2120084639" sldId="260"/>
+            <ac:picMk id="15" creationId="{4022BDD9-FE50-9743-6EF9-A015AB91646F}"/>
+          </ac:picMkLst>
+        </pc:picChg>
+      </pc:sldChg>
+      <pc:sldChg chg="addSp delSp modSp">
+        <pc:chgData name="Ankita L Savaliya" userId="S::als8453@my.utexas.edu::45302890-fb20-4ef9-a20b-62d8ea27512f" providerId="AD" clId="Web-{75D927A5-2AC8-4D11-5090-F8D72CE02162}" dt="2025-02-15T04:02:07.838" v="91" actId="14100"/>
+        <pc:sldMkLst>
+          <pc:docMk/>
+          <pc:sldMk cId="132491262" sldId="262"/>
+        </pc:sldMkLst>
+        <pc:spChg chg="mod">
+          <ac:chgData name="Ankita L Savaliya" userId="S::als8453@my.utexas.edu::45302890-fb20-4ef9-a20b-62d8ea27512f" providerId="AD" clId="Web-{75D927A5-2AC8-4D11-5090-F8D72CE02162}" dt="2025-02-15T03:58:47.006" v="78" actId="14100"/>
+          <ac:spMkLst>
+            <pc:docMk/>
+            <pc:sldMk cId="132491262" sldId="262"/>
+            <ac:spMk id="5" creationId="{678B858A-671C-B3DA-3BCF-498308A361BC}"/>
+          </ac:spMkLst>
+        </pc:spChg>
+        <pc:picChg chg="add mod">
+          <ac:chgData name="Ankita L Savaliya" userId="S::als8453@my.utexas.edu::45302890-fb20-4ef9-a20b-62d8ea27512f" providerId="AD" clId="Web-{75D927A5-2AC8-4D11-5090-F8D72CE02162}" dt="2025-02-15T04:02:07.838" v="91" actId="14100"/>
+          <ac:picMkLst>
+            <pc:docMk/>
+            <pc:sldMk cId="132491262" sldId="262"/>
+            <ac:picMk id="2" creationId="{3D34B379-B152-8E90-7E19-110ED54A8879}"/>
+          </ac:picMkLst>
+        </pc:picChg>
+        <pc:picChg chg="del mod">
+          <ac:chgData name="Ankita L Savaliya" userId="S::als8453@my.utexas.edu::45302890-fb20-4ef9-a20b-62d8ea27512f" providerId="AD" clId="Web-{75D927A5-2AC8-4D11-5090-F8D72CE02162}" dt="2025-02-15T04:01:09.493" v="85"/>
+          <ac:picMkLst>
+            <pc:docMk/>
+            <pc:sldMk cId="132491262" sldId="262"/>
+            <ac:picMk id="3" creationId="{79FFF2BA-CEAD-09A1-4894-D39A965CA124}"/>
+          </ac:picMkLst>
+        </pc:picChg>
+        <pc:picChg chg="mod">
+          <ac:chgData name="Ankita L Savaliya" userId="S::als8453@my.utexas.edu::45302890-fb20-4ef9-a20b-62d8ea27512f" providerId="AD" clId="Web-{75D927A5-2AC8-4D11-5090-F8D72CE02162}" dt="2025-02-15T03:58:49.178" v="79" actId="1076"/>
+          <ac:picMkLst>
+            <pc:docMk/>
+            <pc:sldMk cId="132491262" sldId="262"/>
+            <ac:picMk id="9" creationId="{C5E7FB67-C2A9-88BF-53B3-69064D056F02}"/>
+          </ac:picMkLst>
+        </pc:picChg>
+      </pc:sldChg>
+      <pc:sldChg chg="modSp">
+        <pc:chgData name="Ankita L Savaliya" userId="S::als8453@my.utexas.edu::45302890-fb20-4ef9-a20b-62d8ea27512f" providerId="AD" clId="Web-{75D927A5-2AC8-4D11-5090-F8D72CE02162}" dt="2025-02-15T03:56:36.022" v="60" actId="20577"/>
+        <pc:sldMkLst>
+          <pc:docMk/>
+          <pc:sldMk cId="2592474609" sldId="264"/>
+        </pc:sldMkLst>
+        <pc:spChg chg="mod">
+          <ac:chgData name="Ankita L Savaliya" userId="S::als8453@my.utexas.edu::45302890-fb20-4ef9-a20b-62d8ea27512f" providerId="AD" clId="Web-{75D927A5-2AC8-4D11-5090-F8D72CE02162}" dt="2025-02-15T03:56:36.022" v="60" actId="20577"/>
+          <ac:spMkLst>
+            <pc:docMk/>
+            <pc:sldMk cId="2592474609" sldId="264"/>
+            <ac:spMk id="5" creationId="{969DAAB4-71E8-5F40-C36F-1B821567D963}"/>
+          </ac:spMkLst>
+        </pc:spChg>
+        <pc:picChg chg="mod">
+          <ac:chgData name="Ankita L Savaliya" userId="S::als8453@my.utexas.edu::45302890-fb20-4ef9-a20b-62d8ea27512f" providerId="AD" clId="Web-{75D927A5-2AC8-4D11-5090-F8D72CE02162}" dt="2025-02-15T03:54:01.050" v="22"/>
+          <ac:picMkLst>
+            <pc:docMk/>
+            <pc:sldMk cId="2592474609" sldId="264"/>
+            <ac:picMk id="4" creationId="{F78D13A5-0A7F-EEEF-9562-6FC4B791F4FE}"/>
+          </ac:picMkLst>
+        </pc:picChg>
+      </pc:sldChg>
+      <pc:sldChg chg="modSp">
+        <pc:chgData name="Ankita L Savaliya" userId="S::als8453@my.utexas.edu::45302890-fb20-4ef9-a20b-62d8ea27512f" providerId="AD" clId="Web-{75D927A5-2AC8-4D11-5090-F8D72CE02162}" dt="2025-02-15T03:58:10.792" v="71" actId="20577"/>
+        <pc:sldMkLst>
+          <pc:docMk/>
+          <pc:sldMk cId="482230949" sldId="266"/>
+        </pc:sldMkLst>
+        <pc:spChg chg="mod">
+          <ac:chgData name="Ankita L Savaliya" userId="S::als8453@my.utexas.edu::45302890-fb20-4ef9-a20b-62d8ea27512f" providerId="AD" clId="Web-{75D927A5-2AC8-4D11-5090-F8D72CE02162}" dt="2025-02-15T03:58:10.792" v="71" actId="20577"/>
+          <ac:spMkLst>
+            <pc:docMk/>
+            <pc:sldMk cId="482230949" sldId="266"/>
+            <ac:spMk id="4" creationId="{E75C0B2F-8EBB-8CCF-DD14-24E7AD41B224}"/>
+          </ac:spMkLst>
+        </pc:spChg>
+        <pc:picChg chg="mod">
+          <ac:chgData name="Ankita L Savaliya" userId="S::als8453@my.utexas.edu::45302890-fb20-4ef9-a20b-62d8ea27512f" providerId="AD" clId="Web-{75D927A5-2AC8-4D11-5090-F8D72CE02162}" dt="2025-02-15T03:57:46.620" v="61" actId="1076"/>
+          <ac:picMkLst>
+            <pc:docMk/>
+            <pc:sldMk cId="482230949" sldId="266"/>
+            <ac:picMk id="6" creationId="{252A693D-5BE8-F6BB-5848-009B40DD66C8}"/>
+          </ac:picMkLst>
+        </pc:picChg>
+      </pc:sldChg>
+      <pc:sldChg chg="addSp delSp modSp">
+        <pc:chgData name="Ankita L Savaliya" userId="S::als8453@my.utexas.edu::45302890-fb20-4ef9-a20b-62d8ea27512f" providerId="AD" clId="Web-{75D927A5-2AC8-4D11-5090-F8D72CE02162}" dt="2025-02-15T04:02:53.183" v="97" actId="1076"/>
+        <pc:sldMkLst>
+          <pc:docMk/>
+          <pc:sldMk cId="2837721027" sldId="267"/>
+        </pc:sldMkLst>
+        <pc:spChg chg="mod">
+          <ac:chgData name="Ankita L Savaliya" userId="S::als8453@my.utexas.edu::45302890-fb20-4ef9-a20b-62d8ea27512f" providerId="AD" clId="Web-{75D927A5-2AC8-4D11-5090-F8D72CE02162}" dt="2025-02-15T03:59:11.600" v="84" actId="20577"/>
+          <ac:spMkLst>
+            <pc:docMk/>
+            <pc:sldMk cId="2837721027" sldId="267"/>
+            <ac:spMk id="7" creationId="{FA98B731-A14E-4368-2B0C-E3C9955B2F0E}"/>
+          </ac:spMkLst>
+        </pc:spChg>
+        <pc:picChg chg="add mod">
+          <ac:chgData name="Ankita L Savaliya" userId="S::als8453@my.utexas.edu::45302890-fb20-4ef9-a20b-62d8ea27512f" providerId="AD" clId="Web-{75D927A5-2AC8-4D11-5090-F8D72CE02162}" dt="2025-02-15T04:02:53.183" v="97" actId="1076"/>
+          <ac:picMkLst>
+            <pc:docMk/>
+            <pc:sldMk cId="2837721027" sldId="267"/>
+            <ac:picMk id="2" creationId="{A45BBE4E-301D-494A-B08A-8B759DF1368F}"/>
+          </ac:picMkLst>
+        </pc:picChg>
+        <pc:picChg chg="del">
+          <ac:chgData name="Ankita L Savaliya" userId="S::als8453@my.utexas.edu::45302890-fb20-4ef9-a20b-62d8ea27512f" providerId="AD" clId="Web-{75D927A5-2AC8-4D11-5090-F8D72CE02162}" dt="2025-02-15T04:02:16.901" v="92"/>
+          <ac:picMkLst>
+            <pc:docMk/>
+            <pc:sldMk cId="2837721027" sldId="267"/>
+            <ac:picMk id="5" creationId="{61E82ACA-12AE-224B-8003-5B7FCCCF6505}"/>
+          </ac:picMkLst>
+        </pc:picChg>
+      </pc:sldChg>
+      <pc:sldChg chg="addSp delSp modSp">
+        <pc:chgData name="Ankita L Savaliya" userId="S::als8453@my.utexas.edu::45302890-fb20-4ef9-a20b-62d8ea27512f" providerId="AD" clId="Web-{75D927A5-2AC8-4D11-5090-F8D72CE02162}" dt="2025-02-15T04:03:41.591" v="102" actId="1076"/>
+        <pc:sldMkLst>
+          <pc:docMk/>
+          <pc:sldMk cId="2725699278" sldId="270"/>
+        </pc:sldMkLst>
+        <pc:picChg chg="add mod">
+          <ac:chgData name="Ankita L Savaliya" userId="S::als8453@my.utexas.edu::45302890-fb20-4ef9-a20b-62d8ea27512f" providerId="AD" clId="Web-{75D927A5-2AC8-4D11-5090-F8D72CE02162}" dt="2025-02-15T04:03:41.591" v="102" actId="1076"/>
+          <ac:picMkLst>
+            <pc:docMk/>
+            <pc:sldMk cId="2725699278" sldId="270"/>
+            <ac:picMk id="2" creationId="{E40AE257-ECFE-671D-55CB-C6326382BA72}"/>
+          </ac:picMkLst>
+        </pc:picChg>
+        <pc:picChg chg="del">
+          <ac:chgData name="Ankita L Savaliya" userId="S::als8453@my.utexas.edu::45302890-fb20-4ef9-a20b-62d8ea27512f" providerId="AD" clId="Web-{75D927A5-2AC8-4D11-5090-F8D72CE02162}" dt="2025-02-15T04:03:01.074" v="98"/>
+          <ac:picMkLst>
+            <pc:docMk/>
+            <pc:sldMk cId="2725699278" sldId="270"/>
+            <ac:picMk id="7" creationId="{8A3FE777-6C3E-8CF6-3296-24474569E5FB}"/>
+          </ac:picMkLst>
+        </pc:picChg>
+      </pc:sldChg>
+      <pc:sldChg chg="addSp delSp modSp new ord">
+        <pc:chgData name="Ankita L Savaliya" userId="S::als8453@my.utexas.edu::45302890-fb20-4ef9-a20b-62d8ea27512f" providerId="AD" clId="Web-{75D927A5-2AC8-4D11-5090-F8D72CE02162}" dt="2025-02-15T03:51:50.202" v="13" actId="14100"/>
+        <pc:sldMkLst>
+          <pc:docMk/>
+          <pc:sldMk cId="842932708" sldId="273"/>
+        </pc:sldMkLst>
+        <pc:spChg chg="del">
+          <ac:chgData name="Ankita L Savaliya" userId="S::als8453@my.utexas.edu::45302890-fb20-4ef9-a20b-62d8ea27512f" providerId="AD" clId="Web-{75D927A5-2AC8-4D11-5090-F8D72CE02162}" dt="2025-02-15T03:51:19.077" v="2"/>
+          <ac:spMkLst>
+            <pc:docMk/>
+            <pc:sldMk cId="842932708" sldId="273"/>
+            <ac:spMk id="2" creationId="{6C6D2026-05B4-4A46-9871-E9D579C1EF29}"/>
+          </ac:spMkLst>
+        </pc:spChg>
+        <pc:spChg chg="del">
+          <ac:chgData name="Ankita L Savaliya" userId="S::als8453@my.utexas.edu::45302890-fb20-4ef9-a20b-62d8ea27512f" providerId="AD" clId="Web-{75D927A5-2AC8-4D11-5090-F8D72CE02162}" dt="2025-02-15T03:51:21.280" v="3"/>
+          <ac:spMkLst>
+            <pc:docMk/>
+            <pc:sldMk cId="842932708" sldId="273"/>
+            <ac:spMk id="3" creationId="{14AFE61A-1645-BF95-4B70-26FDC33BB711}"/>
+          </ac:spMkLst>
+        </pc:spChg>
+        <pc:spChg chg="add mod">
+          <ac:chgData name="Ankita L Savaliya" userId="S::als8453@my.utexas.edu::45302890-fb20-4ef9-a20b-62d8ea27512f" providerId="AD" clId="Web-{75D927A5-2AC8-4D11-5090-F8D72CE02162}" dt="2025-02-15T03:51:50.202" v="13" actId="14100"/>
+          <ac:spMkLst>
+            <pc:docMk/>
+            <pc:sldMk cId="842932708" sldId="273"/>
+            <ac:spMk id="4" creationId="{CA852AC2-1C27-C2BF-38FD-D4A642129E99}"/>
+          </ac:spMkLst>
+        </pc:spChg>
+      </pc:sldChg>
+    </pc:docChg>
+  </pc:docChgLst>
+  <pc:docChgLst>
+    <pc:chgData name="Ankita L Savaliya" userId="45302890-fb20-4ef9-a20b-62d8ea27512f" providerId="ADAL" clId="{957F8EF4-DE2E-406C-A9E6-2384E4E35E69}"/>
+    <pc:docChg chg="undo custSel addSld delSld modSld sldOrd">
+      <pc:chgData name="Ankita L Savaliya" userId="45302890-fb20-4ef9-a20b-62d8ea27512f" providerId="ADAL" clId="{957F8EF4-DE2E-406C-A9E6-2384E4E35E69}" dt="2025-02-15T03:49:39.317" v="1883" actId="20577"/>
+      <pc:docMkLst>
+        <pc:docMk/>
+      </pc:docMkLst>
+      <pc:sldChg chg="addSp delSp modSp mod setBg addAnim delAnim setClrOvrMap delDesignElem">
+        <pc:chgData name="Ankita L Savaliya" userId="45302890-fb20-4ef9-a20b-62d8ea27512f" providerId="ADAL" clId="{957F8EF4-DE2E-406C-A9E6-2384E4E35E69}" dt="2025-02-15T02:40:34.360" v="1135" actId="26606"/>
+        <pc:sldMkLst>
+          <pc:docMk/>
+          <pc:sldMk cId="3555822054" sldId="256"/>
+        </pc:sldMkLst>
+        <pc:spChg chg="mod">
+          <ac:chgData name="Ankita L Savaliya" userId="45302890-fb20-4ef9-a20b-62d8ea27512f" providerId="ADAL" clId="{957F8EF4-DE2E-406C-A9E6-2384E4E35E69}" dt="2025-02-15T02:40:34.353" v="1134" actId="26606"/>
+          <ac:spMkLst>
+            <pc:docMk/>
+            <pc:sldMk cId="3555822054" sldId="256"/>
+            <ac:spMk id="2" creationId="{6DE1F141-748A-688F-F0D9-6F676A5E5F5E}"/>
+          </ac:spMkLst>
+        </pc:spChg>
+        <pc:spChg chg="mod">
+          <ac:chgData name="Ankita L Savaliya" userId="45302890-fb20-4ef9-a20b-62d8ea27512f" providerId="ADAL" clId="{957F8EF4-DE2E-406C-A9E6-2384E4E35E69}" dt="2025-02-15T02:40:34.353" v="1134" actId="26606"/>
+          <ac:spMkLst>
+            <pc:docMk/>
+            <pc:sldMk cId="3555822054" sldId="256"/>
+            <ac:spMk id="3" creationId="{63E8C6E9-2841-5703-7F05-70FBEE0B44ED}"/>
+          </ac:spMkLst>
+        </pc:spChg>
+        <pc:spChg chg="add del">
+          <ac:chgData name="Ankita L Savaliya" userId="45302890-fb20-4ef9-a20b-62d8ea27512f" providerId="ADAL" clId="{957F8EF4-DE2E-406C-A9E6-2384E4E35E69}" dt="2025-02-15T02:34:28.682" v="1086" actId="26606"/>
+          <ac:spMkLst>
+            <pc:docMk/>
+            <pc:sldMk cId="3555822054" sldId="256"/>
+            <ac:spMk id="8" creationId="{384E03DA-B800-46E1-AF36-59DF74A4B0F7}"/>
+          </ac:spMkLst>
+        </pc:spChg>
+        <pc:spChg chg="add del">
+          <ac:chgData name="Ankita L Savaliya" userId="45302890-fb20-4ef9-a20b-62d8ea27512f" providerId="ADAL" clId="{957F8EF4-DE2E-406C-A9E6-2384E4E35E69}" dt="2025-02-15T02:34:28.682" v="1086" actId="26606"/>
+          <ac:spMkLst>
+            <pc:docMk/>
+            <pc:sldMk cId="3555822054" sldId="256"/>
+            <ac:spMk id="10" creationId="{D7A9900B-CB87-464C-884A-B15D70B64935}"/>
+          </ac:spMkLst>
+        </pc:spChg>
+        <pc:spChg chg="add del">
+          <ac:chgData name="Ankita L Savaliya" userId="45302890-fb20-4ef9-a20b-62d8ea27512f" providerId="ADAL" clId="{957F8EF4-DE2E-406C-A9E6-2384E4E35E69}" dt="2025-02-15T02:32:22.564" v="1073" actId="26606"/>
+          <ac:spMkLst>
+            <pc:docMk/>
+            <pc:sldMk cId="3555822054" sldId="256"/>
+            <ac:spMk id="28" creationId="{33E93247-6229-44AB-A550-739E971E690B}"/>
+          </ac:spMkLst>
+        </pc:spChg>
+        <pc:spChg chg="add del">
+          <ac:chgData name="Ankita L Savaliya" userId="45302890-fb20-4ef9-a20b-62d8ea27512f" providerId="ADAL" clId="{957F8EF4-DE2E-406C-A9E6-2384E4E35E69}" dt="2025-02-15T02:32:22.564" v="1073" actId="26606"/>
+          <ac:spMkLst>
+            <pc:docMk/>
+            <pc:sldMk cId="3555822054" sldId="256"/>
+            <ac:spMk id="29" creationId="{912025B4-7337-735E-4DC9-E634D2011984}"/>
+          </ac:spMkLst>
+        </pc:spChg>
+        <pc:spChg chg="add del">
+          <ac:chgData name="Ankita L Savaliya" userId="45302890-fb20-4ef9-a20b-62d8ea27512f" providerId="ADAL" clId="{957F8EF4-DE2E-406C-A9E6-2384E4E35E69}" dt="2025-02-15T02:32:22.564" v="1073" actId="26606"/>
+          <ac:spMkLst>
+            <pc:docMk/>
+            <pc:sldMk cId="3555822054" sldId="256"/>
+            <ac:spMk id="30" creationId="{150CDACD-D191-E642-F686-FCB54B7E5F67}"/>
+          </ac:spMkLst>
+        </pc:spChg>
+        <pc:spChg chg="add del">
+          <ac:chgData name="Ankita L Savaliya" userId="45302890-fb20-4ef9-a20b-62d8ea27512f" providerId="ADAL" clId="{957F8EF4-DE2E-406C-A9E6-2384E4E35E69}" dt="2025-02-15T02:32:22.556" v="1072" actId="26606"/>
+          <ac:spMkLst>
+            <pc:docMk/>
+            <pc:sldMk cId="3555822054" sldId="256"/>
+            <ac:spMk id="35" creationId="{FAF3766F-DEF3-4802-BB0D-7A18EDD9704F}"/>
+          </ac:spMkLst>
+        </pc:spChg>
+        <pc:spChg chg="add del">
+          <ac:chgData name="Ankita L Savaliya" userId="45302890-fb20-4ef9-a20b-62d8ea27512f" providerId="ADAL" clId="{957F8EF4-DE2E-406C-A9E6-2384E4E35E69}" dt="2025-02-15T02:32:22.556" v="1072" actId="26606"/>
+          <ac:spMkLst>
+            <pc:docMk/>
+            <pc:sldMk cId="3555822054" sldId="256"/>
+            <ac:spMk id="37" creationId="{81F0C179-4DBF-6AB9-CD0B-9224A0C885A4}"/>
+          </ac:spMkLst>
+        </pc:spChg>
+        <pc:spChg chg="add del">
+          <ac:chgData name="Ankita L Savaliya" userId="45302890-fb20-4ef9-a20b-62d8ea27512f" providerId="ADAL" clId="{957F8EF4-DE2E-406C-A9E6-2384E4E35E69}" dt="2025-02-15T02:40:34.360" v="1135" actId="26606"/>
+          <ac:spMkLst>
+            <pc:docMk/>
+            <pc:sldMk cId="3555822054" sldId="256"/>
+            <ac:spMk id="39" creationId="{43F82943-4565-9E0E-E9DB-5B7B417E670A}"/>
+          </ac:spMkLst>
+        </pc:spChg>
+        <pc:spChg chg="add del">
+          <ac:chgData name="Ankita L Savaliya" userId="45302890-fb20-4ef9-a20b-62d8ea27512f" providerId="ADAL" clId="{957F8EF4-DE2E-406C-A9E6-2384E4E35E69}" dt="2025-02-15T02:40:34.360" v="1135" actId="26606"/>
+          <ac:spMkLst>
+            <pc:docMk/>
+            <pc:sldMk cId="3555822054" sldId="256"/>
+            <ac:spMk id="40" creationId="{E73AF435-44C8-C44B-9352-ACFA393E2F29}"/>
+          </ac:spMkLst>
+        </pc:spChg>
+        <pc:spChg chg="add del">
+          <ac:chgData name="Ankita L Savaliya" userId="45302890-fb20-4ef9-a20b-62d8ea27512f" providerId="ADAL" clId="{957F8EF4-DE2E-406C-A9E6-2384E4E35E69}" dt="2025-02-15T02:40:34.360" v="1135" actId="26606"/>
+          <ac:spMkLst>
+            <pc:docMk/>
+            <pc:sldMk cId="3555822054" sldId="256"/>
+            <ac:spMk id="41" creationId="{288058DF-7580-C88F-23F0-429412309B31}"/>
+          </ac:spMkLst>
+        </pc:spChg>
+        <pc:spChg chg="add del">
+          <ac:chgData name="Ankita L Savaliya" userId="45302890-fb20-4ef9-a20b-62d8ea27512f" providerId="ADAL" clId="{957F8EF4-DE2E-406C-A9E6-2384E4E35E69}" dt="2025-02-15T02:40:34.353" v="1134" actId="26606"/>
+          <ac:spMkLst>
+            <pc:docMk/>
+            <pc:sldMk cId="3555822054" sldId="256"/>
+            <ac:spMk id="43" creationId="{33E93247-6229-44AB-A550-739E971E690B}"/>
+          </ac:spMkLst>
+        </pc:spChg>
+        <pc:spChg chg="add del">
+          <ac:chgData name="Ankita L Savaliya" userId="45302890-fb20-4ef9-a20b-62d8ea27512f" providerId="ADAL" clId="{957F8EF4-DE2E-406C-A9E6-2384E4E35E69}" dt="2025-02-15T02:40:34.353" v="1134" actId="26606"/>
+          <ac:spMkLst>
+            <pc:docMk/>
+            <pc:sldMk cId="3555822054" sldId="256"/>
+            <ac:spMk id="44" creationId="{912025B4-7337-735E-4DC9-E634D2011984}"/>
+          </ac:spMkLst>
+        </pc:spChg>
+        <pc:spChg chg="add del">
+          <ac:chgData name="Ankita L Savaliya" userId="45302890-fb20-4ef9-a20b-62d8ea27512f" providerId="ADAL" clId="{957F8EF4-DE2E-406C-A9E6-2384E4E35E69}" dt="2025-02-15T02:40:34.353" v="1134" actId="26606"/>
+          <ac:spMkLst>
+            <pc:docMk/>
+            <pc:sldMk cId="3555822054" sldId="256"/>
+            <ac:spMk id="45" creationId="{150CDACD-D191-E642-F686-FCB54B7E5F67}"/>
+          </ac:spMkLst>
+        </pc:spChg>
+        <pc:spChg chg="add del">
+          <ac:chgData name="Ankita L Savaliya" userId="45302890-fb20-4ef9-a20b-62d8ea27512f" providerId="ADAL" clId="{957F8EF4-DE2E-406C-A9E6-2384E4E35E69}" dt="2025-02-15T02:33:39.287" v="1076" actId="26606"/>
+          <ac:spMkLst>
+            <pc:docMk/>
+            <pc:sldMk cId="3555822054" sldId="256"/>
+            <ac:spMk id="46" creationId="{CEDBC09E-10FE-C48A-8AE5-2DE3D7D705D6}"/>
+          </ac:spMkLst>
+        </pc:spChg>
+        <pc:spChg chg="add">
+          <ac:chgData name="Ankita L Savaliya" userId="45302890-fb20-4ef9-a20b-62d8ea27512f" providerId="ADAL" clId="{957F8EF4-DE2E-406C-A9E6-2384E4E35E69}" dt="2025-02-15T02:40:34.360" v="1135" actId="26606"/>
+          <ac:spMkLst>
+            <pc:docMk/>
+            <pc:sldMk cId="3555822054" sldId="256"/>
+            <ac:spMk id="47" creationId="{E73AF435-44C8-C44B-9352-ACFA393E2F29}"/>
+          </ac:spMkLst>
+        </pc:spChg>
+        <pc:spChg chg="add del">
+          <ac:chgData name="Ankita L Savaliya" userId="45302890-fb20-4ef9-a20b-62d8ea27512f" providerId="ADAL" clId="{957F8EF4-DE2E-406C-A9E6-2384E4E35E69}" dt="2025-02-15T02:33:39.287" v="1076" actId="26606"/>
+          <ac:spMkLst>
+            <pc:docMk/>
+            <pc:sldMk cId="3555822054" sldId="256"/>
+            <ac:spMk id="48" creationId="{31EBD83C-D653-7B6E-791C-91DC49F82E50}"/>
+          </ac:spMkLst>
+        </pc:spChg>
+        <pc:spChg chg="add">
+          <ac:chgData name="Ankita L Savaliya" userId="45302890-fb20-4ef9-a20b-62d8ea27512f" providerId="ADAL" clId="{957F8EF4-DE2E-406C-A9E6-2384E4E35E69}" dt="2025-02-15T02:40:34.360" v="1135" actId="26606"/>
+          <ac:spMkLst>
+            <pc:docMk/>
+            <pc:sldMk cId="3555822054" sldId="256"/>
+            <ac:spMk id="49" creationId="{288058DF-7580-C88F-23F0-429412309B31}"/>
+          </ac:spMkLst>
+        </pc:spChg>
+        <pc:spChg chg="add del">
+          <ac:chgData name="Ankita L Savaliya" userId="45302890-fb20-4ef9-a20b-62d8ea27512f" providerId="ADAL" clId="{957F8EF4-DE2E-406C-A9E6-2384E4E35E69}" dt="2025-02-15T02:33:39.287" v="1076" actId="26606"/>
+          <ac:spMkLst>
+            <pc:docMk/>
+            <pc:sldMk cId="3555822054" sldId="256"/>
+            <ac:spMk id="50" creationId="{28B09CB6-CBCC-A221-E35E-4FA215926078}"/>
+          </ac:spMkLst>
+        </pc:spChg>
+        <pc:spChg chg="add">
+          <ac:chgData name="Ankita L Savaliya" userId="45302890-fb20-4ef9-a20b-62d8ea27512f" providerId="ADAL" clId="{957F8EF4-DE2E-406C-A9E6-2384E4E35E69}" dt="2025-02-15T02:40:34.360" v="1135" actId="26606"/>
+          <ac:spMkLst>
+            <pc:docMk/>
+            <pc:sldMk cId="3555822054" sldId="256"/>
+            <ac:spMk id="51" creationId="{43F82943-4565-9E0E-E9DB-5B7B417E670A}"/>
+          </ac:spMkLst>
+        </pc:spChg>
+        <pc:spChg chg="add del">
+          <ac:chgData name="Ankita L Savaliya" userId="45302890-fb20-4ef9-a20b-62d8ea27512f" providerId="ADAL" clId="{957F8EF4-DE2E-406C-A9E6-2384E4E35E69}" dt="2025-02-15T02:33:49.949" v="1078" actId="26606"/>
+          <ac:spMkLst>
+            <pc:docMk/>
+            <pc:sldMk cId="3555822054" sldId="256"/>
+            <ac:spMk id="52" creationId="{E20BB609-EF92-42DB-836C-0699A590B5CF}"/>
+          </ac:spMkLst>
+        </pc:spChg>
+        <pc:spChg chg="add del">
+          <ac:chgData name="Ankita L Savaliya" userId="45302890-fb20-4ef9-a20b-62d8ea27512f" providerId="ADAL" clId="{957F8EF4-DE2E-406C-A9E6-2384E4E35E69}" dt="2025-02-15T02:33:49.949" v="1078" actId="26606"/>
+          <ac:spMkLst>
+            <pc:docMk/>
+            <pc:sldMk cId="3555822054" sldId="256"/>
+            <ac:spMk id="53" creationId="{B2C335F7-F61C-4EB4-80F2-4B1438FE66BB}"/>
+          </ac:spMkLst>
+        </pc:spChg>
+        <pc:spChg chg="add del">
+          <ac:chgData name="Ankita L Savaliya" userId="45302890-fb20-4ef9-a20b-62d8ea27512f" providerId="ADAL" clId="{957F8EF4-DE2E-406C-A9E6-2384E4E35E69}" dt="2025-02-15T02:33:49.949" v="1078" actId="26606"/>
+          <ac:spMkLst>
+            <pc:docMk/>
+            <pc:sldMk cId="3555822054" sldId="256"/>
+            <ac:spMk id="54" creationId="{20011C4F-7FF0-7357-C559-B7679DC27621}"/>
+          </ac:spMkLst>
+        </pc:spChg>
+        <pc:spChg chg="add del">
+          <ac:chgData name="Ankita L Savaliya" userId="45302890-fb20-4ef9-a20b-62d8ea27512f" providerId="ADAL" clId="{957F8EF4-DE2E-406C-A9E6-2384E4E35E69}" dt="2025-02-15T02:40:22.732" v="1129" actId="26606"/>
+          <ac:spMkLst>
+            <pc:docMk/>
+            <pc:sldMk cId="3555822054" sldId="256"/>
+            <ac:spMk id="56" creationId="{C7EFAAB5-34A3-C2FC-70BA-7720CC8ADBAC}"/>
+          </ac:spMkLst>
+        </pc:spChg>
+        <pc:spChg chg="add del">
+          <ac:chgData name="Ankita L Savaliya" userId="45302890-fb20-4ef9-a20b-62d8ea27512f" providerId="ADAL" clId="{957F8EF4-DE2E-406C-A9E6-2384E4E35E69}" dt="2025-02-15T02:40:22.732" v="1129" actId="26606"/>
+          <ac:spMkLst>
+            <pc:docMk/>
+            <pc:sldMk cId="3555822054" sldId="256"/>
+            <ac:spMk id="57" creationId="{A8A44BC8-2508-4575-75F6-0ED3F11E721E}"/>
+          </ac:spMkLst>
+        </pc:spChg>
+        <pc:spChg chg="add del">
+          <ac:chgData name="Ankita L Savaliya" userId="45302890-fb20-4ef9-a20b-62d8ea27512f" providerId="ADAL" clId="{957F8EF4-DE2E-406C-A9E6-2384E4E35E69}" dt="2025-02-15T02:40:22.732" v="1129" actId="26606"/>
+          <ac:spMkLst>
+            <pc:docMk/>
+            <pc:sldMk cId="3555822054" sldId="256"/>
+            <ac:spMk id="58" creationId="{74BCF1CC-D6F1-21D9-307D-C36BA9E87FB8}"/>
+          </ac:spMkLst>
+        </pc:spChg>
+        <pc:picChg chg="add del mod ord">
+          <ac:chgData name="Ankita L Savaliya" userId="45302890-fb20-4ef9-a20b-62d8ea27512f" providerId="ADAL" clId="{957F8EF4-DE2E-406C-A9E6-2384E4E35E69}" dt="2025-02-15T02:40:34.353" v="1134" actId="26606"/>
+          <ac:picMkLst>
+            <pc:docMk/>
+            <pc:sldMk cId="3555822054" sldId="256"/>
+            <ac:picMk id="4" creationId="{A993C5C8-8E73-88F5-103A-A65784B961E3}"/>
+          </ac:picMkLst>
+        </pc:picChg>
+        <pc:cxnChg chg="add del">
+          <ac:chgData name="Ankita L Savaliya" userId="45302890-fb20-4ef9-a20b-62d8ea27512f" providerId="ADAL" clId="{957F8EF4-DE2E-406C-A9E6-2384E4E35E69}" dt="2025-02-15T02:34:28.682" v="1086" actId="26606"/>
+          <ac:cxnSpMkLst>
+            <pc:docMk/>
+            <pc:sldMk cId="3555822054" sldId="256"/>
+            <ac:cxnSpMk id="12" creationId="{2095369B-D528-438E-80C9-A093047670EE}"/>
+          </ac:cxnSpMkLst>
+        </pc:cxnChg>
+      </pc:sldChg>
+      <pc:sldChg chg="addSp delSp modSp mod delDesignElem">
+        <pc:chgData name="Ankita L Savaliya" userId="45302890-fb20-4ef9-a20b-62d8ea27512f" providerId="ADAL" clId="{957F8EF4-DE2E-406C-A9E6-2384E4E35E69}" dt="2025-02-15T03:49:39.317" v="1883" actId="20577"/>
+        <pc:sldMkLst>
+          <pc:docMk/>
+          <pc:sldMk cId="822473328" sldId="257"/>
+        </pc:sldMkLst>
+        <pc:spChg chg="add del mod">
+          <ac:chgData name="Ankita L Savaliya" userId="45302890-fb20-4ef9-a20b-62d8ea27512f" providerId="ADAL" clId="{957F8EF4-DE2E-406C-A9E6-2384E4E35E69}" dt="2025-02-15T03:49:39.317" v="1883" actId="20577"/>
+          <ac:spMkLst>
+            <pc:docMk/>
+            <pc:sldMk cId="822473328" sldId="257"/>
+            <ac:spMk id="3" creationId="{A83D3130-87C0-1B70-EDF8-CFA62202A82A}"/>
+          </ac:spMkLst>
+        </pc:spChg>
+        <pc:spChg chg="del">
+          <ac:chgData name="Ankita L Savaliya" userId="45302890-fb20-4ef9-a20b-62d8ea27512f" providerId="ADAL" clId="{957F8EF4-DE2E-406C-A9E6-2384E4E35E69}" dt="2025-02-14T17:20:47.372" v="33" actId="26606"/>
+          <ac:spMkLst>
+            <pc:docMk/>
+            <pc:sldMk cId="822473328" sldId="257"/>
+            <ac:spMk id="8" creationId="{42C91D93-014B-66D5-D263-730212C94315}"/>
+          </ac:spMkLst>
+        </pc:spChg>
+        <pc:spChg chg="del">
+          <ac:chgData name="Ankita L Savaliya" userId="45302890-fb20-4ef9-a20b-62d8ea27512f" providerId="ADAL" clId="{957F8EF4-DE2E-406C-A9E6-2384E4E35E69}" dt="2025-02-14T17:20:47.372" v="33" actId="26606"/>
+          <ac:spMkLst>
+            <pc:docMk/>
+            <pc:sldMk cId="822473328" sldId="257"/>
+            <ac:spMk id="10" creationId="{9568B8C9-6702-8441-0D92-220DE92C8861}"/>
+          </ac:spMkLst>
+        </pc:spChg>
+        <pc:spChg chg="add del">
+          <ac:chgData name="Ankita L Savaliya" userId="45302890-fb20-4ef9-a20b-62d8ea27512f" providerId="ADAL" clId="{957F8EF4-DE2E-406C-A9E6-2384E4E35E69}" dt="2025-02-15T02:45:13.281" v="1163" actId="26606"/>
+          <ac:spMkLst>
+            <pc:docMk/>
+            <pc:sldMk cId="822473328" sldId="257"/>
+            <ac:spMk id="15" creationId="{EEF92585-7A99-6108-9663-8C59032742EC}"/>
+          </ac:spMkLst>
+        </pc:spChg>
+        <pc:spChg chg="add del">
+          <ac:chgData name="Ankita L Savaliya" userId="45302890-fb20-4ef9-a20b-62d8ea27512f" providerId="ADAL" clId="{957F8EF4-DE2E-406C-A9E6-2384E4E35E69}" dt="2025-02-15T02:42:06.731" v="1151" actId="26606"/>
+          <ac:spMkLst>
+            <pc:docMk/>
+            <pc:sldMk cId="822473328" sldId="257"/>
+            <ac:spMk id="20" creationId="{EEF92585-7A99-6108-9663-8C59032742EC}"/>
+          </ac:spMkLst>
+        </pc:spChg>
+        <pc:spChg chg="add del">
+          <ac:chgData name="Ankita L Savaliya" userId="45302890-fb20-4ef9-a20b-62d8ea27512f" providerId="ADAL" clId="{957F8EF4-DE2E-406C-A9E6-2384E4E35E69}" dt="2025-02-15T02:41:01.508" v="1137" actId="26606"/>
+          <ac:spMkLst>
+            <pc:docMk/>
+            <pc:sldMk cId="822473328" sldId="257"/>
+            <ac:spMk id="21" creationId="{F420BC5C-C418-4843-B04B-6918968D0982}"/>
+          </ac:spMkLst>
+        </pc:spChg>
+        <pc:spChg chg="add del">
+          <ac:chgData name="Ankita L Savaliya" userId="45302890-fb20-4ef9-a20b-62d8ea27512f" providerId="ADAL" clId="{957F8EF4-DE2E-406C-A9E6-2384E4E35E69}" dt="2025-02-15T02:42:06.731" v="1151" actId="26606"/>
+          <ac:spMkLst>
+            <pc:docMk/>
+            <pc:sldMk cId="822473328" sldId="257"/>
+            <ac:spMk id="22" creationId="{C6D5B03A-B780-A698-DFA9-C9932F22DDD0}"/>
+          </ac:spMkLst>
+        </pc:spChg>
+        <pc:spChg chg="add del">
+          <ac:chgData name="Ankita L Savaliya" userId="45302890-fb20-4ef9-a20b-62d8ea27512f" providerId="ADAL" clId="{957F8EF4-DE2E-406C-A9E6-2384E4E35E69}" dt="2025-02-15T02:41:01.508" v="1137" actId="26606"/>
+          <ac:spMkLst>
+            <pc:docMk/>
+            <pc:sldMk cId="822473328" sldId="257"/>
+            <ac:spMk id="23" creationId="{04E511C3-750B-AA87-AE51-0FA2069EA0B9}"/>
+          </ac:spMkLst>
+        </pc:spChg>
+        <pc:spChg chg="add del">
+          <ac:chgData name="Ankita L Savaliya" userId="45302890-fb20-4ef9-a20b-62d8ea27512f" providerId="ADAL" clId="{957F8EF4-DE2E-406C-A9E6-2384E4E35E69}" dt="2025-02-15T02:41:21.581" v="1139" actId="26606"/>
+          <ac:spMkLst>
+            <pc:docMk/>
+            <pc:sldMk cId="822473328" sldId="257"/>
+            <ac:spMk id="25" creationId="{04213918-F1EB-4BCE-BE23-F5E9851EE05C}"/>
+          </ac:spMkLst>
+        </pc:spChg>
+        <pc:spChg chg="add del">
+          <ac:chgData name="Ankita L Savaliya" userId="45302890-fb20-4ef9-a20b-62d8ea27512f" providerId="ADAL" clId="{957F8EF4-DE2E-406C-A9E6-2384E4E35E69}" dt="2025-02-15T02:41:21.581" v="1139" actId="26606"/>
+          <ac:spMkLst>
+            <pc:docMk/>
+            <pc:sldMk cId="822473328" sldId="257"/>
+            <ac:spMk id="26" creationId="{2062E862-C7F7-4CA1-B929-D0B75F5E9FB9}"/>
+          </ac:spMkLst>
+        </pc:spChg>
+        <pc:spChg chg="add del">
+          <ac:chgData name="Ankita L Savaliya" userId="45302890-fb20-4ef9-a20b-62d8ea27512f" providerId="ADAL" clId="{957F8EF4-DE2E-406C-A9E6-2384E4E35E69}" dt="2025-02-15T02:41:24.592" v="1141" actId="26606"/>
+          <ac:spMkLst>
+            <pc:docMk/>
+            <pc:sldMk cId="822473328" sldId="257"/>
+            <ac:spMk id="29" creationId="{EEF92585-7A99-6108-9663-8C59032742EC}"/>
+          </ac:spMkLst>
+        </pc:spChg>
+        <pc:spChg chg="add del">
+          <ac:chgData name="Ankita L Savaliya" userId="45302890-fb20-4ef9-a20b-62d8ea27512f" providerId="ADAL" clId="{957F8EF4-DE2E-406C-A9E6-2384E4E35E69}" dt="2025-02-15T02:41:34.512" v="1143" actId="26606"/>
+          <ac:spMkLst>
+            <pc:docMk/>
+            <pc:sldMk cId="822473328" sldId="257"/>
+            <ac:spMk id="32" creationId="{EEF92585-7A99-6108-9663-8C59032742EC}"/>
+          </ac:spMkLst>
+        </pc:spChg>
+        <pc:spChg chg="add del">
+          <ac:chgData name="Ankita L Savaliya" userId="45302890-fb20-4ef9-a20b-62d8ea27512f" providerId="ADAL" clId="{957F8EF4-DE2E-406C-A9E6-2384E4E35E69}" dt="2025-02-15T02:41:38.722" v="1145" actId="26606"/>
+          <ac:spMkLst>
+            <pc:docMk/>
+            <pc:sldMk cId="822473328" sldId="257"/>
+            <ac:spMk id="35" creationId="{EEF92585-7A99-6108-9663-8C59032742EC}"/>
+          </ac:spMkLst>
+        </pc:spChg>
+        <pc:spChg chg="add del">
+          <ac:chgData name="Ankita L Savaliya" userId="45302890-fb20-4ef9-a20b-62d8ea27512f" providerId="ADAL" clId="{957F8EF4-DE2E-406C-A9E6-2384E4E35E69}" dt="2025-02-15T02:41:43.059" v="1147" actId="26606"/>
+          <ac:spMkLst>
+            <pc:docMk/>
+            <pc:sldMk cId="822473328" sldId="257"/>
+            <ac:spMk id="38" creationId="{EEF92585-7A99-6108-9663-8C59032742EC}"/>
+          </ac:spMkLst>
+        </pc:spChg>
+        <pc:spChg chg="add del">
+          <ac:chgData name="Ankita L Savaliya" userId="45302890-fb20-4ef9-a20b-62d8ea27512f" providerId="ADAL" clId="{957F8EF4-DE2E-406C-A9E6-2384E4E35E69}" dt="2025-02-15T02:42:00.201" v="1149" actId="26606"/>
+          <ac:spMkLst>
+            <pc:docMk/>
+            <pc:sldMk cId="822473328" sldId="257"/>
+            <ac:spMk id="41" creationId="{4E17AA97-89A7-45C1-B813-BFF6C23D79E1}"/>
+          </ac:spMkLst>
+        </pc:spChg>
+        <pc:spChg chg="add del">
+          <ac:chgData name="Ankita L Savaliya" userId="45302890-fb20-4ef9-a20b-62d8ea27512f" providerId="ADAL" clId="{957F8EF4-DE2E-406C-A9E6-2384E4E35E69}" dt="2025-02-15T02:42:00.201" v="1149" actId="26606"/>
+          <ac:spMkLst>
+            <pc:docMk/>
+            <pc:sldMk cId="822473328" sldId="257"/>
+            <ac:spMk id="42" creationId="{33AC4FE1-D370-43A6-96C5-076716BB1E76}"/>
+          </ac:spMkLst>
+        </pc:spChg>
+        <pc:spChg chg="add del">
+          <ac:chgData name="Ankita L Savaliya" userId="45302890-fb20-4ef9-a20b-62d8ea27512f" providerId="ADAL" clId="{957F8EF4-DE2E-406C-A9E6-2384E4E35E69}" dt="2025-02-15T02:42:00.201" v="1149" actId="26606"/>
+          <ac:spMkLst>
+            <pc:docMk/>
+            <pc:sldMk cId="822473328" sldId="257"/>
+            <ac:spMk id="43" creationId="{4A3D569D-D3A6-49CA-A483-291E95DACA14}"/>
+          </ac:spMkLst>
+        </pc:spChg>
+        <pc:spChg chg="add del">
+          <ac:chgData name="Ankita L Savaliya" userId="45302890-fb20-4ef9-a20b-62d8ea27512f" providerId="ADAL" clId="{957F8EF4-DE2E-406C-A9E6-2384E4E35E69}" dt="2025-02-15T02:42:06.731" v="1151" actId="26606"/>
+          <ac:spMkLst>
+            <pc:docMk/>
+            <pc:sldMk cId="822473328" sldId="257"/>
+            <ac:spMk id="46" creationId="{A83D3130-87C0-1B70-EDF8-CFA62202A82A}"/>
+          </ac:spMkLst>
+        </pc:spChg>
+        <pc:spChg chg="add del">
+          <ac:chgData name="Ankita L Savaliya" userId="45302890-fb20-4ef9-a20b-62d8ea27512f" providerId="ADAL" clId="{957F8EF4-DE2E-406C-A9E6-2384E4E35E69}" dt="2025-02-15T02:42:13.681" v="1153" actId="26606"/>
+          <ac:spMkLst>
+            <pc:docMk/>
+            <pc:sldMk cId="822473328" sldId="257"/>
+            <ac:spMk id="48" creationId="{42C91D93-014B-66D5-D263-730212C94315}"/>
+          </ac:spMkLst>
+        </pc:spChg>
+        <pc:spChg chg="add del">
+          <ac:chgData name="Ankita L Savaliya" userId="45302890-fb20-4ef9-a20b-62d8ea27512f" providerId="ADAL" clId="{957F8EF4-DE2E-406C-A9E6-2384E4E35E69}" dt="2025-02-15T02:42:13.681" v="1153" actId="26606"/>
+          <ac:spMkLst>
+            <pc:docMk/>
+            <pc:sldMk cId="822473328" sldId="257"/>
+            <ac:spMk id="49" creationId="{A83D3130-87C0-1B70-EDF8-CFA62202A82A}"/>
+          </ac:spMkLst>
+        </pc:spChg>
+        <pc:spChg chg="add del">
+          <ac:chgData name="Ankita L Savaliya" userId="45302890-fb20-4ef9-a20b-62d8ea27512f" providerId="ADAL" clId="{957F8EF4-DE2E-406C-A9E6-2384E4E35E69}" dt="2025-02-15T02:42:13.681" v="1153" actId="26606"/>
+          <ac:spMkLst>
+            <pc:docMk/>
+            <pc:sldMk cId="822473328" sldId="257"/>
+            <ac:spMk id="50" creationId="{9568B8C9-6702-8441-0D92-220DE92C8861}"/>
+          </ac:spMkLst>
+        </pc:spChg>
+        <pc:spChg chg="add del">
+          <ac:chgData name="Ankita L Savaliya" userId="45302890-fb20-4ef9-a20b-62d8ea27512f" providerId="ADAL" clId="{957F8EF4-DE2E-406C-A9E6-2384E4E35E69}" dt="2025-02-15T02:42:33.915" v="1155" actId="26606"/>
+          <ac:spMkLst>
+            <pc:docMk/>
+            <pc:sldMk cId="822473328" sldId="257"/>
+            <ac:spMk id="52" creationId="{1653AE3C-AC4F-907C-B473-B9A30D21506F}"/>
+          </ac:spMkLst>
+        </pc:spChg>
+        <pc:spChg chg="add del">
+          <ac:chgData name="Ankita L Savaliya" userId="45302890-fb20-4ef9-a20b-62d8ea27512f" providerId="ADAL" clId="{957F8EF4-DE2E-406C-A9E6-2384E4E35E69}" dt="2025-02-15T02:42:33.915" v="1155" actId="26606"/>
+          <ac:spMkLst>
+            <pc:docMk/>
+            <pc:sldMk cId="822473328" sldId="257"/>
+            <ac:spMk id="53" creationId="{DC81933E-93BD-38CE-3C98-D10B2844C58A}"/>
+          </ac:spMkLst>
+        </pc:spChg>
+        <pc:spChg chg="add del">
+          <ac:chgData name="Ankita L Savaliya" userId="45302890-fb20-4ef9-a20b-62d8ea27512f" providerId="ADAL" clId="{957F8EF4-DE2E-406C-A9E6-2384E4E35E69}" dt="2025-02-15T02:42:33.915" v="1155" actId="26606"/>
+          <ac:spMkLst>
+            <pc:docMk/>
+            <pc:sldMk cId="822473328" sldId="257"/>
+            <ac:spMk id="54" creationId="{A83D3130-87C0-1B70-EDF8-CFA62202A82A}"/>
+          </ac:spMkLst>
+        </pc:spChg>
+        <pc:spChg chg="add del">
+          <ac:chgData name="Ankita L Savaliya" userId="45302890-fb20-4ef9-a20b-62d8ea27512f" providerId="ADAL" clId="{957F8EF4-DE2E-406C-A9E6-2384E4E35E69}" dt="2025-02-15T02:45:13.281" v="1163" actId="26606"/>
+          <ac:spMkLst>
+            <pc:docMk/>
+            <pc:sldMk cId="822473328" sldId="257"/>
+            <ac:spMk id="56" creationId="{817D949E-564D-4503-A64E-D22FA3232C29}"/>
+          </ac:spMkLst>
+        </pc:spChg>
+        <pc:spChg chg="add del">
+          <ac:chgData name="Ankita L Savaliya" userId="45302890-fb20-4ef9-a20b-62d8ea27512f" providerId="ADAL" clId="{957F8EF4-DE2E-406C-A9E6-2384E4E35E69}" dt="2025-02-15T02:45:13.281" v="1163" actId="26606"/>
+          <ac:spMkLst>
+            <pc:docMk/>
+            <pc:sldMk cId="822473328" sldId="257"/>
+            <ac:spMk id="57" creationId="{2C8EEB27-9249-8B3A-C8C2-18F9DC480810}"/>
+          </ac:spMkLst>
+        </pc:spChg>
+        <pc:spChg chg="add del">
+          <ac:chgData name="Ankita L Savaliya" userId="45302890-fb20-4ef9-a20b-62d8ea27512f" providerId="ADAL" clId="{957F8EF4-DE2E-406C-A9E6-2384E4E35E69}" dt="2025-02-15T02:45:13.281" v="1163" actId="26606"/>
+          <ac:spMkLst>
+            <pc:docMk/>
+            <pc:sldMk cId="822473328" sldId="257"/>
+            <ac:spMk id="58" creationId="{18482CAC-96FF-EBE5-E97D-0BE2B8A51E3F}"/>
+          </ac:spMkLst>
+        </pc:spChg>
+        <pc:graphicFrameChg chg="add del">
+          <ac:chgData name="Ankita L Savaliya" userId="45302890-fb20-4ef9-a20b-62d8ea27512f" providerId="ADAL" clId="{957F8EF4-DE2E-406C-A9E6-2384E4E35E69}" dt="2025-02-15T02:41:01.508" v="1137" actId="26606"/>
+          <ac:graphicFrameMkLst>
+            <pc:docMk/>
+            <pc:sldMk cId="822473328" sldId="257"/>
+            <ac:graphicFrameMk id="17" creationId="{7B195282-595C-8371-3497-A6FFA83389C5}"/>
+          </ac:graphicFrameMkLst>
+        </pc:graphicFrameChg>
+        <pc:graphicFrameChg chg="add del">
+          <ac:chgData name="Ankita L Savaliya" userId="45302890-fb20-4ef9-a20b-62d8ea27512f" providerId="ADAL" clId="{957F8EF4-DE2E-406C-A9E6-2384E4E35E69}" dt="2025-02-15T02:41:21.581" v="1139" actId="26606"/>
+          <ac:graphicFrameMkLst>
+            <pc:docMk/>
+            <pc:sldMk cId="822473328" sldId="257"/>
+            <ac:graphicFrameMk id="27" creationId="{67A2BD64-395A-E9D0-3990-324A5EFE94FA}"/>
+          </ac:graphicFrameMkLst>
+        </pc:graphicFrameChg>
+        <pc:graphicFrameChg chg="add del">
+          <ac:chgData name="Ankita L Savaliya" userId="45302890-fb20-4ef9-a20b-62d8ea27512f" providerId="ADAL" clId="{957F8EF4-DE2E-406C-A9E6-2384E4E35E69}" dt="2025-02-15T02:41:24.592" v="1141" actId="26606"/>
+          <ac:graphicFrameMkLst>
+            <pc:docMk/>
+            <pc:sldMk cId="822473328" sldId="257"/>
+            <ac:graphicFrameMk id="30" creationId="{DCE75472-4F62-36B1-BDF2-FE77FC037EF7}"/>
+          </ac:graphicFrameMkLst>
+        </pc:graphicFrameChg>
+        <pc:graphicFrameChg chg="add del">
+          <ac:chgData name="Ankita L Savaliya" userId="45302890-fb20-4ef9-a20b-62d8ea27512f" providerId="ADAL" clId="{957F8EF4-DE2E-406C-A9E6-2384E4E35E69}" dt="2025-02-15T02:41:34.512" v="1143" actId="26606"/>
+          <ac:graphicFrameMkLst>
+            <pc:docMk/>
+            <pc:sldMk cId="822473328" sldId="257"/>
+            <ac:graphicFrameMk id="33" creationId="{B9395D85-EAFA-BEC5-95CE-6941142BAB55}"/>
+          </ac:graphicFrameMkLst>
+        </pc:graphicFrameChg>
+        <pc:graphicFrameChg chg="add del">
+          <ac:chgData name="Ankita L Savaliya" userId="45302890-fb20-4ef9-a20b-62d8ea27512f" providerId="ADAL" clId="{957F8EF4-DE2E-406C-A9E6-2384E4E35E69}" dt="2025-02-15T02:41:38.722" v="1145" actId="26606"/>
+          <ac:graphicFrameMkLst>
+            <pc:docMk/>
+            <pc:sldMk cId="822473328" sldId="257"/>
+            <ac:graphicFrameMk id="36" creationId="{EC1CDC28-608E-3BA8-4C86-04BFBF0478D0}"/>
+          </ac:graphicFrameMkLst>
+        </pc:graphicFrameChg>
+        <pc:graphicFrameChg chg="add del">
+          <ac:chgData name="Ankita L Savaliya" userId="45302890-fb20-4ef9-a20b-62d8ea27512f" providerId="ADAL" clId="{957F8EF4-DE2E-406C-A9E6-2384E4E35E69}" dt="2025-02-15T02:41:43.059" v="1147" actId="26606"/>
+          <ac:graphicFrameMkLst>
+            <pc:docMk/>
+            <pc:sldMk cId="822473328" sldId="257"/>
+            <ac:graphicFrameMk id="39" creationId="{6D1B61BA-4EFB-97B9-EBCE-61FD19BCC478}"/>
+          </ac:graphicFrameMkLst>
+        </pc:graphicFrameChg>
+        <pc:graphicFrameChg chg="add del">
+          <ac:chgData name="Ankita L Savaliya" userId="45302890-fb20-4ef9-a20b-62d8ea27512f" providerId="ADAL" clId="{957F8EF4-DE2E-406C-A9E6-2384E4E35E69}" dt="2025-02-15T02:42:00.201" v="1149" actId="26606"/>
+          <ac:graphicFrameMkLst>
+            <pc:docMk/>
+            <pc:sldMk cId="822473328" sldId="257"/>
+            <ac:graphicFrameMk id="44" creationId="{A22868CC-49D4-0CB5-BB5D-A0B00653F866}"/>
+          </ac:graphicFrameMkLst>
+        </pc:graphicFrameChg>
+        <pc:graphicFrameChg chg="add del mod">
+          <ac:chgData name="Ankita L Savaliya" userId="45302890-fb20-4ef9-a20b-62d8ea27512f" providerId="ADAL" clId="{957F8EF4-DE2E-406C-A9E6-2384E4E35E69}" dt="2025-02-15T02:45:13.281" v="1163" actId="26606"/>
+          <ac:graphicFrameMkLst>
+            <pc:docMk/>
+            <pc:sldMk cId="822473328" sldId="257"/>
+            <ac:graphicFrameMk id="59" creationId="{B72C3906-1A14-D92F-29A7-30F6179DF942}"/>
+          </ac:graphicFrameMkLst>
+        </pc:graphicFrameChg>
+      </pc:sldChg>
+      <pc:sldChg chg="addSp delSp modSp del mod setBg setClrOvrMap">
+        <pc:chgData name="Ankita L Savaliya" userId="45302890-fb20-4ef9-a20b-62d8ea27512f" providerId="ADAL" clId="{957F8EF4-DE2E-406C-A9E6-2384E4E35E69}" dt="2025-02-14T17:26:36.919" v="93" actId="47"/>
+        <pc:sldMkLst>
+          <pc:docMk/>
+          <pc:sldMk cId="2561981010" sldId="258"/>
+        </pc:sldMkLst>
+        <pc:spChg chg="mod ord">
+          <ac:chgData name="Ankita L Savaliya" userId="45302890-fb20-4ef9-a20b-62d8ea27512f" providerId="ADAL" clId="{957F8EF4-DE2E-406C-A9E6-2384E4E35E69}" dt="2025-02-14T17:19:54.783" v="27" actId="20577"/>
+          <ac:spMkLst>
+            <pc:docMk/>
+            <pc:sldMk cId="2561981010" sldId="258"/>
+            <ac:spMk id="2" creationId="{E4DFCA61-89A2-0116-1094-3D86B3FADE95}"/>
+          </ac:spMkLst>
+        </pc:spChg>
+        <pc:spChg chg="del">
+          <ac:chgData name="Ankita L Savaliya" userId="45302890-fb20-4ef9-a20b-62d8ea27512f" providerId="ADAL" clId="{957F8EF4-DE2E-406C-A9E6-2384E4E35E69}" dt="2025-02-14T17:18:55.676" v="0" actId="478"/>
+          <ac:spMkLst>
+            <pc:docMk/>
+            <pc:sldMk cId="2561981010" sldId="258"/>
+            <ac:spMk id="3" creationId="{4FF400AB-908E-F62C-FE93-703C685F7980}"/>
+          </ac:spMkLst>
+        </pc:spChg>
+        <pc:spChg chg="add del">
+          <ac:chgData name="Ankita L Savaliya" userId="45302890-fb20-4ef9-a20b-62d8ea27512f" providerId="ADAL" clId="{957F8EF4-DE2E-406C-A9E6-2384E4E35E69}" dt="2025-02-14T17:19:25.046" v="4" actId="26606"/>
+          <ac:spMkLst>
+            <pc:docMk/>
+            <pc:sldMk cId="2561981010" sldId="258"/>
+            <ac:spMk id="10" creationId="{ADE57300-C7FF-4578-99A0-42B0295B123C}"/>
+          </ac:spMkLst>
+        </pc:spChg>
+        <pc:spChg chg="add del">
+          <ac:chgData name="Ankita L Savaliya" userId="45302890-fb20-4ef9-a20b-62d8ea27512f" providerId="ADAL" clId="{957F8EF4-DE2E-406C-A9E6-2384E4E35E69}" dt="2025-02-14T17:19:25.046" v="4" actId="26606"/>
+          <ac:spMkLst>
+            <pc:docMk/>
+            <pc:sldMk cId="2561981010" sldId="258"/>
+            <ac:spMk id="12" creationId="{DB8F8250-7A81-4A19-87AD-FFB2CE4E39A5}"/>
+          </ac:spMkLst>
+        </pc:spChg>
+        <pc:spChg chg="add del">
+          <ac:chgData name="Ankita L Savaliya" userId="45302890-fb20-4ef9-a20b-62d8ea27512f" providerId="ADAL" clId="{957F8EF4-DE2E-406C-A9E6-2384E4E35E69}" dt="2025-02-14T17:19:25.046" v="4" actId="26606"/>
+          <ac:spMkLst>
+            <pc:docMk/>
+            <pc:sldMk cId="2561981010" sldId="258"/>
+            <ac:spMk id="14" creationId="{499F38FC-2DEA-2647-C409-EF75720C1017}"/>
+          </ac:spMkLst>
+        </pc:spChg>
+        <pc:spChg chg="add del">
+          <ac:chgData name="Ankita L Savaliya" userId="45302890-fb20-4ef9-a20b-62d8ea27512f" providerId="ADAL" clId="{957F8EF4-DE2E-406C-A9E6-2384E4E35E69}" dt="2025-02-14T17:19:25.046" v="4" actId="26606"/>
+          <ac:spMkLst>
+            <pc:docMk/>
+            <pc:sldMk cId="2561981010" sldId="258"/>
+            <ac:spMk id="16" creationId="{F3FF94B3-6D3E-44FE-BB02-A9027C0003C7}"/>
+          </ac:spMkLst>
+        </pc:spChg>
+        <pc:spChg chg="add del">
+          <ac:chgData name="Ankita L Savaliya" userId="45302890-fb20-4ef9-a20b-62d8ea27512f" providerId="ADAL" clId="{957F8EF4-DE2E-406C-A9E6-2384E4E35E69}" dt="2025-02-14T17:19:25.046" v="4" actId="26606"/>
+          <ac:spMkLst>
+            <pc:docMk/>
+            <pc:sldMk cId="2561981010" sldId="258"/>
+            <ac:spMk id="18" creationId="{0EECA69B-4C2A-7F31-8019-E90DB3BD49CB}"/>
+          </ac:spMkLst>
+        </pc:spChg>
+        <pc:spChg chg="add del">
+          <ac:chgData name="Ankita L Savaliya" userId="45302890-fb20-4ef9-a20b-62d8ea27512f" providerId="ADAL" clId="{957F8EF4-DE2E-406C-A9E6-2384E4E35E69}" dt="2025-02-14T17:19:25.046" v="4" actId="26606"/>
+          <ac:spMkLst>
+            <pc:docMk/>
+            <pc:sldMk cId="2561981010" sldId="258"/>
+            <ac:spMk id="20" creationId="{857DEAC1-B3AA-6569-0A44-A191DF2F3C67}"/>
+          </ac:spMkLst>
+        </pc:spChg>
+        <pc:spChg chg="add">
+          <ac:chgData name="Ankita L Savaliya" userId="45302890-fb20-4ef9-a20b-62d8ea27512f" providerId="ADAL" clId="{957F8EF4-DE2E-406C-A9E6-2384E4E35E69}" dt="2025-02-14T17:19:25.055" v="5" actId="26606"/>
+          <ac:spMkLst>
+            <pc:docMk/>
+            <pc:sldMk cId="2561981010" sldId="258"/>
+            <ac:spMk id="22" creationId="{ADE57300-C7FF-4578-99A0-42B0295B123C}"/>
+          </ac:spMkLst>
+        </pc:spChg>
+        <pc:spChg chg="add">
+          <ac:chgData name="Ankita L Savaliya" userId="45302890-fb20-4ef9-a20b-62d8ea27512f" providerId="ADAL" clId="{957F8EF4-DE2E-406C-A9E6-2384E4E35E69}" dt="2025-02-14T17:19:25.055" v="5" actId="26606"/>
+          <ac:spMkLst>
+            <pc:docMk/>
+            <pc:sldMk cId="2561981010" sldId="258"/>
+            <ac:spMk id="23" creationId="{DB8F8250-7A81-4A19-87AD-FFB2CE4E39A5}"/>
+          </ac:spMkLst>
+        </pc:spChg>
+        <pc:spChg chg="add">
+          <ac:chgData name="Ankita L Savaliya" userId="45302890-fb20-4ef9-a20b-62d8ea27512f" providerId="ADAL" clId="{957F8EF4-DE2E-406C-A9E6-2384E4E35E69}" dt="2025-02-14T17:19:25.055" v="5" actId="26606"/>
+          <ac:spMkLst>
+            <pc:docMk/>
+            <pc:sldMk cId="2561981010" sldId="258"/>
+            <ac:spMk id="24" creationId="{499F38FC-2DEA-2647-C409-EF75720C1017}"/>
+          </ac:spMkLst>
+        </pc:spChg>
+        <pc:spChg chg="add">
+          <ac:chgData name="Ankita L Savaliya" userId="45302890-fb20-4ef9-a20b-62d8ea27512f" providerId="ADAL" clId="{957F8EF4-DE2E-406C-A9E6-2384E4E35E69}" dt="2025-02-14T17:19:25.055" v="5" actId="26606"/>
+          <ac:spMkLst>
+            <pc:docMk/>
+            <pc:sldMk cId="2561981010" sldId="258"/>
+            <ac:spMk id="25" creationId="{F3FF94B3-6D3E-44FE-BB02-A9027C0003C7}"/>
+          </ac:spMkLst>
+        </pc:spChg>
+        <pc:spChg chg="add">
+          <ac:chgData name="Ankita L Savaliya" userId="45302890-fb20-4ef9-a20b-62d8ea27512f" providerId="ADAL" clId="{957F8EF4-DE2E-406C-A9E6-2384E4E35E69}" dt="2025-02-14T17:19:25.055" v="5" actId="26606"/>
+          <ac:spMkLst>
+            <pc:docMk/>
+            <pc:sldMk cId="2561981010" sldId="258"/>
+            <ac:spMk id="26" creationId="{80B98925-0550-1AFB-C1DC-02792400FB71}"/>
+          </ac:spMkLst>
+        </pc:spChg>
+        <pc:spChg chg="add">
+          <ac:chgData name="Ankita L Savaliya" userId="45302890-fb20-4ef9-a20b-62d8ea27512f" providerId="ADAL" clId="{957F8EF4-DE2E-406C-A9E6-2384E4E35E69}" dt="2025-02-14T17:19:25.055" v="5" actId="26606"/>
+          <ac:spMkLst>
+            <pc:docMk/>
+            <pc:sldMk cId="2561981010" sldId="258"/>
+            <ac:spMk id="27" creationId="{0DBFCB27-760B-5FF3-72F5-581461CE16FD}"/>
+          </ac:spMkLst>
+        </pc:spChg>
+        <pc:picChg chg="add del mod">
+          <ac:chgData name="Ankita L Savaliya" userId="45302890-fb20-4ef9-a20b-62d8ea27512f" providerId="ADAL" clId="{957F8EF4-DE2E-406C-A9E6-2384E4E35E69}" dt="2025-02-14T17:19:35.371" v="6" actId="478"/>
+          <ac:picMkLst>
+            <pc:docMk/>
+            <pc:sldMk cId="2561981010" sldId="258"/>
+            <ac:picMk id="5" creationId="{061A8BB1-60E8-EA76-F9A4-C5D99B6CA009}"/>
+          </ac:picMkLst>
+        </pc:picChg>
+        <pc:picChg chg="add mod">
+          <ac:chgData name="Ankita L Savaliya" userId="45302890-fb20-4ef9-a20b-62d8ea27512f" providerId="ADAL" clId="{957F8EF4-DE2E-406C-A9E6-2384E4E35E69}" dt="2025-02-14T17:19:48.608" v="11" actId="1076"/>
+          <ac:picMkLst>
+            <pc:docMk/>
+            <pc:sldMk cId="2561981010" sldId="258"/>
+            <ac:picMk id="7" creationId="{32A1152D-A005-A0C9-70C5-808BCB64E435}"/>
+          </ac:picMkLst>
+        </pc:picChg>
+      </pc:sldChg>
+      <pc:sldChg chg="addSp delSp modSp new mod ord setBg delDesignElem">
+        <pc:chgData name="Ankita L Savaliya" userId="45302890-fb20-4ef9-a20b-62d8ea27512f" providerId="ADAL" clId="{957F8EF4-DE2E-406C-A9E6-2384E4E35E69}" dt="2025-02-15T02:57:15.137" v="1515"/>
+        <pc:sldMkLst>
+          <pc:docMk/>
+          <pc:sldMk cId="1877906925" sldId="259"/>
+        </pc:sldMkLst>
+        <pc:spChg chg="del mod">
+          <ac:chgData name="Ankita L Savaliya" userId="45302890-fb20-4ef9-a20b-62d8ea27512f" providerId="ADAL" clId="{957F8EF4-DE2E-406C-A9E6-2384E4E35E69}" dt="2025-02-14T17:22:58.952" v="56" actId="478"/>
+          <ac:spMkLst>
+            <pc:docMk/>
+            <pc:sldMk cId="1877906925" sldId="259"/>
+            <ac:spMk id="2" creationId="{B684A621-0B82-5631-8275-050820EBBDD0}"/>
+          </ac:spMkLst>
+        </pc:spChg>
+        <pc:spChg chg="del mod">
+          <ac:chgData name="Ankita L Savaliya" userId="45302890-fb20-4ef9-a20b-62d8ea27512f" providerId="ADAL" clId="{957F8EF4-DE2E-406C-A9E6-2384E4E35E69}" dt="2025-02-14T17:22:52.987" v="55" actId="26606"/>
+          <ac:spMkLst>
+            <pc:docMk/>
+            <pc:sldMk cId="1877906925" sldId="259"/>
+            <ac:spMk id="3" creationId="{42FD1A5C-C0B4-113F-D38A-46A8D5721855}"/>
+          </ac:spMkLst>
+        </pc:spChg>
+        <pc:spChg chg="add mod">
+          <ac:chgData name="Ankita L Savaliya" userId="45302890-fb20-4ef9-a20b-62d8ea27512f" providerId="ADAL" clId="{957F8EF4-DE2E-406C-A9E6-2384E4E35E69}" dt="2025-02-15T02:49:06.409" v="1168" actId="1076"/>
+          <ac:spMkLst>
+            <pc:docMk/>
+            <pc:sldMk cId="1877906925" sldId="259"/>
+            <ac:spMk id="5" creationId="{582532F1-682F-600E-B3A1-62A9A0DE82D5}"/>
+          </ac:spMkLst>
+        </pc:spChg>
+        <pc:spChg chg="add del">
+          <ac:chgData name="Ankita L Savaliya" userId="45302890-fb20-4ef9-a20b-62d8ea27512f" providerId="ADAL" clId="{957F8EF4-DE2E-406C-A9E6-2384E4E35E69}" dt="2025-02-14T17:22:52.987" v="55" actId="26606"/>
+          <ac:spMkLst>
+            <pc:docMk/>
+            <pc:sldMk cId="1877906925" sldId="259"/>
+            <ac:spMk id="9" creationId="{AD1BDCCC-E676-2A7E-BE11-2B8C23DB287F}"/>
+          </ac:spMkLst>
+        </pc:spChg>
+        <pc:spChg chg="add del">
+          <ac:chgData name="Ankita L Savaliya" userId="45302890-fb20-4ef9-a20b-62d8ea27512f" providerId="ADAL" clId="{957F8EF4-DE2E-406C-A9E6-2384E4E35E69}" dt="2025-02-14T17:22:52.987" v="55" actId="26606"/>
+          <ac:spMkLst>
+            <pc:docMk/>
+            <pc:sldMk cId="1877906925" sldId="259"/>
+            <ac:spMk id="11" creationId="{781C97B1-8A09-6383-8C65-A3B73577816A}"/>
+          </ac:spMkLst>
+        </pc:spChg>
+        <pc:spChg chg="add del">
+          <ac:chgData name="Ankita L Savaliya" userId="45302890-fb20-4ef9-a20b-62d8ea27512f" providerId="ADAL" clId="{957F8EF4-DE2E-406C-A9E6-2384E4E35E69}" dt="2025-02-14T17:23:37.949" v="75" actId="26606"/>
+          <ac:spMkLst>
+            <pc:docMk/>
+            <pc:sldMk cId="1877906925" sldId="259"/>
+            <ac:spMk id="16" creationId="{ADE57300-C7FF-4578-99A0-42B0295B123C}"/>
+          </ac:spMkLst>
+        </pc:spChg>
+        <pc:spChg chg="add mod">
+          <ac:chgData name="Ankita L Savaliya" userId="45302890-fb20-4ef9-a20b-62d8ea27512f" providerId="ADAL" clId="{957F8EF4-DE2E-406C-A9E6-2384E4E35E69}" dt="2025-02-15T02:57:15.137" v="1515"/>
+          <ac:spMkLst>
+            <pc:docMk/>
+            <pc:sldMk cId="1877906925" sldId="259"/>
+            <ac:spMk id="17" creationId="{6ECBC57D-86C0-AE9A-E7EB-0FBDFAEFF208}"/>
+          </ac:spMkLst>
+        </pc:spChg>
+        <pc:spChg chg="add del">
+          <ac:chgData name="Ankita L Savaliya" userId="45302890-fb20-4ef9-a20b-62d8ea27512f" providerId="ADAL" clId="{957F8EF4-DE2E-406C-A9E6-2384E4E35E69}" dt="2025-02-14T17:23:37.949" v="75" actId="26606"/>
+          <ac:spMkLst>
+            <pc:docMk/>
+            <pc:sldMk cId="1877906925" sldId="259"/>
+            <ac:spMk id="18" creationId="{DB8F8250-7A81-4A19-87AD-FFB2CE4E39A5}"/>
+          </ac:spMkLst>
+        </pc:spChg>
+        <pc:spChg chg="add">
+          <ac:chgData name="Ankita L Savaliya" userId="45302890-fb20-4ef9-a20b-62d8ea27512f" providerId="ADAL" clId="{957F8EF4-DE2E-406C-A9E6-2384E4E35E69}" dt="2025-02-15T02:56:12.261" v="1510"/>
+          <ac:spMkLst>
+            <pc:docMk/>
+            <pc:sldMk cId="1877906925" sldId="259"/>
+            <ac:spMk id="19" creationId="{5A3166B4-4C2C-D4BA-89D0-8F6C8715CFEE}"/>
+          </ac:spMkLst>
+        </pc:spChg>
+        <pc:spChg chg="add del">
+          <ac:chgData name="Ankita L Savaliya" userId="45302890-fb20-4ef9-a20b-62d8ea27512f" providerId="ADAL" clId="{957F8EF4-DE2E-406C-A9E6-2384E4E35E69}" dt="2025-02-14T17:23:37.949" v="75" actId="26606"/>
+          <ac:spMkLst>
+            <pc:docMk/>
+            <pc:sldMk cId="1877906925" sldId="259"/>
+            <ac:spMk id="20" creationId="{499F38FC-2DEA-2647-C409-EF75720C1017}"/>
+          </ac:spMkLst>
+        </pc:spChg>
+        <pc:spChg chg="add">
+          <ac:chgData name="Ankita L Savaliya" userId="45302890-fb20-4ef9-a20b-62d8ea27512f" providerId="ADAL" clId="{957F8EF4-DE2E-406C-A9E6-2384E4E35E69}" dt="2025-02-15T02:56:16.071" v="1512"/>
+          <ac:spMkLst>
+            <pc:docMk/>
+            <pc:sldMk cId="1877906925" sldId="259"/>
+            <ac:spMk id="21" creationId="{7324BA6A-FA06-B0B2-82B6-8ED8DF54AB94}"/>
+          </ac:spMkLst>
+        </pc:spChg>
+        <pc:spChg chg="add del">
+          <ac:chgData name="Ankita L Savaliya" userId="45302890-fb20-4ef9-a20b-62d8ea27512f" providerId="ADAL" clId="{957F8EF4-DE2E-406C-A9E6-2384E4E35E69}" dt="2025-02-14T17:23:37.949" v="75" actId="26606"/>
+          <ac:spMkLst>
+            <pc:docMk/>
+            <pc:sldMk cId="1877906925" sldId="259"/>
+            <ac:spMk id="22" creationId="{F3FF94B3-6D3E-44FE-BB02-A9027C0003C7}"/>
+          </ac:spMkLst>
+        </pc:spChg>
+        <pc:spChg chg="add del">
+          <ac:chgData name="Ankita L Savaliya" userId="45302890-fb20-4ef9-a20b-62d8ea27512f" providerId="ADAL" clId="{957F8EF4-DE2E-406C-A9E6-2384E4E35E69}" dt="2025-02-14T17:23:37.949" v="75" actId="26606"/>
+          <ac:spMkLst>
+            <pc:docMk/>
+            <pc:sldMk cId="1877906925" sldId="259"/>
+            <ac:spMk id="24" creationId="{FAF3766F-DEF3-4802-BB0D-7A18EDD9704F}"/>
+          </ac:spMkLst>
+        </pc:spChg>
+        <pc:spChg chg="add del">
+          <ac:chgData name="Ankita L Savaliya" userId="45302890-fb20-4ef9-a20b-62d8ea27512f" providerId="ADAL" clId="{957F8EF4-DE2E-406C-A9E6-2384E4E35E69}" dt="2025-02-14T17:23:37.949" v="75" actId="26606"/>
+          <ac:spMkLst>
+            <pc:docMk/>
+            <pc:sldMk cId="1877906925" sldId="259"/>
+            <ac:spMk id="26" creationId="{81F0C179-4DBF-6AB9-CD0B-9224A0C885A4}"/>
+          </ac:spMkLst>
+        </pc:spChg>
+        <pc:spChg chg="add del">
+          <ac:chgData name="Ankita L Savaliya" userId="45302890-fb20-4ef9-a20b-62d8ea27512f" providerId="ADAL" clId="{957F8EF4-DE2E-406C-A9E6-2384E4E35E69}" dt="2025-02-14T17:24:01.279" v="83" actId="478"/>
+          <ac:spMkLst>
+            <pc:docMk/>
+            <pc:sldMk cId="1877906925" sldId="259"/>
+            <ac:spMk id="30" creationId="{F1E0D845-8ED5-B587-5848-7DD331F49A0C}"/>
+          </ac:spMkLst>
+        </pc:spChg>
+        <pc:spChg chg="add del">
+          <ac:chgData name="Ankita L Savaliya" userId="45302890-fb20-4ef9-a20b-62d8ea27512f" providerId="ADAL" clId="{957F8EF4-DE2E-406C-A9E6-2384E4E35E69}" dt="2025-02-15T02:40:20.781" v="1126"/>
+          <ac:spMkLst>
+            <pc:docMk/>
+            <pc:sldMk cId="1877906925" sldId="259"/>
+            <ac:spMk id="33" creationId="{AD1BDCCC-E676-2A7E-BE11-2B8C23DB287F}"/>
+          </ac:spMkLst>
+        </pc:spChg>
+        <pc:spChg chg="add del">
+          <ac:chgData name="Ankita L Savaliya" userId="45302890-fb20-4ef9-a20b-62d8ea27512f" providerId="ADAL" clId="{957F8EF4-DE2E-406C-A9E6-2384E4E35E69}" dt="2025-02-15T02:40:20.781" v="1126"/>
+          <ac:spMkLst>
+            <pc:docMk/>
+            <pc:sldMk cId="1877906925" sldId="259"/>
+            <ac:spMk id="35" creationId="{781C97B1-8A09-6383-8C65-A3B73577816A}"/>
+          </ac:spMkLst>
+        </pc:spChg>
+        <pc:picChg chg="add mod">
+          <ac:chgData name="Ankita L Savaliya" userId="45302890-fb20-4ef9-a20b-62d8ea27512f" providerId="ADAL" clId="{957F8EF4-DE2E-406C-A9E6-2384E4E35E69}" dt="2025-02-15T02:47:59.366" v="1165" actId="2085"/>
+          <ac:picMkLst>
+            <pc:docMk/>
+            <pc:sldMk cId="1877906925" sldId="259"/>
+            <ac:picMk id="4" creationId="{F6C8C9EE-368F-0C78-019B-480CAB5C6049}"/>
+          </ac:picMkLst>
+        </pc:picChg>
+        <pc:picChg chg="add mod">
+          <ac:chgData name="Ankita L Savaliya" userId="45302890-fb20-4ef9-a20b-62d8ea27512f" providerId="ADAL" clId="{957F8EF4-DE2E-406C-A9E6-2384E4E35E69}" dt="2025-02-15T02:54:24.480" v="1433" actId="1076"/>
+          <ac:picMkLst>
+            <pc:docMk/>
+            <pc:sldMk cId="1877906925" sldId="259"/>
+            <ac:picMk id="7" creationId="{55C3734D-208C-2DC0-8CBD-8EAA0BD366EF}"/>
+          </ac:picMkLst>
+        </pc:picChg>
+        <pc:picChg chg="add del mod">
+          <ac:chgData name="Ankita L Savaliya" userId="45302890-fb20-4ef9-a20b-62d8ea27512f" providerId="ADAL" clId="{957F8EF4-DE2E-406C-A9E6-2384E4E35E69}" dt="2025-02-14T17:26:22.861" v="89" actId="478"/>
+          <ac:picMkLst>
+            <pc:docMk/>
+            <pc:sldMk cId="1877906925" sldId="259"/>
+            <ac:picMk id="10" creationId="{1C9929BB-844C-90B7-D232-496A38B0ECC5}"/>
+          </ac:picMkLst>
+        </pc:picChg>
+        <pc:picChg chg="add mod">
+          <ac:chgData name="Ankita L Savaliya" userId="45302890-fb20-4ef9-a20b-62d8ea27512f" providerId="ADAL" clId="{957F8EF4-DE2E-406C-A9E6-2384E4E35E69}" dt="2025-02-15T02:54:19.931" v="1431" actId="1076"/>
+          <ac:picMkLst>
+            <pc:docMk/>
+            <pc:sldMk cId="1877906925" sldId="259"/>
+            <ac:picMk id="13" creationId="{B071A32E-4450-7111-22A3-08B8D1814017}"/>
+          </ac:picMkLst>
+        </pc:picChg>
+        <pc:picChg chg="add del mod">
+          <ac:chgData name="Ankita L Savaliya" userId="45302890-fb20-4ef9-a20b-62d8ea27512f" providerId="ADAL" clId="{957F8EF4-DE2E-406C-A9E6-2384E4E35E69}" dt="2025-02-14T17:29:16.439" v="248" actId="21"/>
+          <ac:picMkLst>
+            <pc:docMk/>
+            <pc:sldMk cId="1877906925" sldId="259"/>
+            <ac:picMk id="15" creationId="{4022BDD9-FE50-9743-6EF9-A015AB91646F}"/>
+          </ac:picMkLst>
+        </pc:picChg>
+      </pc:sldChg>
+      <pc:sldChg chg="delSp add del ord setBg delDesignElem">
+        <pc:chgData name="Ankita L Savaliya" userId="45302890-fb20-4ef9-a20b-62d8ea27512f" providerId="ADAL" clId="{957F8EF4-DE2E-406C-A9E6-2384E4E35E69}" dt="2025-02-14T17:21:52.208" v="46" actId="2696"/>
+        <pc:sldMkLst>
+          <pc:docMk/>
+          <pc:sldMk cId="3435650264" sldId="259"/>
+        </pc:sldMkLst>
+        <pc:spChg chg="del">
+          <ac:chgData name="Ankita L Savaliya" userId="45302890-fb20-4ef9-a20b-62d8ea27512f" providerId="ADAL" clId="{957F8EF4-DE2E-406C-A9E6-2384E4E35E69}" dt="2025-02-14T17:21:36.809" v="43"/>
+          <ac:spMkLst>
+            <pc:docMk/>
+            <pc:sldMk cId="3435650264" sldId="259"/>
+            <ac:spMk id="15" creationId="{37A4E850-7C5F-41AC-C2A0-B617F75F60DD}"/>
+          </ac:spMkLst>
+        </pc:spChg>
+      </pc:sldChg>
+      <pc:sldChg chg="addSp delSp modSp new del mod setBg">
+        <pc:chgData name="Ankita L Savaliya" userId="45302890-fb20-4ef9-a20b-62d8ea27512f" providerId="ADAL" clId="{957F8EF4-DE2E-406C-A9E6-2384E4E35E69}" dt="2025-02-14T17:21:35.288" v="41" actId="47"/>
+        <pc:sldMkLst>
+          <pc:docMk/>
+          <pc:sldMk cId="3867626807" sldId="259"/>
+        </pc:sldMkLst>
+        <pc:spChg chg="del mod">
+          <ac:chgData name="Ankita L Savaliya" userId="45302890-fb20-4ef9-a20b-62d8ea27512f" providerId="ADAL" clId="{957F8EF4-DE2E-406C-A9E6-2384E4E35E69}" dt="2025-02-14T17:21:10.105" v="36" actId="478"/>
+          <ac:spMkLst>
+            <pc:docMk/>
+            <pc:sldMk cId="3867626807" sldId="259"/>
+            <ac:spMk id="2" creationId="{8073B5FB-EEA9-F44C-CDCE-8F8F3BDAF64C}"/>
+          </ac:spMkLst>
+        </pc:spChg>
+        <pc:spChg chg="del mod">
+          <ac:chgData name="Ankita L Savaliya" userId="45302890-fb20-4ef9-a20b-62d8ea27512f" providerId="ADAL" clId="{957F8EF4-DE2E-406C-A9E6-2384E4E35E69}" dt="2025-02-14T17:20:27.737" v="32" actId="478"/>
+          <ac:spMkLst>
+            <pc:docMk/>
+            <pc:sldMk cId="3867626807" sldId="259"/>
+            <ac:spMk id="3" creationId="{90F45AA8-D932-40F0-B862-4DCFC7D2D4A7}"/>
+          </ac:spMkLst>
+        </pc:spChg>
+        <pc:spChg chg="add del">
+          <ac:chgData name="Ankita L Savaliya" userId="45302890-fb20-4ef9-a20b-62d8ea27512f" providerId="ADAL" clId="{957F8EF4-DE2E-406C-A9E6-2384E4E35E69}" dt="2025-02-14T17:21:23.958" v="39" actId="26606"/>
+          <ac:spMkLst>
+            <pc:docMk/>
+            <pc:sldMk cId="3867626807" sldId="259"/>
+            <ac:spMk id="8" creationId="{42C91D93-014B-66D5-D263-730212C94315}"/>
+          </ac:spMkLst>
+        </pc:spChg>
+        <pc:spChg chg="add del">
+          <ac:chgData name="Ankita L Savaliya" userId="45302890-fb20-4ef9-a20b-62d8ea27512f" providerId="ADAL" clId="{957F8EF4-DE2E-406C-A9E6-2384E4E35E69}" dt="2025-02-14T17:21:23.958" v="39" actId="26606"/>
+          <ac:spMkLst>
+            <pc:docMk/>
+            <pc:sldMk cId="3867626807" sldId="259"/>
+            <ac:spMk id="10" creationId="{9568B8C9-6702-8441-0D92-220DE92C8861}"/>
+          </ac:spMkLst>
+        </pc:spChg>
+        <pc:spChg chg="add">
+          <ac:chgData name="Ankita L Savaliya" userId="45302890-fb20-4ef9-a20b-62d8ea27512f" providerId="ADAL" clId="{957F8EF4-DE2E-406C-A9E6-2384E4E35E69}" dt="2025-02-14T17:21:23.958" v="39" actId="26606"/>
+          <ac:spMkLst>
+            <pc:docMk/>
+            <pc:sldMk cId="3867626807" sldId="259"/>
+            <ac:spMk id="15" creationId="{ADE57300-C7FF-4578-99A0-42B0295B123C}"/>
+          </ac:spMkLst>
+        </pc:spChg>
+        <pc:spChg chg="add">
+          <ac:chgData name="Ankita L Savaliya" userId="45302890-fb20-4ef9-a20b-62d8ea27512f" providerId="ADAL" clId="{957F8EF4-DE2E-406C-A9E6-2384E4E35E69}" dt="2025-02-14T17:21:23.958" v="39" actId="26606"/>
+          <ac:spMkLst>
+            <pc:docMk/>
+            <pc:sldMk cId="3867626807" sldId="259"/>
+            <ac:spMk id="17" creationId="{DB8F8250-7A81-4A19-87AD-FFB2CE4E39A5}"/>
+          </ac:spMkLst>
+        </pc:spChg>
+        <pc:spChg chg="add">
+          <ac:chgData name="Ankita L Savaliya" userId="45302890-fb20-4ef9-a20b-62d8ea27512f" providerId="ADAL" clId="{957F8EF4-DE2E-406C-A9E6-2384E4E35E69}" dt="2025-02-14T17:21:23.958" v="39" actId="26606"/>
+          <ac:spMkLst>
+            <pc:docMk/>
+            <pc:sldMk cId="3867626807" sldId="259"/>
+            <ac:spMk id="19" creationId="{499F38FC-2DEA-2647-C409-EF75720C1017}"/>
+          </ac:spMkLst>
+        </pc:spChg>
+        <pc:spChg chg="add">
+          <ac:chgData name="Ankita L Savaliya" userId="45302890-fb20-4ef9-a20b-62d8ea27512f" providerId="ADAL" clId="{957F8EF4-DE2E-406C-A9E6-2384E4E35E69}" dt="2025-02-14T17:21:23.958" v="39" actId="26606"/>
+          <ac:spMkLst>
+            <pc:docMk/>
+            <pc:sldMk cId="3867626807" sldId="259"/>
+            <ac:spMk id="21" creationId="{E20BB609-EF92-42DB-836C-0699A590B5CF}"/>
+          </ac:spMkLst>
+        </pc:spChg>
+        <pc:spChg chg="add">
+          <ac:chgData name="Ankita L Savaliya" userId="45302890-fb20-4ef9-a20b-62d8ea27512f" providerId="ADAL" clId="{957F8EF4-DE2E-406C-A9E6-2384E4E35E69}" dt="2025-02-14T17:21:23.958" v="39" actId="26606"/>
+          <ac:spMkLst>
+            <pc:docMk/>
+            <pc:sldMk cId="3867626807" sldId="259"/>
+            <ac:spMk id="23" creationId="{B2C335F7-F61C-4EB4-80F2-4B1438FE66BB}"/>
+          </ac:spMkLst>
+        </pc:spChg>
+        <pc:picChg chg="add del mod">
+          <ac:chgData name="Ankita L Savaliya" userId="45302890-fb20-4ef9-a20b-62d8ea27512f" providerId="ADAL" clId="{957F8EF4-DE2E-406C-A9E6-2384E4E35E69}" dt="2025-02-14T17:21:26.981" v="40" actId="478"/>
+          <ac:picMkLst>
+            <pc:docMk/>
+            <pc:sldMk cId="3867626807" sldId="259"/>
+            <ac:picMk id="4" creationId="{7E679EAB-BBB2-CA4D-10CD-E0C2C851E57F}"/>
+          </ac:picMkLst>
+        </pc:picChg>
+      </pc:sldChg>
+      <pc:sldChg chg="new del">
+        <pc:chgData name="Ankita L Savaliya" userId="45302890-fb20-4ef9-a20b-62d8ea27512f" providerId="ADAL" clId="{957F8EF4-DE2E-406C-A9E6-2384E4E35E69}" dt="2025-02-14T17:21:17.975" v="38" actId="47"/>
+        <pc:sldMkLst>
+          <pc:docMk/>
+          <pc:sldMk cId="813851961" sldId="260"/>
+        </pc:sldMkLst>
+      </pc:sldChg>
+      <pc:sldChg chg="addSp delSp add del setBg delDesignElem">
+        <pc:chgData name="Ankita L Savaliya" userId="45302890-fb20-4ef9-a20b-62d8ea27512f" providerId="ADAL" clId="{957F8EF4-DE2E-406C-A9E6-2384E4E35E69}" dt="2025-02-14T17:22:21.300" v="52"/>
+        <pc:sldMkLst>
+          <pc:docMk/>
+          <pc:sldMk cId="1193116692" sldId="260"/>
+        </pc:sldMkLst>
+        <pc:spChg chg="add del">
+          <ac:chgData name="Ankita L Savaliya" userId="45302890-fb20-4ef9-a20b-62d8ea27512f" providerId="ADAL" clId="{957F8EF4-DE2E-406C-A9E6-2384E4E35E69}" dt="2025-02-14T17:22:21.300" v="52"/>
+          <ac:spMkLst>
+            <pc:docMk/>
+            <pc:sldMk cId="1193116692" sldId="260"/>
+            <ac:spMk id="15" creationId="{5106612F-CC27-9522-CAB7-F73D82782AB3}"/>
+          </ac:spMkLst>
+        </pc:spChg>
+      </pc:sldChg>
+      <pc:sldChg chg="addSp delSp modSp add mod setBg delDesignElem">
+        <pc:chgData name="Ankita L Savaliya" userId="45302890-fb20-4ef9-a20b-62d8ea27512f" providerId="ADAL" clId="{957F8EF4-DE2E-406C-A9E6-2384E4E35E69}" dt="2025-02-15T03:09:06.472" v="1718" actId="20577"/>
+        <pc:sldMkLst>
+          <pc:docMk/>
+          <pc:sldMk cId="2120084639" sldId="260"/>
+        </pc:sldMkLst>
+        <pc:spChg chg="mod">
+          <ac:chgData name="Ankita L Savaliya" userId="45302890-fb20-4ef9-a20b-62d8ea27512f" providerId="ADAL" clId="{957F8EF4-DE2E-406C-A9E6-2384E4E35E69}" dt="2025-02-15T03:07:52.908" v="1714" actId="20577"/>
+          <ac:spMkLst>
+            <pc:docMk/>
+            <pc:sldMk cId="2120084639" sldId="260"/>
+            <ac:spMk id="5" creationId="{ADF92087-6825-7104-8C19-0B6E25631DDD}"/>
+          </ac:spMkLst>
+        </pc:spChg>
+        <pc:spChg chg="add del mod">
+          <ac:chgData name="Ankita L Savaliya" userId="45302890-fb20-4ef9-a20b-62d8ea27512f" providerId="ADAL" clId="{957F8EF4-DE2E-406C-A9E6-2384E4E35E69}" dt="2025-02-14T18:21:35.380" v="438" actId="478"/>
+          <ac:spMkLst>
+            <pc:docMk/>
+            <pc:sldMk cId="2120084639" sldId="260"/>
+            <ac:spMk id="9" creationId="{36604502-305E-F8BF-4E7F-58A3C67DBE46}"/>
+          </ac:spMkLst>
+        </pc:spChg>
+        <pc:spChg chg="add mod">
+          <ac:chgData name="Ankita L Savaliya" userId="45302890-fb20-4ef9-a20b-62d8ea27512f" providerId="ADAL" clId="{957F8EF4-DE2E-406C-A9E6-2384E4E35E69}" dt="2025-02-15T03:09:06.472" v="1718" actId="20577"/>
+          <ac:spMkLst>
+            <pc:docMk/>
+            <pc:sldMk cId="2120084639" sldId="260"/>
+            <ac:spMk id="10" creationId="{09B51455-F4C8-AEFD-ED17-17E5944CF101}"/>
+          </ac:spMkLst>
+        </pc:spChg>
+        <pc:spChg chg="del">
+          <ac:chgData name="Ankita L Savaliya" userId="45302890-fb20-4ef9-a20b-62d8ea27512f" providerId="ADAL" clId="{957F8EF4-DE2E-406C-A9E6-2384E4E35E69}" dt="2025-02-14T17:26:39.463" v="95"/>
+          <ac:spMkLst>
+            <pc:docMk/>
+            <pc:sldMk cId="2120084639" sldId="260"/>
+            <ac:spMk id="33" creationId="{D7CCDA03-28C6-0D2D-6707-CB900A05A756}"/>
+          </ac:spMkLst>
+        </pc:spChg>
+        <pc:spChg chg="del">
+          <ac:chgData name="Ankita L Savaliya" userId="45302890-fb20-4ef9-a20b-62d8ea27512f" providerId="ADAL" clId="{957F8EF4-DE2E-406C-A9E6-2384E4E35E69}" dt="2025-02-14T17:26:39.463" v="95"/>
+          <ac:spMkLst>
+            <pc:docMk/>
+            <pc:sldMk cId="2120084639" sldId="260"/>
+            <ac:spMk id="35" creationId="{B0E53E63-34EE-5BF2-4681-5A0551CA0062}"/>
+          </ac:spMkLst>
+        </pc:spChg>
+        <pc:picChg chg="add del">
+          <ac:chgData name="Ankita L Savaliya" userId="45302890-fb20-4ef9-a20b-62d8ea27512f" providerId="ADAL" clId="{957F8EF4-DE2E-406C-A9E6-2384E4E35E69}" dt="2025-02-14T17:28:35.109" v="232" actId="478"/>
+          <ac:picMkLst>
+            <pc:docMk/>
+            <pc:sldMk cId="2120084639" sldId="260"/>
+            <ac:picMk id="3" creationId="{5EA96F59-8E2A-D9EC-BBCE-E146B274F9D2}"/>
+          </ac:picMkLst>
+        </pc:picChg>
+        <pc:picChg chg="del">
+          <ac:chgData name="Ankita L Savaliya" userId="45302890-fb20-4ef9-a20b-62d8ea27512f" providerId="ADAL" clId="{957F8EF4-DE2E-406C-A9E6-2384E4E35E69}" dt="2025-02-14T17:26:44.045" v="96" actId="478"/>
+          <ac:picMkLst>
+            <pc:docMk/>
+            <pc:sldMk cId="2120084639" sldId="260"/>
+            <ac:picMk id="4" creationId="{687B4A2B-FD74-8C13-29F1-10303EB70699}"/>
+          </ac:picMkLst>
+        </pc:picChg>
+        <pc:picChg chg="del">
+          <ac:chgData name="Ankita L Savaliya" userId="45302890-fb20-4ef9-a20b-62d8ea27512f" providerId="ADAL" clId="{957F8EF4-DE2E-406C-A9E6-2384E4E35E69}" dt="2025-02-14T17:26:45.568" v="97" actId="478"/>
+          <ac:picMkLst>
+            <pc:docMk/>
+            <pc:sldMk cId="2120084639" sldId="260"/>
+            <ac:picMk id="7" creationId="{8549225E-1970-C550-FB88-03E37477CA9A}"/>
+          </ac:picMkLst>
+        </pc:picChg>
+        <pc:picChg chg="add del mod">
+          <ac:chgData name="Ankita L Savaliya" userId="45302890-fb20-4ef9-a20b-62d8ea27512f" providerId="ADAL" clId="{957F8EF4-DE2E-406C-A9E6-2384E4E35E69}" dt="2025-02-14T18:20:29.605" v="376" actId="21"/>
+          <ac:picMkLst>
+            <pc:docMk/>
+            <pc:sldMk cId="2120084639" sldId="260"/>
+            <ac:picMk id="8" creationId="{53E4250C-20E7-AF20-E046-701B764BD965}"/>
+          </ac:picMkLst>
+        </pc:picChg>
+        <pc:picChg chg="del">
+          <ac:chgData name="Ankita L Savaliya" userId="45302890-fb20-4ef9-a20b-62d8ea27512f" providerId="ADAL" clId="{957F8EF4-DE2E-406C-A9E6-2384E4E35E69}" dt="2025-02-14T17:26:46.394" v="98" actId="478"/>
+          <ac:picMkLst>
+            <pc:docMk/>
+            <pc:sldMk cId="2120084639" sldId="260"/>
+            <ac:picMk id="13" creationId="{931005B1-CFA4-CA67-E510-95ED33F0DB1B}"/>
+          </ac:picMkLst>
+        </pc:picChg>
+        <pc:picChg chg="add mod">
+          <ac:chgData name="Ankita L Savaliya" userId="45302890-fb20-4ef9-a20b-62d8ea27512f" providerId="ADAL" clId="{957F8EF4-DE2E-406C-A9E6-2384E4E35E69}" dt="2025-02-15T02:59:36.068" v="1525" actId="2085"/>
+          <ac:picMkLst>
+            <pc:docMk/>
+            <pc:sldMk cId="2120084639" sldId="260"/>
+            <ac:picMk id="14" creationId="{53E4250C-20E7-AF20-E046-701B764BD965}"/>
+          </ac:picMkLst>
+        </pc:picChg>
+        <pc:picChg chg="add mod">
+          <ac:chgData name="Ankita L Savaliya" userId="45302890-fb20-4ef9-a20b-62d8ea27512f" providerId="ADAL" clId="{957F8EF4-DE2E-406C-A9E6-2384E4E35E69}" dt="2025-02-15T02:59:36.068" v="1525" actId="2085"/>
+          <ac:picMkLst>
+            <pc:docMk/>
+            <pc:sldMk cId="2120084639" sldId="260"/>
+            <ac:picMk id="15" creationId="{4022BDD9-FE50-9743-6EF9-A015AB91646F}"/>
+          </ac:picMkLst>
+        </pc:picChg>
+      </pc:sldChg>
+      <pc:sldChg chg="addSp delSp modSp add mod">
+        <pc:chgData name="Ankita L Savaliya" userId="45302890-fb20-4ef9-a20b-62d8ea27512f" providerId="ADAL" clId="{957F8EF4-DE2E-406C-A9E6-2384E4E35E69}" dt="2025-02-15T03:08:40.242" v="1716" actId="6549"/>
+        <pc:sldMkLst>
+          <pc:docMk/>
+          <pc:sldMk cId="2743314174" sldId="261"/>
+        </pc:sldMkLst>
+        <pc:spChg chg="mod">
+          <ac:chgData name="Ankita L Savaliya" userId="45302890-fb20-4ef9-a20b-62d8ea27512f" providerId="ADAL" clId="{957F8EF4-DE2E-406C-A9E6-2384E4E35E69}" dt="2025-02-15T03:08:40.242" v="1716" actId="6549"/>
+          <ac:spMkLst>
+            <pc:docMk/>
+            <pc:sldMk cId="2743314174" sldId="261"/>
+            <ac:spMk id="5" creationId="{B7CB48E6-488B-00E4-C5C8-2332AFC487B2}"/>
+          </ac:spMkLst>
+        </pc:spChg>
+        <pc:picChg chg="add del mod">
+          <ac:chgData name="Ankita L Savaliya" userId="45302890-fb20-4ef9-a20b-62d8ea27512f" providerId="ADAL" clId="{957F8EF4-DE2E-406C-A9E6-2384E4E35E69}" dt="2025-02-14T17:31:39.424" v="273" actId="22"/>
+          <ac:picMkLst>
+            <pc:docMk/>
+            <pc:sldMk cId="2743314174" sldId="261"/>
+            <ac:picMk id="3" creationId="{7D590322-95FB-74E3-D4A6-C834C73164C2}"/>
+          </ac:picMkLst>
+        </pc:picChg>
+        <pc:picChg chg="add mod">
+          <ac:chgData name="Ankita L Savaliya" userId="45302890-fb20-4ef9-a20b-62d8ea27512f" providerId="ADAL" clId="{957F8EF4-DE2E-406C-A9E6-2384E4E35E69}" dt="2025-02-14T18:39:30.630" v="978" actId="13822"/>
+          <ac:picMkLst>
+            <pc:docMk/>
+            <pc:sldMk cId="2743314174" sldId="261"/>
+            <ac:picMk id="6" creationId="{07B06F6C-9CE6-0023-DB11-18B453D9A5CD}"/>
+          </ac:picMkLst>
+        </pc:picChg>
+        <pc:picChg chg="del">
+          <ac:chgData name="Ankita L Savaliya" userId="45302890-fb20-4ef9-a20b-62d8ea27512f" providerId="ADAL" clId="{957F8EF4-DE2E-406C-A9E6-2384E4E35E69}" dt="2025-02-14T17:30:28.683" v="263" actId="478"/>
+          <ac:picMkLst>
+            <pc:docMk/>
+            <pc:sldMk cId="2743314174" sldId="261"/>
+            <ac:picMk id="8" creationId="{3E1DF551-6613-34E4-003B-FAAED909B0B3}"/>
+          </ac:picMkLst>
+        </pc:picChg>
+        <pc:picChg chg="add del mod">
+          <ac:chgData name="Ankita L Savaliya" userId="45302890-fb20-4ef9-a20b-62d8ea27512f" providerId="ADAL" clId="{957F8EF4-DE2E-406C-A9E6-2384E4E35E69}" dt="2025-02-14T17:32:36.761" v="279" actId="478"/>
+          <ac:picMkLst>
+            <pc:docMk/>
+            <pc:sldMk cId="2743314174" sldId="261"/>
+            <ac:picMk id="9" creationId="{88B3DDC3-336F-4572-FD54-5B46178F885C}"/>
+          </ac:picMkLst>
+        </pc:picChg>
+        <pc:picChg chg="add del mod">
+          <ac:chgData name="Ankita L Savaliya" userId="45302890-fb20-4ef9-a20b-62d8ea27512f" providerId="ADAL" clId="{957F8EF4-DE2E-406C-A9E6-2384E4E35E69}" dt="2025-02-14T18:24:07.800" v="575" actId="478"/>
+          <ac:picMkLst>
+            <pc:docMk/>
+            <pc:sldMk cId="2743314174" sldId="261"/>
+            <ac:picMk id="11" creationId="{C3069113-B047-7270-5F06-AD94470587BA}"/>
+          </ac:picMkLst>
+        </pc:picChg>
+        <pc:picChg chg="add del mod">
+          <ac:chgData name="Ankita L Savaliya" userId="45302890-fb20-4ef9-a20b-62d8ea27512f" providerId="ADAL" clId="{957F8EF4-DE2E-406C-A9E6-2384E4E35E69}" dt="2025-02-14T17:33:53.610" v="291" actId="478"/>
+          <ac:picMkLst>
+            <pc:docMk/>
+            <pc:sldMk cId="2743314174" sldId="261"/>
+            <ac:picMk id="13" creationId="{B72AF388-C24E-408C-297B-0D91D9815D76}"/>
+          </ac:picMkLst>
+        </pc:picChg>
+        <pc:picChg chg="add del mod">
+          <ac:chgData name="Ankita L Savaliya" userId="45302890-fb20-4ef9-a20b-62d8ea27512f" providerId="ADAL" clId="{957F8EF4-DE2E-406C-A9E6-2384E4E35E69}" dt="2025-02-14T18:21:55.219" v="441" actId="21"/>
+          <ac:picMkLst>
+            <pc:docMk/>
+            <pc:sldMk cId="2743314174" sldId="261"/>
+            <ac:picMk id="14" creationId="{53E4250C-20E7-AF20-E046-701B764BD965}"/>
+          </ac:picMkLst>
+        </pc:picChg>
+        <pc:picChg chg="del">
+          <ac:chgData name="Ankita L Savaliya" userId="45302890-fb20-4ef9-a20b-62d8ea27512f" providerId="ADAL" clId="{957F8EF4-DE2E-406C-A9E6-2384E4E35E69}" dt="2025-02-14T17:31:27.413" v="267" actId="478"/>
+          <ac:picMkLst>
+            <pc:docMk/>
+            <pc:sldMk cId="2743314174" sldId="261"/>
+            <ac:picMk id="15" creationId="{660A6915-5301-6309-A391-24FABD52A29F}"/>
+          </ac:picMkLst>
+        </pc:picChg>
+        <pc:picChg chg="add mod">
+          <ac:chgData name="Ankita L Savaliya" userId="45302890-fb20-4ef9-a20b-62d8ea27512f" providerId="ADAL" clId="{957F8EF4-DE2E-406C-A9E6-2384E4E35E69}" dt="2025-02-14T18:24:46.433" v="582" actId="1076"/>
+          <ac:picMkLst>
+            <pc:docMk/>
+            <pc:sldMk cId="2743314174" sldId="261"/>
+            <ac:picMk id="17" creationId="{C9FE8F24-76CB-ECD4-21BC-3D6AEA23F9D4}"/>
+          </ac:picMkLst>
+        </pc:picChg>
+        <pc:picChg chg="add mod">
+          <ac:chgData name="Ankita L Savaliya" userId="45302890-fb20-4ef9-a20b-62d8ea27512f" providerId="ADAL" clId="{957F8EF4-DE2E-406C-A9E6-2384E4E35E69}" dt="2025-02-14T18:24:40.190" v="581" actId="1076"/>
+          <ac:picMkLst>
+            <pc:docMk/>
+            <pc:sldMk cId="2743314174" sldId="261"/>
+            <ac:picMk id="19" creationId="{0BB2A4FC-2C6E-75B9-04E7-088F6523FE7C}"/>
+          </ac:picMkLst>
+        </pc:picChg>
+        <pc:picChg chg="add mod">
+          <ac:chgData name="Ankita L Savaliya" userId="45302890-fb20-4ef9-a20b-62d8ea27512f" providerId="ADAL" clId="{957F8EF4-DE2E-406C-A9E6-2384E4E35E69}" dt="2025-02-14T18:25:09.073" v="587" actId="14100"/>
+          <ac:picMkLst>
+            <pc:docMk/>
+            <pc:sldMk cId="2743314174" sldId="261"/>
+            <ac:picMk id="21" creationId="{7A9701DC-07C8-603A-564A-3F598354B3C3}"/>
+          </ac:picMkLst>
+        </pc:picChg>
+      </pc:sldChg>
+      <pc:sldChg chg="addSp delSp modSp add mod setBg setClrOvrMap">
+        <pc:chgData name="Ankita L Savaliya" userId="45302890-fb20-4ef9-a20b-62d8ea27512f" providerId="ADAL" clId="{957F8EF4-DE2E-406C-A9E6-2384E4E35E69}" dt="2025-02-15T03:03:12.643" v="1547" actId="1076"/>
+        <pc:sldMkLst>
+          <pc:docMk/>
+          <pc:sldMk cId="132491262" sldId="262"/>
+        </pc:sldMkLst>
+        <pc:spChg chg="mod ord">
+          <ac:chgData name="Ankita L Savaliya" userId="45302890-fb20-4ef9-a20b-62d8ea27512f" providerId="ADAL" clId="{957F8EF4-DE2E-406C-A9E6-2384E4E35E69}" dt="2025-02-15T03:00:30.660" v="1534" actId="113"/>
+          <ac:spMkLst>
+            <pc:docMk/>
+            <pc:sldMk cId="132491262" sldId="262"/>
+            <ac:spMk id="5" creationId="{678B858A-671C-B3DA-3BCF-498308A361BC}"/>
+          </ac:spMkLst>
+        </pc:spChg>
+        <pc:spChg chg="add del">
+          <ac:chgData name="Ankita L Savaliya" userId="45302890-fb20-4ef9-a20b-62d8ea27512f" providerId="ADAL" clId="{957F8EF4-DE2E-406C-A9E6-2384E4E35E69}" dt="2025-02-14T18:50:42.326" v="1061" actId="26606"/>
+          <ac:spMkLst>
+            <pc:docMk/>
+            <pc:sldMk cId="132491262" sldId="262"/>
+            <ac:spMk id="10" creationId="{ADE57300-C7FF-4578-99A0-42B0295B123C}"/>
+          </ac:spMkLst>
+        </pc:spChg>
+        <pc:spChg chg="add del">
+          <ac:chgData name="Ankita L Savaliya" userId="45302890-fb20-4ef9-a20b-62d8ea27512f" providerId="ADAL" clId="{957F8EF4-DE2E-406C-A9E6-2384E4E35E69}" dt="2025-02-14T18:50:42.326" v="1061" actId="26606"/>
+          <ac:spMkLst>
+            <pc:docMk/>
+            <pc:sldMk cId="132491262" sldId="262"/>
+            <ac:spMk id="12" creationId="{DB8F8250-7A81-4A19-87AD-FFB2CE4E39A5}"/>
+          </ac:spMkLst>
+        </pc:spChg>
+        <pc:spChg chg="add del">
+          <ac:chgData name="Ankita L Savaliya" userId="45302890-fb20-4ef9-a20b-62d8ea27512f" providerId="ADAL" clId="{957F8EF4-DE2E-406C-A9E6-2384E4E35E69}" dt="2025-02-14T18:50:42.326" v="1061" actId="26606"/>
+          <ac:spMkLst>
+            <pc:docMk/>
+            <pc:sldMk cId="132491262" sldId="262"/>
+            <ac:spMk id="14" creationId="{499F38FC-2DEA-2647-C409-EF75720C1017}"/>
+          </ac:spMkLst>
+        </pc:spChg>
+        <pc:spChg chg="add del">
+          <ac:chgData name="Ankita L Savaliya" userId="45302890-fb20-4ef9-a20b-62d8ea27512f" providerId="ADAL" clId="{957F8EF4-DE2E-406C-A9E6-2384E4E35E69}" dt="2025-02-14T18:50:42.326" v="1061" actId="26606"/>
+          <ac:spMkLst>
+            <pc:docMk/>
+            <pc:sldMk cId="132491262" sldId="262"/>
+            <ac:spMk id="16" creationId="{F3FF94B3-6D3E-44FE-BB02-A9027C0003C7}"/>
+          </ac:spMkLst>
+        </pc:spChg>
+        <pc:spChg chg="add del">
+          <ac:chgData name="Ankita L Savaliya" userId="45302890-fb20-4ef9-a20b-62d8ea27512f" providerId="ADAL" clId="{957F8EF4-DE2E-406C-A9E6-2384E4E35E69}" dt="2025-02-14T18:50:42.326" v="1061" actId="26606"/>
+          <ac:spMkLst>
+            <pc:docMk/>
+            <pc:sldMk cId="132491262" sldId="262"/>
+            <ac:spMk id="18" creationId="{C7EFAAB5-34A3-C2FC-70BA-7720CC8ADBAC}"/>
+          </ac:spMkLst>
+        </pc:spChg>
+        <pc:spChg chg="add del">
+          <ac:chgData name="Ankita L Savaliya" userId="45302890-fb20-4ef9-a20b-62d8ea27512f" providerId="ADAL" clId="{957F8EF4-DE2E-406C-A9E6-2384E4E35E69}" dt="2025-02-14T18:50:42.326" v="1061" actId="26606"/>
+          <ac:spMkLst>
+            <pc:docMk/>
+            <pc:sldMk cId="132491262" sldId="262"/>
+            <ac:spMk id="20" creationId="{FDD57DDC-2075-7CBD-00B4-0A5FF09917FF}"/>
+          </ac:spMkLst>
+        </pc:spChg>
+        <pc:spChg chg="add del">
+          <ac:chgData name="Ankita L Savaliya" userId="45302890-fb20-4ef9-a20b-62d8ea27512f" providerId="ADAL" clId="{957F8EF4-DE2E-406C-A9E6-2384E4E35E69}" dt="2025-02-14T18:50:14.946" v="1056" actId="26606"/>
+          <ac:spMkLst>
+            <pc:docMk/>
+            <pc:sldMk cId="132491262" sldId="262"/>
+            <ac:spMk id="25" creationId="{ADE57300-C7FF-4578-99A0-42B0295B123C}"/>
+          </ac:spMkLst>
+        </pc:spChg>
+        <pc:spChg chg="add del">
+          <ac:chgData name="Ankita L Savaliya" userId="45302890-fb20-4ef9-a20b-62d8ea27512f" providerId="ADAL" clId="{957F8EF4-DE2E-406C-A9E6-2384E4E35E69}" dt="2025-02-14T18:50:14.946" v="1056" actId="26606"/>
+          <ac:spMkLst>
+            <pc:docMk/>
+            <pc:sldMk cId="132491262" sldId="262"/>
+            <ac:spMk id="27" creationId="{DB8F8250-7A81-4A19-87AD-FFB2CE4E39A5}"/>
+          </ac:spMkLst>
+        </pc:spChg>
+        <pc:spChg chg="add del">
+          <ac:chgData name="Ankita L Savaliya" userId="45302890-fb20-4ef9-a20b-62d8ea27512f" providerId="ADAL" clId="{957F8EF4-DE2E-406C-A9E6-2384E4E35E69}" dt="2025-02-14T18:50:14.946" v="1056" actId="26606"/>
+          <ac:spMkLst>
+            <pc:docMk/>
+            <pc:sldMk cId="132491262" sldId="262"/>
+            <ac:spMk id="31" creationId="{F3FF94B3-6D3E-44FE-BB02-A9027C0003C7}"/>
+          </ac:spMkLst>
+        </pc:spChg>
+        <pc:spChg chg="add del">
+          <ac:chgData name="Ankita L Savaliya" userId="45302890-fb20-4ef9-a20b-62d8ea27512f" providerId="ADAL" clId="{957F8EF4-DE2E-406C-A9E6-2384E4E35E69}" dt="2025-02-14T18:50:14.946" v="1056" actId="26606"/>
+          <ac:spMkLst>
+            <pc:docMk/>
+            <pc:sldMk cId="132491262" sldId="262"/>
+            <ac:spMk id="33" creationId="{33E93247-6229-44AB-A550-739E971E690B}"/>
+          </ac:spMkLst>
+        </pc:spChg>
+        <pc:spChg chg="add del">
+          <ac:chgData name="Ankita L Savaliya" userId="45302890-fb20-4ef9-a20b-62d8ea27512f" providerId="ADAL" clId="{957F8EF4-DE2E-406C-A9E6-2384E4E35E69}" dt="2025-02-14T18:50:14.946" v="1056" actId="26606"/>
+          <ac:spMkLst>
+            <pc:docMk/>
+            <pc:sldMk cId="132491262" sldId="262"/>
+            <ac:spMk id="35" creationId="{912025B4-7337-735E-4DC9-E634D2011984}"/>
+          </ac:spMkLst>
+        </pc:spChg>
+        <pc:spChg chg="add del">
+          <ac:chgData name="Ankita L Savaliya" userId="45302890-fb20-4ef9-a20b-62d8ea27512f" providerId="ADAL" clId="{957F8EF4-DE2E-406C-A9E6-2384E4E35E69}" dt="2025-02-14T18:50:14.946" v="1056" actId="26606"/>
+          <ac:spMkLst>
+            <pc:docMk/>
+            <pc:sldMk cId="132491262" sldId="262"/>
+            <ac:spMk id="37" creationId="{150CDACD-D191-E642-F686-FCB54B7E5F67}"/>
+          </ac:spMkLst>
+        </pc:spChg>
+        <pc:spChg chg="add del">
+          <ac:chgData name="Ankita L Savaliya" userId="45302890-fb20-4ef9-a20b-62d8ea27512f" providerId="ADAL" clId="{957F8EF4-DE2E-406C-A9E6-2384E4E35E69}" dt="2025-02-14T18:50:39.513" v="1060" actId="26606"/>
+          <ac:spMkLst>
+            <pc:docMk/>
+            <pc:sldMk cId="132491262" sldId="262"/>
+            <ac:spMk id="40" creationId="{DB8F8250-7A81-4A19-87AD-FFB2CE4E39A5}"/>
+          </ac:spMkLst>
+        </pc:spChg>
+        <pc:spChg chg="add del">
+          <ac:chgData name="Ankita L Savaliya" userId="45302890-fb20-4ef9-a20b-62d8ea27512f" providerId="ADAL" clId="{957F8EF4-DE2E-406C-A9E6-2384E4E35E69}" dt="2025-02-14T18:50:39.513" v="1060" actId="26606"/>
+          <ac:spMkLst>
+            <pc:docMk/>
+            <pc:sldMk cId="132491262" sldId="262"/>
+            <ac:spMk id="41" creationId="{499F38FC-2DEA-2647-C409-EF75720C1017}"/>
+          </ac:spMkLst>
+        </pc:spChg>
+        <pc:spChg chg="add del">
+          <ac:chgData name="Ankita L Savaliya" userId="45302890-fb20-4ef9-a20b-62d8ea27512f" providerId="ADAL" clId="{957F8EF4-DE2E-406C-A9E6-2384E4E35E69}" dt="2025-02-14T18:50:39.513" v="1060" actId="26606"/>
+          <ac:spMkLst>
+            <pc:docMk/>
+            <pc:sldMk cId="132491262" sldId="262"/>
+            <ac:spMk id="42" creationId="{F3FF94B3-6D3E-44FE-BB02-A9027C0003C7}"/>
+          </ac:spMkLst>
+        </pc:spChg>
+        <pc:spChg chg="add del">
+          <ac:chgData name="Ankita L Savaliya" userId="45302890-fb20-4ef9-a20b-62d8ea27512f" providerId="ADAL" clId="{957F8EF4-DE2E-406C-A9E6-2384E4E35E69}" dt="2025-02-14T18:50:39.513" v="1060" actId="26606"/>
+          <ac:spMkLst>
+            <pc:docMk/>
+            <pc:sldMk cId="132491262" sldId="262"/>
+            <ac:spMk id="43" creationId="{E20BB609-EF92-42DB-836C-0699A590B5CF}"/>
+          </ac:spMkLst>
+        </pc:spChg>
+        <pc:spChg chg="add del">
+          <ac:chgData name="Ankita L Savaliya" userId="45302890-fb20-4ef9-a20b-62d8ea27512f" providerId="ADAL" clId="{957F8EF4-DE2E-406C-A9E6-2384E4E35E69}" dt="2025-02-14T18:50:39.513" v="1060" actId="26606"/>
+          <ac:spMkLst>
+            <pc:docMk/>
+            <pc:sldMk cId="132491262" sldId="262"/>
+            <ac:spMk id="44" creationId="{637992A9-1E8C-4E57-B4F4-EE2D38E504A2}"/>
+          </ac:spMkLst>
+        </pc:spChg>
+        <pc:spChg chg="add del">
+          <ac:chgData name="Ankita L Savaliya" userId="45302890-fb20-4ef9-a20b-62d8ea27512f" providerId="ADAL" clId="{957F8EF4-DE2E-406C-A9E6-2384E4E35E69}" dt="2025-02-14T18:50:39.513" v="1060" actId="26606"/>
+          <ac:spMkLst>
+            <pc:docMk/>
+            <pc:sldMk cId="132491262" sldId="262"/>
+            <ac:spMk id="45" creationId="{B2C335F7-F61C-4EB4-80F2-4B1438FE66BB}"/>
+          </ac:spMkLst>
+        </pc:spChg>
+        <pc:picChg chg="add mod">
+          <ac:chgData name="Ankita L Savaliya" userId="45302890-fb20-4ef9-a20b-62d8ea27512f" providerId="ADAL" clId="{957F8EF4-DE2E-406C-A9E6-2384E4E35E69}" dt="2025-02-15T03:02:58.563" v="1545" actId="14100"/>
+          <ac:picMkLst>
+            <pc:docMk/>
+            <pc:sldMk cId="132491262" sldId="262"/>
+            <ac:picMk id="3" creationId="{79FFF2BA-CEAD-09A1-4894-D39A965CA124}"/>
+          </ac:picMkLst>
+        </pc:picChg>
+        <pc:picChg chg="add del mod">
+          <ac:chgData name="Ankita L Savaliya" userId="45302890-fb20-4ef9-a20b-62d8ea27512f" providerId="ADAL" clId="{957F8EF4-DE2E-406C-A9E6-2384E4E35E69}" dt="2025-02-15T03:02:49.522" v="1542" actId="478"/>
+          <ac:picMkLst>
+            <pc:docMk/>
+            <pc:sldMk cId="132491262" sldId="262"/>
+            <ac:picMk id="6" creationId="{5AD8E990-A985-D2D7-CC55-FE56F8AFF33A}"/>
+          </ac:picMkLst>
+        </pc:picChg>
+        <pc:picChg chg="del">
+          <ac:chgData name="Ankita L Savaliya" userId="45302890-fb20-4ef9-a20b-62d8ea27512f" providerId="ADAL" clId="{957F8EF4-DE2E-406C-A9E6-2384E4E35E69}" dt="2025-02-14T17:30:36.497" v="266" actId="478"/>
+          <ac:picMkLst>
+            <pc:docMk/>
+            <pc:sldMk cId="132491262" sldId="262"/>
+            <ac:picMk id="8" creationId="{B386DD90-B802-598A-3A45-FF8985DB2FBC}"/>
+          </ac:picMkLst>
+        </pc:picChg>
+        <pc:picChg chg="add mod">
+          <ac:chgData name="Ankita L Savaliya" userId="45302890-fb20-4ef9-a20b-62d8ea27512f" providerId="ADAL" clId="{957F8EF4-DE2E-406C-A9E6-2384E4E35E69}" dt="2025-02-15T03:03:12.643" v="1547" actId="1076"/>
+          <ac:picMkLst>
+            <pc:docMk/>
+            <pc:sldMk cId="132491262" sldId="262"/>
+            <ac:picMk id="9" creationId="{C5E7FB67-C2A9-88BF-53B3-69064D056F02}"/>
+          </ac:picMkLst>
+        </pc:picChg>
+        <pc:picChg chg="del">
+          <ac:chgData name="Ankita L Savaliya" userId="45302890-fb20-4ef9-a20b-62d8ea27512f" providerId="ADAL" clId="{957F8EF4-DE2E-406C-A9E6-2384E4E35E69}" dt="2025-02-14T17:30:31.446" v="265" actId="478"/>
+          <ac:picMkLst>
+            <pc:docMk/>
+            <pc:sldMk cId="132491262" sldId="262"/>
+            <ac:picMk id="15" creationId="{A5E976FB-DB13-A408-FEBB-99126BD0B345}"/>
+          </ac:picMkLst>
+        </pc:picChg>
+      </pc:sldChg>
+      <pc:sldChg chg="addSp delSp modSp new add del mod setBg setClrOvrMap">
+        <pc:chgData name="Ankita L Savaliya" userId="45302890-fb20-4ef9-a20b-62d8ea27512f" providerId="ADAL" clId="{957F8EF4-DE2E-406C-A9E6-2384E4E35E69}" dt="2025-02-15T03:10:51.945" v="1731" actId="13822"/>
+        <pc:sldMkLst>
+          <pc:docMk/>
+          <pc:sldMk cId="1676429401" sldId="263"/>
+        </pc:sldMkLst>
+        <pc:spChg chg="del">
+          <ac:chgData name="Ankita L Savaliya" userId="45302890-fb20-4ef9-a20b-62d8ea27512f" providerId="ADAL" clId="{957F8EF4-DE2E-406C-A9E6-2384E4E35E69}" dt="2025-02-14T18:26:43.550" v="610" actId="478"/>
+          <ac:spMkLst>
+            <pc:docMk/>
+            <pc:sldMk cId="1676429401" sldId="263"/>
+            <ac:spMk id="2" creationId="{EB87225B-3507-01E2-7CD1-DC57919782BB}"/>
+          </ac:spMkLst>
+        </pc:spChg>
+        <pc:spChg chg="del">
+          <ac:chgData name="Ankita L Savaliya" userId="45302890-fb20-4ef9-a20b-62d8ea27512f" providerId="ADAL" clId="{957F8EF4-DE2E-406C-A9E6-2384E4E35E69}" dt="2025-02-14T18:26:45.241" v="611" actId="478"/>
+          <ac:spMkLst>
+            <pc:docMk/>
+            <pc:sldMk cId="1676429401" sldId="263"/>
+            <ac:spMk id="3" creationId="{9484CA91-8163-1C74-B2FF-ECD59DEC2D1F}"/>
+          </ac:spMkLst>
+        </pc:spChg>
+        <pc:spChg chg="add mod">
+          <ac:chgData name="Ankita L Savaliya" userId="45302890-fb20-4ef9-a20b-62d8ea27512f" providerId="ADAL" clId="{957F8EF4-DE2E-406C-A9E6-2384E4E35E69}" dt="2025-02-15T03:10:18.072" v="1730" actId="1076"/>
+          <ac:spMkLst>
+            <pc:docMk/>
+            <pc:sldMk cId="1676429401" sldId="263"/>
+            <ac:spMk id="14" creationId="{0A98846D-2095-A420-E31C-E989A79FD199}"/>
+          </ac:spMkLst>
+        </pc:spChg>
+        <pc:spChg chg="add del">
+          <ac:chgData name="Ankita L Savaliya" userId="45302890-fb20-4ef9-a20b-62d8ea27512f" providerId="ADAL" clId="{957F8EF4-DE2E-406C-A9E6-2384E4E35E69}" dt="2025-02-14T18:32:39.608" v="671" actId="26606"/>
+          <ac:spMkLst>
+            <pc:docMk/>
+            <pc:sldMk cId="1676429401" sldId="263"/>
+            <ac:spMk id="18" creationId="{40F6B676-B146-4D5E-90E5-D65A72CA04E7}"/>
+          </ac:spMkLst>
+        </pc:spChg>
+        <pc:spChg chg="add del">
+          <ac:chgData name="Ankita L Savaliya" userId="45302890-fb20-4ef9-a20b-62d8ea27512f" providerId="ADAL" clId="{957F8EF4-DE2E-406C-A9E6-2384E4E35E69}" dt="2025-02-14T18:32:39.608" v="671" actId="26606"/>
+          <ac:spMkLst>
+            <pc:docMk/>
+            <pc:sldMk cId="1676429401" sldId="263"/>
+            <ac:spMk id="20" creationId="{2623A025-DB3C-4E81-A76F-A0006C485F19}"/>
+          </ac:spMkLst>
+        </pc:spChg>
+        <pc:picChg chg="add del mod ord">
+          <ac:chgData name="Ankita L Savaliya" userId="45302890-fb20-4ef9-a20b-62d8ea27512f" providerId="ADAL" clId="{957F8EF4-DE2E-406C-A9E6-2384E4E35E69}" dt="2025-02-14T18:32:39.608" v="671" actId="26606"/>
+          <ac:picMkLst>
+            <pc:docMk/>
+            <pc:sldMk cId="1676429401" sldId="263"/>
+            <ac:picMk id="5" creationId="{A444951D-A66F-3E4F-46CE-D3CEA7AF4881}"/>
+          </ac:picMkLst>
+        </pc:picChg>
+        <pc:picChg chg="add mod ord">
+          <ac:chgData name="Ankita L Savaliya" userId="45302890-fb20-4ef9-a20b-62d8ea27512f" providerId="ADAL" clId="{957F8EF4-DE2E-406C-A9E6-2384E4E35E69}" dt="2025-02-14T18:32:39.608" v="671" actId="26606"/>
+          <ac:picMkLst>
+            <pc:docMk/>
+            <pc:sldMk cId="1676429401" sldId="263"/>
+            <ac:picMk id="7" creationId="{7E663857-326E-2FB6-81E4-D93B5B1510E5}"/>
+          </ac:picMkLst>
+        </pc:picChg>
+        <pc:picChg chg="add del mod">
+          <ac:chgData name="Ankita L Savaliya" userId="45302890-fb20-4ef9-a20b-62d8ea27512f" providerId="ADAL" clId="{957F8EF4-DE2E-406C-A9E6-2384E4E35E69}" dt="2025-02-14T18:31:41.278" v="662" actId="478"/>
+          <ac:picMkLst>
+            <pc:docMk/>
+            <pc:sldMk cId="1676429401" sldId="263"/>
+            <ac:picMk id="9" creationId="{0C2C87B0-6197-1925-8572-5ADC39157ACF}"/>
+          </ac:picMkLst>
+        </pc:picChg>
+        <pc:picChg chg="add mod">
+          <ac:chgData name="Ankita L Savaliya" userId="45302890-fb20-4ef9-a20b-62d8ea27512f" providerId="ADAL" clId="{957F8EF4-DE2E-406C-A9E6-2384E4E35E69}" dt="2025-02-15T03:10:51.945" v="1731" actId="13822"/>
+          <ac:picMkLst>
+            <pc:docMk/>
+            <pc:sldMk cId="1676429401" sldId="263"/>
+            <ac:picMk id="11" creationId="{B3DAED49-59C2-FC5B-9528-414414A4EF4F}"/>
+          </ac:picMkLst>
+        </pc:picChg>
+        <pc:picChg chg="add del mod">
+          <ac:chgData name="Ankita L Savaliya" userId="45302890-fb20-4ef9-a20b-62d8ea27512f" providerId="ADAL" clId="{957F8EF4-DE2E-406C-A9E6-2384E4E35E69}" dt="2025-02-14T18:34:07.770" v="684" actId="478"/>
+          <ac:picMkLst>
+            <pc:docMk/>
+            <pc:sldMk cId="1676429401" sldId="263"/>
+            <ac:picMk id="13" creationId="{2B6CA0D0-4D27-9C2C-1D0B-A8A05F7BD945}"/>
+          </ac:picMkLst>
+        </pc:picChg>
+      </pc:sldChg>
+      <pc:sldChg chg="addSp delSp modSp add mod">
+        <pc:chgData name="Ankita L Savaliya" userId="45302890-fb20-4ef9-a20b-62d8ea27512f" providerId="ADAL" clId="{957F8EF4-DE2E-406C-A9E6-2384E4E35E69}" dt="2025-02-15T03:09:23.214" v="1724" actId="20577"/>
+        <pc:sldMkLst>
+          <pc:docMk/>
+          <pc:sldMk cId="2592474609" sldId="264"/>
+        </pc:sldMkLst>
+        <pc:spChg chg="mod">
+          <ac:chgData name="Ankita L Savaliya" userId="45302890-fb20-4ef9-a20b-62d8ea27512f" providerId="ADAL" clId="{957F8EF4-DE2E-406C-A9E6-2384E4E35E69}" dt="2025-02-15T03:04:42.852" v="1550" actId="1076"/>
+          <ac:spMkLst>
+            <pc:docMk/>
+            <pc:sldMk cId="2592474609" sldId="264"/>
+            <ac:spMk id="5" creationId="{969DAAB4-71E8-5F40-C36F-1B821567D963}"/>
+          </ac:spMkLst>
+        </pc:spChg>
+        <pc:spChg chg="add mod">
+          <ac:chgData name="Ankita L Savaliya" userId="45302890-fb20-4ef9-a20b-62d8ea27512f" providerId="ADAL" clId="{957F8EF4-DE2E-406C-A9E6-2384E4E35E69}" dt="2025-02-15T03:09:23.214" v="1724" actId="20577"/>
+          <ac:spMkLst>
+            <pc:docMk/>
+            <pc:sldMk cId="2592474609" sldId="264"/>
+            <ac:spMk id="10" creationId="{5C7F8D05-D15C-FB53-275A-6BFDC4D0961B}"/>
+          </ac:spMkLst>
+        </pc:spChg>
+        <pc:picChg chg="del">
+          <ac:chgData name="Ankita L Savaliya" userId="45302890-fb20-4ef9-a20b-62d8ea27512f" providerId="ADAL" clId="{957F8EF4-DE2E-406C-A9E6-2384E4E35E69}" dt="2025-02-14T18:26:53.691" v="613" actId="478"/>
+          <ac:picMkLst>
+            <pc:docMk/>
+            <pc:sldMk cId="2592474609" sldId="264"/>
+            <ac:picMk id="3" creationId="{69E3A8A3-5DFB-5528-67FB-03AB2BB739FD}"/>
+          </ac:picMkLst>
+        </pc:picChg>
+        <pc:picChg chg="add mod">
+          <ac:chgData name="Ankita L Savaliya" userId="45302890-fb20-4ef9-a20b-62d8ea27512f" providerId="ADAL" clId="{957F8EF4-DE2E-406C-A9E6-2384E4E35E69}" dt="2025-02-15T03:04:40.243" v="1549" actId="1076"/>
+          <ac:picMkLst>
+            <pc:docMk/>
+            <pc:sldMk cId="2592474609" sldId="264"/>
+            <ac:picMk id="4" creationId="{F78D13A5-0A7F-EEEF-9562-6FC4B791F4FE}"/>
+          </ac:picMkLst>
+        </pc:picChg>
+        <pc:picChg chg="add mod">
+          <ac:chgData name="Ankita L Savaliya" userId="45302890-fb20-4ef9-a20b-62d8ea27512f" providerId="ADAL" clId="{957F8EF4-DE2E-406C-A9E6-2384E4E35E69}" dt="2025-02-14T18:39:24.957" v="977" actId="1076"/>
+          <ac:picMkLst>
+            <pc:docMk/>
+            <pc:sldMk cId="2592474609" sldId="264"/>
+            <ac:picMk id="7" creationId="{526ECECA-696B-A56E-E02F-EB6C39914D42}"/>
+          </ac:picMkLst>
+        </pc:picChg>
+        <pc:picChg chg="add mod">
+          <ac:chgData name="Ankita L Savaliya" userId="45302890-fb20-4ef9-a20b-62d8ea27512f" providerId="ADAL" clId="{957F8EF4-DE2E-406C-A9E6-2384E4E35E69}" dt="2025-02-14T18:39:08.397" v="974" actId="1076"/>
+          <ac:picMkLst>
+            <pc:docMk/>
+            <pc:sldMk cId="2592474609" sldId="264"/>
+            <ac:picMk id="9" creationId="{5A505DB7-9255-C0BE-4ABA-0A0D7B6395C6}"/>
+          </ac:picMkLst>
+        </pc:picChg>
+      </pc:sldChg>
+      <pc:sldChg chg="addSp delSp modSp new mod">
+        <pc:chgData name="Ankita L Savaliya" userId="45302890-fb20-4ef9-a20b-62d8ea27512f" providerId="ADAL" clId="{957F8EF4-DE2E-406C-A9E6-2384E4E35E69}" dt="2025-02-15T03:12:32.782" v="1739" actId="1076"/>
+        <pc:sldMkLst>
+          <pc:docMk/>
+          <pc:sldMk cId="595407707" sldId="265"/>
+        </pc:sldMkLst>
+        <pc:spChg chg="del">
+          <ac:chgData name="Ankita L Savaliya" userId="45302890-fb20-4ef9-a20b-62d8ea27512f" providerId="ADAL" clId="{957F8EF4-DE2E-406C-A9E6-2384E4E35E69}" dt="2025-02-14T18:33:12.778" v="673" actId="478"/>
+          <ac:spMkLst>
+            <pc:docMk/>
+            <pc:sldMk cId="595407707" sldId="265"/>
+            <ac:spMk id="2" creationId="{DFED52E1-E4DF-4AA3-A28D-F50AC4A17058}"/>
+          </ac:spMkLst>
+        </pc:spChg>
+        <pc:spChg chg="del">
+          <ac:chgData name="Ankita L Savaliya" userId="45302890-fb20-4ef9-a20b-62d8ea27512f" providerId="ADAL" clId="{957F8EF4-DE2E-406C-A9E6-2384E4E35E69}" dt="2025-02-14T18:33:45.941" v="677" actId="478"/>
+          <ac:spMkLst>
+            <pc:docMk/>
+            <pc:sldMk cId="595407707" sldId="265"/>
+            <ac:spMk id="3" creationId="{2973BD04-E400-436A-9000-A62E397A5929}"/>
+          </ac:spMkLst>
+        </pc:spChg>
+        <pc:picChg chg="add mod">
+          <ac:chgData name="Ankita L Savaliya" userId="45302890-fb20-4ef9-a20b-62d8ea27512f" providerId="ADAL" clId="{957F8EF4-DE2E-406C-A9E6-2384E4E35E69}" dt="2025-02-14T18:33:18.033" v="676" actId="1076"/>
+          <ac:picMkLst>
+            <pc:docMk/>
+            <pc:sldMk cId="595407707" sldId="265"/>
+            <ac:picMk id="5" creationId="{7071866E-5D82-A5D5-89C3-0030C610F583}"/>
+          </ac:picMkLst>
+        </pc:picChg>
+        <pc:picChg chg="add del mod">
+          <ac:chgData name="Ankita L Savaliya" userId="45302890-fb20-4ef9-a20b-62d8ea27512f" providerId="ADAL" clId="{957F8EF4-DE2E-406C-A9E6-2384E4E35E69}" dt="2025-02-15T03:11:53.617" v="1732" actId="478"/>
+          <ac:picMkLst>
+            <pc:docMk/>
+            <pc:sldMk cId="595407707" sldId="265"/>
+            <ac:picMk id="7" creationId="{B9836F96-152B-9729-0146-057B47399EC6}"/>
+          </ac:picMkLst>
+        </pc:picChg>
+        <pc:picChg chg="add mod">
+          <ac:chgData name="Ankita L Savaliya" userId="45302890-fb20-4ef9-a20b-62d8ea27512f" providerId="ADAL" clId="{957F8EF4-DE2E-406C-A9E6-2384E4E35E69}" dt="2025-02-15T03:12:32.782" v="1739" actId="1076"/>
+          <ac:picMkLst>
+            <pc:docMk/>
+            <pc:sldMk cId="595407707" sldId="265"/>
+            <ac:picMk id="9" creationId="{E7FEAFA3-526A-63D1-CC0B-5203B6547F48}"/>
+          </ac:picMkLst>
+        </pc:picChg>
+      </pc:sldChg>
+      <pc:sldChg chg="addSp delSp modSp new mod">
+        <pc:chgData name="Ankita L Savaliya" userId="45302890-fb20-4ef9-a20b-62d8ea27512f" providerId="ADAL" clId="{957F8EF4-DE2E-406C-A9E6-2384E4E35E69}" dt="2025-02-15T03:13:21.733" v="1743" actId="20577"/>
+        <pc:sldMkLst>
+          <pc:docMk/>
+          <pc:sldMk cId="482230949" sldId="266"/>
+        </pc:sldMkLst>
+        <pc:spChg chg="del">
+          <ac:chgData name="Ankita L Savaliya" userId="45302890-fb20-4ef9-a20b-62d8ea27512f" providerId="ADAL" clId="{957F8EF4-DE2E-406C-A9E6-2384E4E35E69}" dt="2025-02-14T18:37:59.657" v="961" actId="478"/>
+          <ac:spMkLst>
+            <pc:docMk/>
+            <pc:sldMk cId="482230949" sldId="266"/>
+            <ac:spMk id="2" creationId="{028864DA-9154-A802-6824-C42986039683}"/>
+          </ac:spMkLst>
+        </pc:spChg>
+        <pc:spChg chg="del">
+          <ac:chgData name="Ankita L Savaliya" userId="45302890-fb20-4ef9-a20b-62d8ea27512f" providerId="ADAL" clId="{957F8EF4-DE2E-406C-A9E6-2384E4E35E69}" dt="2025-02-14T18:38:01.147" v="962" actId="478"/>
+          <ac:spMkLst>
+            <pc:docMk/>
+            <pc:sldMk cId="482230949" sldId="266"/>
+            <ac:spMk id="3" creationId="{ECD9E6B8-D618-29A6-E06A-2666C7B910A2}"/>
+          </ac:spMkLst>
+        </pc:spChg>
+        <pc:spChg chg="add mod">
+          <ac:chgData name="Ankita L Savaliya" userId="45302890-fb20-4ef9-a20b-62d8ea27512f" providerId="ADAL" clId="{957F8EF4-DE2E-406C-A9E6-2384E4E35E69}" dt="2025-02-15T03:13:21.733" v="1743" actId="20577"/>
+          <ac:spMkLst>
+            <pc:docMk/>
+            <pc:sldMk cId="482230949" sldId="266"/>
+            <ac:spMk id="4" creationId="{E75C0B2F-8EBB-8CCF-DD14-24E7AD41B224}"/>
+          </ac:spMkLst>
+        </pc:spChg>
+        <pc:picChg chg="add">
+          <ac:chgData name="Ankita L Savaliya" userId="45302890-fb20-4ef9-a20b-62d8ea27512f" providerId="ADAL" clId="{957F8EF4-DE2E-406C-A9E6-2384E4E35E69}" dt="2025-02-14T18:41:47.385" v="989" actId="22"/>
+          <ac:picMkLst>
+            <pc:docMk/>
+            <pc:sldMk cId="482230949" sldId="266"/>
+            <ac:picMk id="6" creationId="{252A693D-5BE8-F6BB-5848-009B40DD66C8}"/>
+          </ac:picMkLst>
+        </pc:picChg>
+      </pc:sldChg>
+      <pc:sldChg chg="addSp modSp add mod">
+        <pc:chgData name="Ankita L Savaliya" userId="45302890-fb20-4ef9-a20b-62d8ea27512f" providerId="ADAL" clId="{957F8EF4-DE2E-406C-A9E6-2384E4E35E69}" dt="2025-02-15T03:14:33.114" v="1752" actId="20577"/>
+        <pc:sldMkLst>
+          <pc:docMk/>
+          <pc:sldMk cId="2837721027" sldId="267"/>
+        </pc:sldMkLst>
+        <pc:spChg chg="add mod">
+          <ac:chgData name="Ankita L Savaliya" userId="45302890-fb20-4ef9-a20b-62d8ea27512f" providerId="ADAL" clId="{957F8EF4-DE2E-406C-A9E6-2384E4E35E69}" dt="2025-02-15T03:14:33.114" v="1752" actId="20577"/>
+          <ac:spMkLst>
+            <pc:docMk/>
+            <pc:sldMk cId="2837721027" sldId="267"/>
+            <ac:spMk id="7" creationId="{FA98B731-A14E-4368-2B0C-E3C9955B2F0E}"/>
+          </ac:spMkLst>
+        </pc:spChg>
+        <pc:picChg chg="add mod">
+          <ac:chgData name="Ankita L Savaliya" userId="45302890-fb20-4ef9-a20b-62d8ea27512f" providerId="ADAL" clId="{957F8EF4-DE2E-406C-A9E6-2384E4E35E69}" dt="2025-02-15T03:14:28.624" v="1749" actId="1076"/>
+          <ac:picMkLst>
+            <pc:docMk/>
+            <pc:sldMk cId="2837721027" sldId="267"/>
+            <ac:picMk id="3" creationId="{EEB40A96-3CFA-2C39-5A43-6055E352F8D1}"/>
+          </ac:picMkLst>
+        </pc:picChg>
+        <pc:picChg chg="add mod">
+          <ac:chgData name="Ankita L Savaliya" userId="45302890-fb20-4ef9-a20b-62d8ea27512f" providerId="ADAL" clId="{957F8EF4-DE2E-406C-A9E6-2384E4E35E69}" dt="2025-02-15T03:14:21.882" v="1747" actId="1076"/>
+          <ac:picMkLst>
+            <pc:docMk/>
+            <pc:sldMk cId="2837721027" sldId="267"/>
+            <ac:picMk id="5" creationId="{61E82ACA-12AE-224B-8003-5B7FCCCF6505}"/>
+          </ac:picMkLst>
+        </pc:picChg>
+      </pc:sldChg>
+      <pc:sldChg chg="addSp modSp add mod">
+        <pc:chgData name="Ankita L Savaliya" userId="45302890-fb20-4ef9-a20b-62d8ea27512f" providerId="ADAL" clId="{957F8EF4-DE2E-406C-A9E6-2384E4E35E69}" dt="2025-02-15T03:17:28.750" v="1793" actId="1076"/>
+        <pc:sldMkLst>
+          <pc:docMk/>
+          <pc:sldMk cId="1654268917" sldId="268"/>
+        </pc:sldMkLst>
+        <pc:spChg chg="add mod">
+          <ac:chgData name="Ankita L Savaliya" userId="45302890-fb20-4ef9-a20b-62d8ea27512f" providerId="ADAL" clId="{957F8EF4-DE2E-406C-A9E6-2384E4E35E69}" dt="2025-02-15T03:15:04.642" v="1755" actId="27636"/>
+          <ac:spMkLst>
+            <pc:docMk/>
+            <pc:sldMk cId="1654268917" sldId="268"/>
+            <ac:spMk id="2" creationId="{87A902CC-D26D-D16E-1E3D-B7751CEA9E87}"/>
+          </ac:spMkLst>
+        </pc:spChg>
+        <pc:spChg chg="add mod">
+          <ac:chgData name="Ankita L Savaliya" userId="45302890-fb20-4ef9-a20b-62d8ea27512f" providerId="ADAL" clId="{957F8EF4-DE2E-406C-A9E6-2384E4E35E69}" dt="2025-02-15T03:17:24.112" v="1792" actId="14100"/>
+          <ac:spMkLst>
+            <pc:docMk/>
+            <pc:sldMk cId="1654268917" sldId="268"/>
+            <ac:spMk id="10" creationId="{F5B701FC-6200-8EFA-5D48-97BEA389FABE}"/>
+          </ac:spMkLst>
+        </pc:spChg>
+        <pc:picChg chg="add mod">
+          <ac:chgData name="Ankita L Savaliya" userId="45302890-fb20-4ef9-a20b-62d8ea27512f" providerId="ADAL" clId="{957F8EF4-DE2E-406C-A9E6-2384E4E35E69}" dt="2025-02-15T03:15:09.169" v="1756" actId="1076"/>
+          <ac:picMkLst>
+            <pc:docMk/>
+            <pc:sldMk cId="1654268917" sldId="268"/>
+            <ac:picMk id="4" creationId="{BA3CEA24-E17F-3FC4-E864-17CB242CEFF0}"/>
+          </ac:picMkLst>
+        </pc:picChg>
+        <pc:picChg chg="add mod">
+          <ac:chgData name="Ankita L Savaliya" userId="45302890-fb20-4ef9-a20b-62d8ea27512f" providerId="ADAL" clId="{957F8EF4-DE2E-406C-A9E6-2384E4E35E69}" dt="2025-02-14T18:44:05.686" v="1007" actId="1076"/>
+          <ac:picMkLst>
+            <pc:docMk/>
+            <pc:sldMk cId="1654268917" sldId="268"/>
+            <ac:picMk id="6" creationId="{80F4C12F-3E52-1122-E09D-62073D4E19BE}"/>
+          </ac:picMkLst>
+        </pc:picChg>
+        <pc:picChg chg="add mod">
+          <ac:chgData name="Ankita L Savaliya" userId="45302890-fb20-4ef9-a20b-62d8ea27512f" providerId="ADAL" clId="{957F8EF4-DE2E-406C-A9E6-2384E4E35E69}" dt="2025-02-15T03:17:28.750" v="1793" actId="1076"/>
+          <ac:picMkLst>
+            <pc:docMk/>
+            <pc:sldMk cId="1654268917" sldId="268"/>
+            <ac:picMk id="8" creationId="{88A38A43-C5FF-0705-CBB8-888E53FF2BC5}"/>
+          </ac:picMkLst>
+        </pc:picChg>
+      </pc:sldChg>
+      <pc:sldChg chg="addSp delSp modSp add mod">
+        <pc:chgData name="Ankita L Savaliya" userId="45302890-fb20-4ef9-a20b-62d8ea27512f" providerId="ADAL" clId="{957F8EF4-DE2E-406C-A9E6-2384E4E35E69}" dt="2025-02-15T03:19:11.543" v="1807" actId="1076"/>
+        <pc:sldMkLst>
+          <pc:docMk/>
+          <pc:sldMk cId="392207082" sldId="269"/>
+        </pc:sldMkLst>
+        <pc:picChg chg="add del mod">
+          <ac:chgData name="Ankita L Savaliya" userId="45302890-fb20-4ef9-a20b-62d8ea27512f" providerId="ADAL" clId="{957F8EF4-DE2E-406C-A9E6-2384E4E35E69}" dt="2025-02-15T03:17:58.638" v="1797" actId="478"/>
+          <ac:picMkLst>
+            <pc:docMk/>
+            <pc:sldMk cId="392207082" sldId="269"/>
+            <ac:picMk id="3" creationId="{52DAB950-AEA2-7E6D-E347-EC96CAEB415E}"/>
+          </ac:picMkLst>
+        </pc:picChg>
+        <pc:picChg chg="add del mod">
+          <ac:chgData name="Ankita L Savaliya" userId="45302890-fb20-4ef9-a20b-62d8ea27512f" providerId="ADAL" clId="{957F8EF4-DE2E-406C-A9E6-2384E4E35E69}" dt="2025-02-15T03:17:57.975" v="1796" actId="478"/>
+          <ac:picMkLst>
+            <pc:docMk/>
+            <pc:sldMk cId="392207082" sldId="269"/>
+            <ac:picMk id="5" creationId="{1BE57C3B-FCA0-609D-EB0F-313DAF62730D}"/>
+          </ac:picMkLst>
+        </pc:picChg>
+        <pc:picChg chg="add mod">
+          <ac:chgData name="Ankita L Savaliya" userId="45302890-fb20-4ef9-a20b-62d8ea27512f" providerId="ADAL" clId="{957F8EF4-DE2E-406C-A9E6-2384E4E35E69}" dt="2025-02-15T03:18:35.166" v="1801" actId="14100"/>
+          <ac:picMkLst>
+            <pc:docMk/>
+            <pc:sldMk cId="392207082" sldId="269"/>
+            <ac:picMk id="7" creationId="{8BEC5C23-8973-5B91-68C7-825EFF149DEC}"/>
+          </ac:picMkLst>
+        </pc:picChg>
+        <pc:picChg chg="add mod">
+          <ac:chgData name="Ankita L Savaliya" userId="45302890-fb20-4ef9-a20b-62d8ea27512f" providerId="ADAL" clId="{957F8EF4-DE2E-406C-A9E6-2384E4E35E69}" dt="2025-02-15T03:19:11.543" v="1807" actId="1076"/>
+          <ac:picMkLst>
+            <pc:docMk/>
+            <pc:sldMk cId="392207082" sldId="269"/>
+            <ac:picMk id="9" creationId="{4C9D32AD-B3E0-9AB1-50D1-72720A51C40F}"/>
+          </ac:picMkLst>
+        </pc:picChg>
+      </pc:sldChg>
+      <pc:sldChg chg="addSp modSp add mod">
+        <pc:chgData name="Ankita L Savaliya" userId="45302890-fb20-4ef9-a20b-62d8ea27512f" providerId="ADAL" clId="{957F8EF4-DE2E-406C-A9E6-2384E4E35E69}" dt="2025-02-15T03:23:39.295" v="1830" actId="20577"/>
+        <pc:sldMkLst>
+          <pc:docMk/>
+          <pc:sldMk cId="2725699278" sldId="270"/>
+        </pc:sldMkLst>
+        <pc:spChg chg="add mod">
+          <ac:chgData name="Ankita L Savaliya" userId="45302890-fb20-4ef9-a20b-62d8ea27512f" providerId="ADAL" clId="{957F8EF4-DE2E-406C-A9E6-2384E4E35E69}" dt="2025-02-15T03:23:39.295" v="1830" actId="20577"/>
+          <ac:spMkLst>
+            <pc:docMk/>
+            <pc:sldMk cId="2725699278" sldId="270"/>
+            <ac:spMk id="3" creationId="{AFE85D94-52B7-5558-970F-3DEE011EFDF6}"/>
+          </ac:spMkLst>
+        </pc:spChg>
+        <pc:spChg chg="add">
+          <ac:chgData name="Ankita L Savaliya" userId="45302890-fb20-4ef9-a20b-62d8ea27512f" providerId="ADAL" clId="{957F8EF4-DE2E-406C-A9E6-2384E4E35E69}" dt="2025-02-15T03:19:57.736" v="1808"/>
+          <ac:spMkLst>
+            <pc:docMk/>
+            <pc:sldMk cId="2725699278" sldId="270"/>
+            <ac:spMk id="8" creationId="{5CBC514E-A61E-043E-DAC6-E030D7B124E6}"/>
+          </ac:spMkLst>
+        </pc:spChg>
+        <pc:spChg chg="add mod">
+          <ac:chgData name="Ankita L Savaliya" userId="45302890-fb20-4ef9-a20b-62d8ea27512f" providerId="ADAL" clId="{957F8EF4-DE2E-406C-A9E6-2384E4E35E69}" dt="2025-02-15T03:23:27.508" v="1829" actId="113"/>
+          <ac:spMkLst>
+            <pc:docMk/>
+            <pc:sldMk cId="2725699278" sldId="270"/>
+            <ac:spMk id="9" creationId="{1AEC7D6E-DD59-1970-B500-E0F8E3BD4588}"/>
+          </ac:spMkLst>
+        </pc:spChg>
+        <pc:picChg chg="add mod">
+          <ac:chgData name="Ankita L Savaliya" userId="45302890-fb20-4ef9-a20b-62d8ea27512f" providerId="ADAL" clId="{957F8EF4-DE2E-406C-A9E6-2384E4E35E69}" dt="2025-02-15T03:20:38.155" v="1812" actId="1076"/>
+          <ac:picMkLst>
+            <pc:docMk/>
+            <pc:sldMk cId="2725699278" sldId="270"/>
+            <ac:picMk id="5" creationId="{684C2119-6EB9-384B-516E-738FD36D1509}"/>
+          </ac:picMkLst>
+        </pc:picChg>
+        <pc:picChg chg="add mod">
+          <ac:chgData name="Ankita L Savaliya" userId="45302890-fb20-4ef9-a20b-62d8ea27512f" providerId="ADAL" clId="{957F8EF4-DE2E-406C-A9E6-2384E4E35E69}" dt="2025-02-14T18:46:44.272" v="1030" actId="14100"/>
+          <ac:picMkLst>
+            <pc:docMk/>
+            <pc:sldMk cId="2725699278" sldId="270"/>
+            <ac:picMk id="7" creationId="{8A3FE777-6C3E-8CF6-3296-24474569E5FB}"/>
+          </ac:picMkLst>
+        </pc:picChg>
+      </pc:sldChg>
+      <pc:sldChg chg="addSp delSp modSp new mod">
+        <pc:chgData name="Ankita L Savaliya" userId="45302890-fb20-4ef9-a20b-62d8ea27512f" providerId="ADAL" clId="{957F8EF4-DE2E-406C-A9E6-2384E4E35E69}" dt="2025-02-15T03:29:13.224" v="1867" actId="20577"/>
+        <pc:sldMkLst>
+          <pc:docMk/>
+          <pc:sldMk cId="2837934223" sldId="271"/>
+        </pc:sldMkLst>
+        <pc:spChg chg="del">
+          <ac:chgData name="Ankita L Savaliya" userId="45302890-fb20-4ef9-a20b-62d8ea27512f" providerId="ADAL" clId="{957F8EF4-DE2E-406C-A9E6-2384E4E35E69}" dt="2025-02-14T18:46:53.807" v="1032" actId="478"/>
+          <ac:spMkLst>
+            <pc:docMk/>
+            <pc:sldMk cId="2837934223" sldId="271"/>
+            <ac:spMk id="2" creationId="{22A026ED-2E25-2BA7-712C-1BB0E65A5560}"/>
+          </ac:spMkLst>
+        </pc:spChg>
+        <pc:spChg chg="del">
+          <ac:chgData name="Ankita L Savaliya" userId="45302890-fb20-4ef9-a20b-62d8ea27512f" providerId="ADAL" clId="{957F8EF4-DE2E-406C-A9E6-2384E4E35E69}" dt="2025-02-14T18:46:55.115" v="1033" actId="478"/>
+          <ac:spMkLst>
+            <pc:docMk/>
+            <pc:sldMk cId="2837934223" sldId="271"/>
+            <ac:spMk id="3" creationId="{EB1D6D60-A6A6-3F43-7974-97F718F844E7}"/>
+          </ac:spMkLst>
+        </pc:spChg>
+        <pc:spChg chg="add del">
+          <ac:chgData name="Ankita L Savaliya" userId="45302890-fb20-4ef9-a20b-62d8ea27512f" providerId="ADAL" clId="{957F8EF4-DE2E-406C-A9E6-2384E4E35E69}" dt="2025-02-14T18:47:18.899" v="1037" actId="22"/>
+          <ac:spMkLst>
+            <pc:docMk/>
+            <pc:sldMk cId="2837934223" sldId="271"/>
+            <ac:spMk id="5" creationId="{CC770BFE-B622-84F6-3CFC-23903D48EBCA}"/>
+          </ac:spMkLst>
+        </pc:spChg>
+        <pc:spChg chg="add mod">
+          <ac:chgData name="Ankita L Savaliya" userId="45302890-fb20-4ef9-a20b-62d8ea27512f" providerId="ADAL" clId="{957F8EF4-DE2E-406C-A9E6-2384E4E35E69}" dt="2025-02-15T03:24:31.771" v="1836" actId="20577"/>
+          <ac:spMkLst>
+            <pc:docMk/>
+            <pc:sldMk cId="2837934223" sldId="271"/>
+            <ac:spMk id="7" creationId="{069E74FE-658F-D74E-7DB9-B6B12ED43720}"/>
+          </ac:spMkLst>
+        </pc:spChg>
+        <pc:spChg chg="add mod">
+          <ac:chgData name="Ankita L Savaliya" userId="45302890-fb20-4ef9-a20b-62d8ea27512f" providerId="ADAL" clId="{957F8EF4-DE2E-406C-A9E6-2384E4E35E69}" dt="2025-02-15T03:29:13.224" v="1867" actId="20577"/>
+          <ac:spMkLst>
+            <pc:docMk/>
+            <pc:sldMk cId="2837934223" sldId="271"/>
+            <ac:spMk id="14" creationId="{707D3586-0CE5-9A10-7F7C-2C3A183E0461}"/>
+          </ac:spMkLst>
+        </pc:spChg>
+        <pc:picChg chg="add del mod">
+          <ac:chgData name="Ankita L Savaliya" userId="45302890-fb20-4ef9-a20b-62d8ea27512f" providerId="ADAL" clId="{957F8EF4-DE2E-406C-A9E6-2384E4E35E69}" dt="2025-02-14T18:48:41.011" v="1048" actId="478"/>
+          <ac:picMkLst>
+            <pc:docMk/>
+            <pc:sldMk cId="2837934223" sldId="271"/>
+            <ac:picMk id="9" creationId="{6DD2BD17-D7BB-0972-01A8-E1BFEB170325}"/>
+          </ac:picMkLst>
+        </pc:picChg>
+        <pc:picChg chg="add mod">
+          <ac:chgData name="Ankita L Savaliya" userId="45302890-fb20-4ef9-a20b-62d8ea27512f" providerId="ADAL" clId="{957F8EF4-DE2E-406C-A9E6-2384E4E35E69}" dt="2025-02-15T03:24:17.880" v="1834" actId="1076"/>
+          <ac:picMkLst>
+            <pc:docMk/>
+            <pc:sldMk cId="2837934223" sldId="271"/>
+            <ac:picMk id="11" creationId="{063FCD22-2036-4E21-F544-AA713331BF67}"/>
+          </ac:picMkLst>
+        </pc:picChg>
+        <pc:picChg chg="add mod">
+          <ac:chgData name="Ankita L Savaliya" userId="45302890-fb20-4ef9-a20b-62d8ea27512f" providerId="ADAL" clId="{957F8EF4-DE2E-406C-A9E6-2384E4E35E69}" dt="2025-02-15T03:26:25.560" v="1837" actId="1076"/>
+          <ac:picMkLst>
+            <pc:docMk/>
+            <pc:sldMk cId="2837934223" sldId="271"/>
+            <ac:picMk id="13" creationId="{FEF5623C-2CC8-0B73-A559-C3923FE48163}"/>
+          </ac:picMkLst>
+        </pc:picChg>
+      </pc:sldChg>
+      <pc:sldChg chg="addSp delSp modSp add mod setBg delDesignElem">
+        <pc:chgData name="Ankita L Savaliya" userId="45302890-fb20-4ef9-a20b-62d8ea27512f" providerId="ADAL" clId="{957F8EF4-DE2E-406C-A9E6-2384E4E35E69}" dt="2025-02-15T02:40:20.781" v="1126"/>
+        <pc:sldMkLst>
+          <pc:docMk/>
+          <pc:sldMk cId="1055556792" sldId="272"/>
+        </pc:sldMkLst>
+        <pc:spChg chg="add del">
+          <ac:chgData name="Ankita L Savaliya" userId="45302890-fb20-4ef9-a20b-62d8ea27512f" providerId="ADAL" clId="{957F8EF4-DE2E-406C-A9E6-2384E4E35E69}" dt="2025-02-15T02:40:20.781" v="1126"/>
+          <ac:spMkLst>
+            <pc:docMk/>
+            <pc:sldMk cId="1055556792" sldId="272"/>
+            <ac:spMk id="8" creationId="{ADE57300-C7FF-4578-99A0-42B0295B123C}"/>
+          </ac:spMkLst>
+        </pc:spChg>
+        <pc:spChg chg="add del">
+          <ac:chgData name="Ankita L Savaliya" userId="45302890-fb20-4ef9-a20b-62d8ea27512f" providerId="ADAL" clId="{957F8EF4-DE2E-406C-A9E6-2384E4E35E69}" dt="2025-02-15T02:40:20.781" v="1126"/>
+          <ac:spMkLst>
+            <pc:docMk/>
+            <pc:sldMk cId="1055556792" sldId="272"/>
+            <ac:spMk id="10" creationId="{DB8F8250-7A81-4A19-87AD-FFB2CE4E39A5}"/>
+          </ac:spMkLst>
+        </pc:spChg>
+        <pc:spChg chg="add del">
+          <ac:chgData name="Ankita L Savaliya" userId="45302890-fb20-4ef9-a20b-62d8ea27512f" providerId="ADAL" clId="{957F8EF4-DE2E-406C-A9E6-2384E4E35E69}" dt="2025-02-15T02:40:20.781" v="1126"/>
+          <ac:spMkLst>
+            <pc:docMk/>
+            <pc:sldMk cId="1055556792" sldId="272"/>
+            <ac:spMk id="12" creationId="{499F38FC-2DEA-2647-C409-EF75720C1017}"/>
+          </ac:spMkLst>
+        </pc:spChg>
+        <pc:spChg chg="add del">
+          <ac:chgData name="Ankita L Savaliya" userId="45302890-fb20-4ef9-a20b-62d8ea27512f" providerId="ADAL" clId="{957F8EF4-DE2E-406C-A9E6-2384E4E35E69}" dt="2025-02-15T02:40:20.781" v="1126"/>
+          <ac:spMkLst>
+            <pc:docMk/>
+            <pc:sldMk cId="1055556792" sldId="272"/>
+            <ac:spMk id="14" creationId="{2A5A036F-9975-4D7C-8141-77791C7146C1}"/>
+          </ac:spMkLst>
+        </pc:spChg>
+        <pc:spChg chg="add del">
+          <ac:chgData name="Ankita L Savaliya" userId="45302890-fb20-4ef9-a20b-62d8ea27512f" providerId="ADAL" clId="{957F8EF4-DE2E-406C-A9E6-2384E4E35E69}" dt="2025-02-15T02:40:20.781" v="1126"/>
+          <ac:spMkLst>
+            <pc:docMk/>
+            <pc:sldMk cId="1055556792" sldId="272"/>
+            <ac:spMk id="16" creationId="{D90405AB-F9EB-0014-6489-03A19F0DDC1B}"/>
+          </ac:spMkLst>
+        </pc:spChg>
+        <pc:picChg chg="add mod">
+          <ac:chgData name="Ankita L Savaliya" userId="45302890-fb20-4ef9-a20b-62d8ea27512f" providerId="ADAL" clId="{957F8EF4-DE2E-406C-A9E6-2384E4E35E69}" dt="2025-02-14T18:49:38.394" v="1053" actId="26606"/>
+          <ac:picMkLst>
+            <pc:docMk/>
+            <pc:sldMk cId="1055556792" sldId="272"/>
+            <ac:picMk id="3" creationId="{4BF06591-2848-ABE2-ACBB-E74045AD615A}"/>
+          </ac:picMkLst>
+        </pc:picChg>
+      </pc:sldChg>
+      <pc:sldChg chg="add del">
+        <pc:chgData name="Ankita L Savaliya" userId="45302890-fb20-4ef9-a20b-62d8ea27512f" providerId="ADAL" clId="{957F8EF4-DE2E-406C-A9E6-2384E4E35E69}" dt="2025-02-15T03:29:22.268" v="1868" actId="47"/>
+        <pc:sldMkLst>
+          <pc:docMk/>
+          <pc:sldMk cId="1086979918" sldId="273"/>
+        </pc:sldMkLst>
+      </pc:sldChg>
+      <pc:sldChg chg="modSp new del ord">
+        <pc:chgData name="Ankita L Savaliya" userId="45302890-fb20-4ef9-a20b-62d8ea27512f" providerId="ADAL" clId="{957F8EF4-DE2E-406C-A9E6-2384E4E35E69}" dt="2025-02-15T02:40:22.062" v="1128" actId="680"/>
+        <pc:sldMkLst>
+          <pc:docMk/>
+          <pc:sldMk cId="3255874463" sldId="274"/>
+        </pc:sldMkLst>
+        <pc:spChg chg="mod">
+          <ac:chgData name="Ankita L Savaliya" userId="45302890-fb20-4ef9-a20b-62d8ea27512f" providerId="ADAL" clId="{957F8EF4-DE2E-406C-A9E6-2384E4E35E69}" dt="2025-02-15T02:40:20.781" v="1126"/>
+          <ac:spMkLst>
+            <pc:docMk/>
+            <pc:sldMk cId="3255874463" sldId="274"/>
+            <ac:spMk id="2" creationId="{7F52061B-A8A8-1371-4737-31CAD049D590}"/>
+          </ac:spMkLst>
+        </pc:spChg>
+        <pc:spChg chg="mod">
+          <ac:chgData name="Ankita L Savaliya" userId="45302890-fb20-4ef9-a20b-62d8ea27512f" providerId="ADAL" clId="{957F8EF4-DE2E-406C-A9E6-2384E4E35E69}" dt="2025-02-15T02:40:20.781" v="1126"/>
+          <ac:spMkLst>
+            <pc:docMk/>
+            <pc:sldMk cId="3255874463" sldId="274"/>
+            <ac:spMk id="3" creationId="{F1787D3D-50A1-3F83-C452-8DC4CD817F59}"/>
+          </ac:spMkLst>
+        </pc:spChg>
+      </pc:sldChg>
+    </pc:docChg>
+  </pc:docChgLst>
+</pc:chgInfo>
 </file>
 
 <file path=ppt/slideLayouts/slideLayout1.xml><?xml version="1.0" encoding="utf-8"?>
@@ -183,7 +2335,6 @@
               <a:rPr lang="en-US"/>
               <a:t>Click to edit Master title style</a:t>
             </a:r>
-            <a:endParaRPr lang="en-US" dirty="0"/>
           </a:p>
         </p:txBody>
       </p:sp>
@@ -259,7 +2410,6 @@
               <a:rPr lang="en-US"/>
               <a:t>Click to edit Master subtitle style</a:t>
             </a:r>
-            <a:endParaRPr lang="en-US" dirty="0"/>
           </a:p>
         </p:txBody>
       </p:sp>
@@ -286,7 +2436,7 @@
           <a:p>
             <a:fld id="{3391A759-BFF8-4B5B-9ECE-D93AC303B331}" type="datetime1">
               <a:rPr lang="en-US" smtClean="0"/>
-              <a:t>2/13/2025</a:t>
+              <a:t>2/14/2025</a:t>
             </a:fld>
             <a:endParaRPr lang="en-US"/>
           </a:p>
@@ -313,7 +2463,7 @@
           <a:bodyPr/>
           <a:lstStyle/>
           <a:p>
-            <a:endParaRPr lang="en-US" dirty="0"/>
+            <a:endParaRPr lang="en-US"/>
           </a:p>
         </p:txBody>
       </p:sp>
@@ -456,7 +2606,6 @@
               <a:rPr lang="en-US"/>
               <a:t>Click to edit Master title style</a:t>
             </a:r>
-            <a:endParaRPr lang="en-US" dirty="0"/>
           </a:p>
         </p:txBody>
       </p:sp>
@@ -540,7 +2689,7 @@
           <a:p>
             <a:fld id="{6DFDF398-5DA3-4937-BE3F-7CA1B9158252}" type="datetime1">
               <a:rPr lang="en-US" smtClean="0"/>
-              <a:t>2/13/2025</a:t>
+              <a:t>2/14/2025</a:t>
             </a:fld>
             <a:endParaRPr lang="en-US"/>
           </a:p>
@@ -567,7 +2716,7 @@
           <a:bodyPr/>
           <a:lstStyle/>
           <a:p>
-            <a:endParaRPr lang="en-US" dirty="0"/>
+            <a:endParaRPr lang="en-US"/>
           </a:p>
         </p:txBody>
       </p:sp>
@@ -660,7 +2809,6 @@
               <a:rPr lang="en-US"/>
               <a:t>Click to edit Master title style</a:t>
             </a:r>
-            <a:endParaRPr lang="en-US" dirty="0"/>
           </a:p>
         </p:txBody>
       </p:sp>
@@ -723,7 +2871,6 @@
               <a:rPr lang="en-US"/>
               <a:t>Fifth level</a:t>
             </a:r>
-            <a:endParaRPr lang="en-US" dirty="0"/>
           </a:p>
         </p:txBody>
       </p:sp>
@@ -750,7 +2897,7 @@
           <a:p>
             <a:fld id="{8F191ED9-F929-4A92-90F9-3C9C84ABBE83}" type="datetime1">
               <a:rPr lang="en-US" smtClean="0"/>
-              <a:t>2/13/2025</a:t>
+              <a:t>2/14/2025</a:t>
             </a:fld>
             <a:endParaRPr lang="en-US"/>
           </a:p>
@@ -777,7 +2924,7 @@
           <a:bodyPr/>
           <a:lstStyle/>
           <a:p>
-            <a:endParaRPr lang="en-US" dirty="0"/>
+            <a:endParaRPr lang="en-US"/>
           </a:p>
         </p:txBody>
       </p:sp>
@@ -920,7 +3067,6 @@
               <a:rPr lang="en-US"/>
               <a:t>Click to edit Master title style</a:t>
             </a:r>
-            <a:endParaRPr lang="en-US" dirty="0"/>
           </a:p>
         </p:txBody>
       </p:sp>
@@ -978,7 +3124,6 @@
               <a:rPr lang="en-US"/>
               <a:t>Fifth level</a:t>
             </a:r>
-            <a:endParaRPr lang="en-US" dirty="0"/>
           </a:p>
         </p:txBody>
       </p:sp>
@@ -1005,7 +3150,7 @@
           <a:p>
             <a:fld id="{EEBAB316-A2E6-49F2-825C-64AA951E4184}" type="datetime1">
               <a:rPr lang="en-US" smtClean="0"/>
-              <a:t>2/13/2025</a:t>
+              <a:t>2/14/2025</a:t>
             </a:fld>
             <a:endParaRPr lang="en-US"/>
           </a:p>
@@ -1032,7 +3177,7 @@
           <a:bodyPr/>
           <a:lstStyle/>
           <a:p>
-            <a:endParaRPr lang="en-US" dirty="0"/>
+            <a:endParaRPr lang="en-US"/>
           </a:p>
         </p:txBody>
       </p:sp>
@@ -1131,7 +3276,6 @@
               <a:rPr lang="en-US"/>
               <a:t>Click to edit Master title style</a:t>
             </a:r>
-            <a:endParaRPr lang="en-US" dirty="0"/>
           </a:p>
         </p:txBody>
       </p:sp>
@@ -1283,7 +3427,7 @@
           <a:p>
             <a:fld id="{5AE9748B-ADD6-4C5A-8C2A-A39721276E74}" type="datetime1">
               <a:rPr lang="en-US" smtClean="0"/>
-              <a:t>2/13/2025</a:t>
+              <a:t>2/14/2025</a:t>
             </a:fld>
             <a:endParaRPr lang="en-US"/>
           </a:p>
@@ -1310,7 +3454,7 @@
           <a:bodyPr/>
           <a:lstStyle/>
           <a:p>
-            <a:endParaRPr lang="en-US" dirty="0"/>
+            <a:endParaRPr lang="en-US"/>
           </a:p>
         </p:txBody>
       </p:sp>
@@ -1403,7 +3547,6 @@
               <a:rPr lang="en-US"/>
               <a:t>Click to edit Master title style</a:t>
             </a:r>
-            <a:endParaRPr lang="en-US" dirty="0"/>
           </a:p>
         </p:txBody>
       </p:sp>
@@ -1466,7 +3609,6 @@
               <a:rPr lang="en-US"/>
               <a:t>Fifth level</a:t>
             </a:r>
-            <a:endParaRPr lang="en-US" dirty="0"/>
           </a:p>
         </p:txBody>
       </p:sp>
@@ -1555,7 +3697,7 @@
           <a:p>
             <a:fld id="{7241FB0F-3C5C-4949-B933-9C7E511ED094}" type="datetime1">
               <a:rPr lang="en-US" smtClean="0"/>
-              <a:t>2/13/2025</a:t>
+              <a:t>2/14/2025</a:t>
             </a:fld>
             <a:endParaRPr lang="en-US"/>
           </a:p>
@@ -1582,7 +3724,7 @@
           <a:bodyPr/>
           <a:lstStyle/>
           <a:p>
-            <a:endParaRPr lang="en-US" dirty="0"/>
+            <a:endParaRPr lang="en-US"/>
           </a:p>
         </p:txBody>
       </p:sp>
@@ -1739,7 +3881,6 @@
               <a:rPr lang="en-US"/>
               <a:t>Click to edit Master title style</a:t>
             </a:r>
-            <a:endParaRPr lang="en-US" dirty="0"/>
           </a:p>
         </p:txBody>
       </p:sp>
@@ -1875,7 +4016,6 @@
               <a:rPr lang="en-US"/>
               <a:t>Fifth level</a:t>
             </a:r>
-            <a:endParaRPr lang="en-US" dirty="0"/>
           </a:p>
         </p:txBody>
       </p:sp>
@@ -2011,7 +4151,6 @@
               <a:rPr lang="en-US"/>
               <a:t>Fifth level</a:t>
             </a:r>
-            <a:endParaRPr lang="en-US" dirty="0"/>
           </a:p>
         </p:txBody>
       </p:sp>
@@ -2043,7 +4182,7 @@
           <a:p>
             <a:fld id="{C2F01D58-E949-4BCB-829A-BBF80E38D59C}" type="datetime1">
               <a:rPr lang="en-US" smtClean="0"/>
-              <a:t>2/13/2025</a:t>
+              <a:t>2/14/2025</a:t>
             </a:fld>
             <a:endParaRPr lang="en-US"/>
           </a:p>
@@ -2070,7 +4209,7 @@
           <a:bodyPr/>
           <a:lstStyle/>
           <a:p>
-            <a:endParaRPr lang="en-US" dirty="0"/>
+            <a:endParaRPr lang="en-US"/>
           </a:p>
         </p:txBody>
       </p:sp>
@@ -2158,7 +4297,6 @@
               <a:rPr lang="en-US"/>
               <a:t>Click to edit Master title style</a:t>
             </a:r>
-            <a:endParaRPr lang="en-US" dirty="0"/>
           </a:p>
         </p:txBody>
       </p:sp>
@@ -2185,7 +4323,7 @@
           <a:p>
             <a:fld id="{FF10A846-0DA4-4D92-9BF1-DE8C52C1F4DF}" type="datetime1">
               <a:rPr lang="en-US" smtClean="0"/>
-              <a:t>2/13/2025</a:t>
+              <a:t>2/14/2025</a:t>
             </a:fld>
             <a:endParaRPr lang="en-US"/>
           </a:p>
@@ -2212,7 +4350,7 @@
           <a:bodyPr/>
           <a:lstStyle/>
           <a:p>
-            <a:endParaRPr lang="en-US" dirty="0"/>
+            <a:endParaRPr lang="en-US"/>
           </a:p>
         </p:txBody>
       </p:sp>
@@ -2298,7 +4436,7 @@
           <a:p>
             <a:fld id="{E9412331-4A9C-472F-A7FA-968157338839}" type="datetime1">
               <a:rPr lang="en-US" smtClean="0"/>
-              <a:t>2/13/2025</a:t>
+              <a:t>2/14/2025</a:t>
             </a:fld>
             <a:endParaRPr lang="en-US"/>
           </a:p>
@@ -2325,7 +4463,7 @@
           <a:bodyPr/>
           <a:lstStyle/>
           <a:p>
-            <a:endParaRPr lang="en-US" dirty="0"/>
+            <a:endParaRPr lang="en-US"/>
           </a:p>
         </p:txBody>
       </p:sp>
@@ -2424,7 +4562,6 @@
               <a:rPr lang="en-US"/>
               <a:t>Click to edit Master title style</a:t>
             </a:r>
-            <a:endParaRPr lang="en-US" dirty="0"/>
           </a:p>
         </p:txBody>
       </p:sp>
@@ -2517,7 +4654,6 @@
               <a:rPr lang="en-US"/>
               <a:t>Fifth level</a:t>
             </a:r>
-            <a:endParaRPr lang="en-US" dirty="0"/>
           </a:p>
         </p:txBody>
       </p:sp>
@@ -2617,7 +4753,7 @@
           <a:p>
             <a:fld id="{A2197F3D-ED52-43FD-A26D-318B71534485}" type="datetime1">
               <a:rPr lang="en-US" smtClean="0"/>
-              <a:t>2/13/2025</a:t>
+              <a:t>2/14/2025</a:t>
             </a:fld>
             <a:endParaRPr lang="en-US"/>
           </a:p>
@@ -2644,7 +4780,7 @@
           <a:bodyPr/>
           <a:lstStyle/>
           <a:p>
-            <a:endParaRPr lang="en-US" dirty="0"/>
+            <a:endParaRPr lang="en-US"/>
           </a:p>
         </p:txBody>
       </p:sp>
@@ -2743,7 +4879,6 @@
               <a:rPr lang="en-US"/>
               <a:t>Click to edit Master title style</a:t>
             </a:r>
-            <a:endParaRPr lang="en-US" dirty="0"/>
           </a:p>
         </p:txBody>
       </p:sp>
@@ -2814,7 +4949,6 @@
               <a:rPr lang="en-US"/>
               <a:t>Click icon to add picture</a:t>
             </a:r>
-            <a:endParaRPr lang="en-US" dirty="0"/>
           </a:p>
         </p:txBody>
       </p:sp>
@@ -2914,7 +5048,7 @@
           <a:p>
             <a:fld id="{3D291FA4-6264-4BB8-B3B5-77711EED2D82}" type="datetime1">
               <a:rPr lang="en-US" smtClean="0"/>
-              <a:t>2/13/2025</a:t>
+              <a:t>2/14/2025</a:t>
             </a:fld>
             <a:endParaRPr lang="en-US"/>
           </a:p>
@@ -2941,7 +5075,7 @@
           <a:bodyPr/>
           <a:lstStyle/>
           <a:p>
-            <a:endParaRPr lang="en-US" dirty="0"/>
+            <a:endParaRPr lang="en-US"/>
           </a:p>
         </p:txBody>
       </p:sp>
@@ -3044,7 +5178,6 @@
               <a:rPr lang="en-US"/>
               <a:t>Click to edit Master title style</a:t>
             </a:r>
-            <a:endParaRPr lang="en-US" dirty="0"/>
           </a:p>
         </p:txBody>
       </p:sp>
@@ -3112,7 +5245,6 @@
               <a:rPr lang="en-US"/>
               <a:t>Fifth level</a:t>
             </a:r>
-            <a:endParaRPr lang="en-US" dirty="0"/>
           </a:p>
         </p:txBody>
       </p:sp>
@@ -3155,7 +5287,7 @@
           <a:p>
             <a:fld id="{E7F6A1D9-D323-4F4E-8655-25E2D32CE742}" type="datetime1">
               <a:rPr lang="en-US" smtClean="0"/>
-              <a:t>2/13/2025</a:t>
+              <a:t>2/14/2025</a:t>
             </a:fld>
             <a:endParaRPr lang="en-US"/>
           </a:p>
@@ -3198,7 +5330,7 @@
             </a:lvl1pPr>
           </a:lstStyle>
           <a:p>
-            <a:endParaRPr lang="en-US" dirty="0"/>
+            <a:endParaRPr lang="en-US"/>
           </a:p>
         </p:txBody>
       </p:sp>
@@ -3244,7 +5376,7 @@
               <a:pPr/>
               <a:t>‹#›</a:t>
             </a:fld>
-            <a:endParaRPr lang="en-US" dirty="0"/>
+            <a:endParaRPr lang="en-US"/>
           </a:p>
         </p:txBody>
       </p:sp>
@@ -3790,7 +5922,7 @@
           <a:lstStyle/>
           <a:p>
             <a:pPr algn="ctr"/>
-            <a:endParaRPr lang="en-US" dirty="0"/>
+            <a:endParaRPr lang="en-US"/>
           </a:p>
         </p:txBody>
       </p:sp>
@@ -4180,6 +6312,96 @@
           <a:chExt cx="0" cy="0"/>
         </a:xfrm>
       </p:grpSpPr>
+      <p:pic>
+        <p:nvPicPr>
+          <p:cNvPr id="5" name="Picture 4">
+            <a:extLst>
+              <a:ext uri="{FF2B5EF4-FFF2-40B4-BE49-F238E27FC236}">
+                <a16:creationId xmlns:a16="http://schemas.microsoft.com/office/drawing/2014/main" id="{7071866E-5D82-A5D5-89C3-0030C610F583}"/>
+              </a:ext>
+            </a:extLst>
+          </p:cNvPr>
+          <p:cNvPicPr>
+            <a:picLocks noChangeAspect="1"/>
+          </p:cNvPicPr>
+          <p:nvPr/>
+        </p:nvPicPr>
+        <p:blipFill>
+          <a:blip r:embed="rId2"/>
+          <a:stretch>
+            <a:fillRect/>
+          </a:stretch>
+        </p:blipFill>
+        <p:spPr>
+          <a:xfrm>
+            <a:off x="400776" y="1085835"/>
+            <a:ext cx="5840391" cy="4637314"/>
+          </a:xfrm>
+          <a:prstGeom prst="rect">
+            <a:avLst/>
+          </a:prstGeom>
+        </p:spPr>
+      </p:pic>
+      <p:pic>
+        <p:nvPicPr>
+          <p:cNvPr id="9" name="Picture 8">
+            <a:extLst>
+              <a:ext uri="{FF2B5EF4-FFF2-40B4-BE49-F238E27FC236}">
+                <a16:creationId xmlns:a16="http://schemas.microsoft.com/office/drawing/2014/main" id="{E7FEAFA3-526A-63D1-CC0B-5203B6547F48}"/>
+              </a:ext>
+            </a:extLst>
+          </p:cNvPr>
+          <p:cNvPicPr>
+            <a:picLocks noChangeAspect="1"/>
+          </p:cNvPicPr>
+          <p:nvPr/>
+        </p:nvPicPr>
+        <p:blipFill>
+          <a:blip r:embed="rId3"/>
+          <a:stretch>
+            <a:fillRect/>
+          </a:stretch>
+        </p:blipFill>
+        <p:spPr>
+          <a:xfrm>
+            <a:off x="6552089" y="1085835"/>
+            <a:ext cx="5239135" cy="4489922"/>
+          </a:xfrm>
+          <a:prstGeom prst="rect">
+            <a:avLst/>
+          </a:prstGeom>
+        </p:spPr>
+      </p:pic>
+    </p:spTree>
+    <p:extLst>
+      <p:ext uri="{BB962C8B-B14F-4D97-AF65-F5344CB8AC3E}">
+        <p14:creationId xmlns:p14="http://schemas.microsoft.com/office/powerpoint/2010/main" val="595407707"/>
+      </p:ext>
+    </p:extLst>
+  </p:cSld>
+  <p:clrMapOvr>
+    <a:masterClrMapping/>
+  </p:clrMapOvr>
+</p:sld>
+</file>
+
+<file path=ppt/slides/slide11.xml><?xml version="1.0" encoding="utf-8"?>
+<p:sld xmlns:a="http://schemas.openxmlformats.org/drawingml/2006/main" xmlns:r="http://schemas.openxmlformats.org/officeDocument/2006/relationships" xmlns:p="http://schemas.openxmlformats.org/presentationml/2006/main">
+  <p:cSld>
+    <p:spTree>
+      <p:nvGrpSpPr>
+        <p:cNvPr id="1" name=""/>
+        <p:cNvGrpSpPr/>
+        <p:nvPr/>
+      </p:nvGrpSpPr>
+      <p:grpSpPr>
+        <a:xfrm>
+          <a:off x="0" y="0"/>
+          <a:ext cx="0" cy="0"/>
+          <a:chOff x="0" y="0"/>
+          <a:chExt cx="0" cy="0"/>
+        </a:xfrm>
+      </p:grpSpPr>
       <p:sp>
         <p:nvSpPr>
           <p:cNvPr id="4" name="TextBox 3">
@@ -4216,7 +6438,7 @@
               </a:spcAft>
             </a:pPr>
             <a:r>
-              <a:rPr lang="en-US" sz="4400" b="1" dirty="0">
+              <a:rPr lang="en-US" sz="4400" b="1">
                 <a:latin typeface="+mj-lt"/>
                 <a:ea typeface="+mj-ea"/>
                 <a:cs typeface="+mj-cs"/>
@@ -4224,18 +6446,21 @@
               <a:t>Process TEXT using </a:t>
             </a:r>
             <a:r>
-              <a:rPr lang="en-US" sz="4400" b="1" dirty="0" err="1">
+              <a:rPr lang="en-US" sz="4400" b="1" err="1">
                 <a:latin typeface="+mj-lt"/>
                 <a:ea typeface="+mj-ea"/>
                 <a:cs typeface="+mj-cs"/>
               </a:rPr>
               <a:t>SciSpaCy</a:t>
             </a:r>
-            <a:endParaRPr lang="en-US" sz="4400" b="1" dirty="0">
-              <a:latin typeface="+mj-lt"/>
-              <a:ea typeface="+mj-ea"/>
-              <a:cs typeface="+mj-cs"/>
-            </a:endParaRPr>
+            <a:r>
+              <a:rPr lang="en-US" sz="4400" b="1">
+                <a:latin typeface="+mj-lt"/>
+                <a:ea typeface="+mj-ea"/>
+                <a:cs typeface="+mj-cs"/>
+              </a:rPr>
+              <a:t> </a:t>
+            </a:r>
           </a:p>
         </p:txBody>
       </p:sp>
@@ -4261,7 +6486,7 @@
         </p:blipFill>
         <p:spPr>
           <a:xfrm>
-            <a:off x="594544" y="1842866"/>
+            <a:off x="479722" y="1519277"/>
             <a:ext cx="11002911" cy="3172268"/>
           </a:xfrm>
           <a:prstGeom prst="rect">
@@ -4282,7 +6507,7 @@
 </p:sld>
 </file>
 
-<file path=ppt/slides/slide11.xml><?xml version="1.0" encoding="utf-8"?>
+<file path=ppt/slides/slide12.xml><?xml version="1.0" encoding="utf-8"?>
 <p:sld xmlns:a="http://schemas.openxmlformats.org/drawingml/2006/main" xmlns:r="http://schemas.openxmlformats.org/officeDocument/2006/relationships" xmlns:p="http://schemas.openxmlformats.org/presentationml/2006/main">
   <p:cSld>
     <p:spTree>
@@ -4335,12 +6560,72 @@
           </a:prstGeom>
         </p:spPr>
       </p:pic>
+      <p:sp>
+        <p:nvSpPr>
+          <p:cNvPr id="7" name="TextBox 6">
+            <a:extLst>
+              <a:ext uri="{FF2B5EF4-FFF2-40B4-BE49-F238E27FC236}">
+                <a16:creationId xmlns:a16="http://schemas.microsoft.com/office/drawing/2014/main" id="{FA98B731-A14E-4368-2B0C-E3C9955B2F0E}"/>
+              </a:ext>
+            </a:extLst>
+          </p:cNvPr>
+          <p:cNvSpPr txBox="1"/>
+          <p:nvPr/>
+        </p:nvSpPr>
+        <p:spPr>
+          <a:xfrm>
+            <a:off x="455160" y="718402"/>
+            <a:ext cx="9983492" cy="523220"/>
+          </a:xfrm>
+          <a:prstGeom prst="rect">
+            <a:avLst/>
+          </a:prstGeom>
+          <a:noFill/>
+        </p:spPr>
+        <p:txBody>
+          <a:bodyPr wrap="square" lIns="91440" tIns="45720" rIns="91440" bIns="45720" anchor="t">
+            <a:spAutoFit/>
+          </a:bodyPr>
+          <a:lstStyle/>
+          <a:p>
+            <a:pPr>
+              <a:spcBef>
+                <a:spcPct val="0"/>
+              </a:spcBef>
+              <a:spcAft>
+                <a:spcPts val="600"/>
+              </a:spcAft>
+            </a:pPr>
+            <a:r>
+              <a:rPr lang="en-US" sz="2800" b="1"/>
+              <a:t>Visualize </a:t>
+            </a:r>
+            <a:r>
+              <a:rPr lang="en-US" sz="2800" b="1" err="1"/>
+              <a:t>SciSpaCy</a:t>
+            </a:r>
+            <a:r>
+              <a:rPr lang="en-US" sz="2800" b="1"/>
+              <a:t> Entities Using </a:t>
+            </a:r>
+            <a:r>
+              <a:rPr lang="en-US" sz="2800" b="1" err="1"/>
+              <a:t>displaCy</a:t>
+            </a:r>
+            <a:endParaRPr lang="en-US" sz="2800" b="1">
+              <a:latin typeface="+mj-lt"/>
+              <a:ea typeface="+mj-ea"/>
+              <a:cs typeface="+mj-cs"/>
+            </a:endParaRPr>
+          </a:p>
+        </p:txBody>
+      </p:sp>
       <p:pic>
         <p:nvPicPr>
-          <p:cNvPr id="5" name="Picture 4">
-            <a:extLst>
-              <a:ext uri="{FF2B5EF4-FFF2-40B4-BE49-F238E27FC236}">
-                <a16:creationId xmlns:a16="http://schemas.microsoft.com/office/drawing/2014/main" id="{61E82ACA-12AE-224B-8003-5B7FCCCF6505}"/>
+          <p:cNvPr id="2" name="Picture 1" descr="A screenshot of a computer screen&#10;&#10;AI-generated content may be incorrect.">
+            <a:extLst>
+              <a:ext uri="{FF2B5EF4-FFF2-40B4-BE49-F238E27FC236}">
+                <a16:creationId xmlns:a16="http://schemas.microsoft.com/office/drawing/2014/main" id="{A45BBE4E-301D-494A-B08A-8B759DF1368F}"/>
               </a:ext>
             </a:extLst>
           </p:cNvPr>
@@ -4357,74 +6642,14 @@
         </p:blipFill>
         <p:spPr>
           <a:xfrm>
-            <a:off x="463196" y="1876198"/>
-            <a:ext cx="9988602" cy="4866509"/>
+            <a:off x="426202" y="1873208"/>
+            <a:ext cx="9608949" cy="4687245"/>
           </a:xfrm>
           <a:prstGeom prst="rect">
             <a:avLst/>
           </a:prstGeom>
         </p:spPr>
       </p:pic>
-      <p:sp>
-        <p:nvSpPr>
-          <p:cNvPr id="7" name="TextBox 6">
-            <a:extLst>
-              <a:ext uri="{FF2B5EF4-FFF2-40B4-BE49-F238E27FC236}">
-                <a16:creationId xmlns:a16="http://schemas.microsoft.com/office/drawing/2014/main" id="{FA98B731-A14E-4368-2B0C-E3C9955B2F0E}"/>
-              </a:ext>
-            </a:extLst>
-          </p:cNvPr>
-          <p:cNvSpPr txBox="1"/>
-          <p:nvPr/>
-        </p:nvSpPr>
-        <p:spPr>
-          <a:xfrm>
-            <a:off x="429330" y="718402"/>
-            <a:ext cx="6096000" cy="369332"/>
-          </a:xfrm>
-          <a:prstGeom prst="rect">
-            <a:avLst/>
-          </a:prstGeom>
-          <a:noFill/>
-        </p:spPr>
-        <p:txBody>
-          <a:bodyPr wrap="square">
-            <a:spAutoFit/>
-          </a:bodyPr>
-          <a:lstStyle/>
-          <a:p>
-            <a:pPr>
-              <a:spcBef>
-                <a:spcPct val="0"/>
-              </a:spcBef>
-              <a:spcAft>
-                <a:spcPts val="600"/>
-              </a:spcAft>
-            </a:pPr>
-            <a:r>
-              <a:rPr lang="en-US" sz="1800" b="1" dirty="0"/>
-              <a:t>Visualize </a:t>
-            </a:r>
-            <a:r>
-              <a:rPr lang="en-US" sz="1800" b="1" dirty="0" err="1"/>
-              <a:t>SciSpaCy</a:t>
-            </a:r>
-            <a:r>
-              <a:rPr lang="en-US" sz="1800" b="1" dirty="0"/>
-              <a:t> Entities Using </a:t>
-            </a:r>
-            <a:r>
-              <a:rPr lang="en-US" sz="1800" b="1" dirty="0" err="1"/>
-              <a:t>displaCy</a:t>
-            </a:r>
-            <a:endParaRPr lang="en-US" sz="1800" b="1" dirty="0">
-              <a:latin typeface="+mj-lt"/>
-              <a:ea typeface="+mj-ea"/>
-              <a:cs typeface="+mj-cs"/>
-            </a:endParaRPr>
-          </a:p>
-        </p:txBody>
-      </p:sp>
     </p:spTree>
     <p:extLst>
       <p:ext uri="{BB962C8B-B14F-4D97-AF65-F5344CB8AC3E}">
@@ -4438,7 +6663,7 @@
 </p:sld>
 </file>
 
-<file path=ppt/slides/slide12.xml><?xml version="1.0" encoding="utf-8"?>
+<file path=ppt/slides/slide13.xml><?xml version="1.0" encoding="utf-8"?>
 <p:sld xmlns:a="http://schemas.openxmlformats.org/drawingml/2006/main" xmlns:r="http://schemas.openxmlformats.org/officeDocument/2006/relationships" xmlns:p="http://schemas.openxmlformats.org/presentationml/2006/main">
   <p:cSld>
     <p:spTree>
@@ -4497,15 +6722,15 @@
               </a:spcAft>
             </a:pPr>
             <a:r>
-              <a:rPr lang="en-US" sz="2800" b="1" dirty="0"/>
+              <a:rPr lang="en-US" sz="2800" b="1"/>
               <a:t>Word2Vec and t-SNE Visualization Using </a:t>
             </a:r>
             <a:r>
-              <a:rPr lang="en-US" sz="2800" b="1" dirty="0" err="1"/>
+              <a:rPr lang="en-US" sz="2800" b="1" err="1"/>
               <a:t>SciSpaCy</a:t>
             </a:r>
             <a:r>
-              <a:rPr lang="en-US" sz="2800" b="1" dirty="0"/>
+              <a:rPr lang="en-US" sz="2800" b="1"/>
               <a:t>-Processed Data</a:t>
             </a:r>
           </a:p>
@@ -4648,14 +6873,14 @@
               <a:buChar char="•"/>
             </a:pPr>
             <a:r>
-              <a:rPr lang="en-US" dirty="0"/>
+              <a:rPr lang="en-US"/>
               <a:t>Build corpus using </a:t>
             </a:r>
             <a:r>
-              <a:rPr lang="en-US" dirty="0" err="1"/>
+              <a:rPr lang="en-US" err="1"/>
               <a:t>SciSpaCy</a:t>
             </a:r>
-            <a:endParaRPr lang="en-US" dirty="0"/>
+            <a:endParaRPr lang="en-US"/>
           </a:p>
           <a:p>
             <a:pPr marL="285750" indent="-285750">
@@ -4663,7 +6888,7 @@
               <a:buChar char="•"/>
             </a:pPr>
             <a:r>
-              <a:rPr lang="en-US" dirty="0"/>
+              <a:rPr lang="en-US"/>
               <a:t>Plot t-SNE</a:t>
             </a:r>
           </a:p>
@@ -4682,7 +6907,7 @@
 </p:sld>
 </file>
 
-<file path=ppt/slides/slide13.xml><?xml version="1.0" encoding="utf-8"?>
+<file path=ppt/slides/slide14.xml><?xml version="1.0" encoding="utf-8"?>
 <p:sld xmlns:a="http://schemas.openxmlformats.org/drawingml/2006/main" xmlns:r="http://schemas.openxmlformats.org/officeDocument/2006/relationships" xmlns:p="http://schemas.openxmlformats.org/presentationml/2006/main">
   <p:cSld>
     <p:spTree>
@@ -4778,7 +7003,7 @@
 </p:sld>
 </file>
 
-<file path=ppt/slides/slide14.xml><?xml version="1.0" encoding="utf-8"?>
+<file path=ppt/slides/slide15.xml><?xml version="1.0" encoding="utf-8"?>
 <p:sld xmlns:a="http://schemas.openxmlformats.org/drawingml/2006/main" xmlns:r="http://schemas.openxmlformats.org/officeDocument/2006/relationships" xmlns:p="http://schemas.openxmlformats.org/presentationml/2006/main">
   <p:cSld>
     <p:spTree>
@@ -4838,15 +7063,15 @@
               </a:spcAft>
             </a:pPr>
             <a:r>
-              <a:rPr lang="en-US" sz="2800" b="1" dirty="0"/>
+              <a:rPr lang="en-US" sz="2800" b="1"/>
               <a:t>en_ner_bc5cdr_md Visualization Using </a:t>
             </a:r>
             <a:r>
-              <a:rPr lang="en-US" sz="2800" b="1" dirty="0" err="1"/>
+              <a:rPr lang="en-US" sz="2800" b="1" err="1"/>
               <a:t>SciSpaCy</a:t>
             </a:r>
             <a:r>
-              <a:rPr lang="en-US" sz="2800" b="1" dirty="0"/>
+              <a:rPr lang="en-US" sz="2800" b="1"/>
               <a:t>-Processed Data</a:t>
             </a:r>
           </a:p>
@@ -4876,36 +7101,6 @@
           <a:xfrm>
             <a:off x="421950" y="1525598"/>
             <a:ext cx="8211696" cy="971686"/>
-          </a:xfrm>
-          <a:prstGeom prst="rect">
-            <a:avLst/>
-          </a:prstGeom>
-        </p:spPr>
-      </p:pic>
-      <p:pic>
-        <p:nvPicPr>
-          <p:cNvPr id="7" name="Picture 6">
-            <a:extLst>
-              <a:ext uri="{FF2B5EF4-FFF2-40B4-BE49-F238E27FC236}">
-                <a16:creationId xmlns:a16="http://schemas.microsoft.com/office/drawing/2014/main" id="{8A3FE777-6C3E-8CF6-3296-24474569E5FB}"/>
-              </a:ext>
-            </a:extLst>
-          </p:cNvPr>
-          <p:cNvPicPr>
-            <a:picLocks noChangeAspect="1"/>
-          </p:cNvPicPr>
-          <p:nvPr/>
-        </p:nvPicPr>
-        <p:blipFill>
-          <a:blip r:embed="rId3"/>
-          <a:stretch>
-            <a:fillRect/>
-          </a:stretch>
-        </p:blipFill>
-        <p:spPr>
-          <a:xfrm>
-            <a:off x="421950" y="2642902"/>
-            <a:ext cx="11505443" cy="4199066"/>
           </a:xfrm>
           <a:prstGeom prst="rect">
             <a:avLst/>
@@ -4994,36 +7189,66 @@
               <a:tabLst/>
             </a:pPr>
             <a:r>
-              <a:rPr lang="en-US" altLang="en-US" sz="1600" dirty="0"/>
+              <a:rPr lang="en-US" altLang="en-US" sz="1600"/>
               <a:t>en_ner_bc5cdr_md is a Named Entity Recognition (NER) model from </a:t>
             </a:r>
             <a:r>
-              <a:rPr lang="en-US" altLang="en-US" sz="1600" dirty="0" err="1"/>
+              <a:rPr lang="en-US" altLang="en-US" sz="1600" err="1"/>
               <a:t>SciSpaCy</a:t>
             </a:r>
             <a:r>
-              <a:rPr lang="en-US" altLang="en-US" sz="1600" dirty="0"/>
+              <a:rPr lang="en-US" altLang="en-US" sz="1600"/>
               <a:t> that specializes in identifying </a:t>
             </a:r>
             <a:r>
-              <a:rPr lang="en-US" altLang="en-US" sz="1600" b="1" dirty="0"/>
+              <a:rPr lang="en-US" altLang="en-US" sz="1600" b="1"/>
               <a:t>diseases</a:t>
             </a:r>
             <a:r>
-              <a:rPr lang="en-US" altLang="en-US" sz="1600" dirty="0"/>
+              <a:rPr lang="en-US" altLang="en-US" sz="1600"/>
               <a:t> and </a:t>
             </a:r>
             <a:r>
-              <a:rPr lang="en-US" altLang="en-US" sz="1600" b="1" dirty="0"/>
+              <a:rPr lang="en-US" altLang="en-US" sz="1600" b="1"/>
               <a:t>chemicals</a:t>
             </a:r>
             <a:r>
-              <a:rPr lang="en-US" altLang="en-US" sz="1600" dirty="0"/>
+              <a:rPr lang="en-US" altLang="en-US" sz="1600"/>
               <a:t> in text </a:t>
             </a:r>
           </a:p>
         </p:txBody>
       </p:sp>
+      <p:pic>
+        <p:nvPicPr>
+          <p:cNvPr id="2" name="Picture 1" descr="A screenshot of a computer&#10;&#10;AI-generated content may be incorrect.">
+            <a:extLst>
+              <a:ext uri="{FF2B5EF4-FFF2-40B4-BE49-F238E27FC236}">
+                <a16:creationId xmlns:a16="http://schemas.microsoft.com/office/drawing/2014/main" id="{E40AE257-ECFE-671D-55CB-C6326382BA72}"/>
+              </a:ext>
+            </a:extLst>
+          </p:cNvPr>
+          <p:cNvPicPr>
+            <a:picLocks noChangeAspect="1"/>
+          </p:cNvPicPr>
+          <p:nvPr/>
+        </p:nvPicPr>
+        <p:blipFill>
+          <a:blip r:embed="rId3"/>
+          <a:stretch>
+            <a:fillRect/>
+          </a:stretch>
+        </p:blipFill>
+        <p:spPr>
+          <a:xfrm>
+            <a:off x="426203" y="2667187"/>
+            <a:ext cx="11404170" cy="4197081"/>
+          </a:xfrm>
+          <a:prstGeom prst="rect">
+            <a:avLst/>
+          </a:prstGeom>
+        </p:spPr>
+      </p:pic>
     </p:spTree>
     <p:extLst>
       <p:ext uri="{BB962C8B-B14F-4D97-AF65-F5344CB8AC3E}">
@@ -5037,7 +7262,7 @@
 </p:sld>
 </file>
 
-<file path=ppt/slides/slide15.xml><?xml version="1.0" encoding="utf-8"?>
+<file path=ppt/slides/slide16.xml><?xml version="1.0" encoding="utf-8"?>
 <p:sld xmlns:a="http://schemas.openxmlformats.org/drawingml/2006/main" xmlns:r="http://schemas.openxmlformats.org/officeDocument/2006/relationships" xmlns:p="http://schemas.openxmlformats.org/presentationml/2006/main">
   <p:cSld>
     <p:spTree>
@@ -5091,19 +7316,19 @@
               </a:spcAft>
             </a:pPr>
             <a:r>
-              <a:rPr lang="en-US" sz="2800" b="1" dirty="0" err="1"/>
+              <a:rPr lang="en-US" sz="2800" b="1" err="1"/>
               <a:t>MedSpacy</a:t>
             </a:r>
             <a:r>
-              <a:rPr lang="en-US" sz="2800" b="1" dirty="0"/>
+              <a:rPr lang="en-US" sz="2800" b="1"/>
               <a:t> Visualization Using </a:t>
             </a:r>
             <a:r>
-              <a:rPr lang="en-US" sz="2800" b="1" dirty="0" err="1"/>
+              <a:rPr lang="en-US" sz="2800" b="1" err="1"/>
               <a:t>SciSpaCy</a:t>
             </a:r>
             <a:r>
-              <a:rPr lang="en-US" sz="2800" b="1" dirty="0"/>
+              <a:rPr lang="en-US" sz="2800" b="1"/>
               <a:t>-Processed Data</a:t>
             </a:r>
           </a:p>
@@ -5202,11 +7427,11 @@
               <a:buChar char="•"/>
             </a:pPr>
             <a:r>
-              <a:rPr lang="en-US" sz="1400" dirty="0" err="1"/>
+              <a:rPr lang="en-US" sz="1400" err="1"/>
               <a:t>MedSpaCy</a:t>
             </a:r>
             <a:r>
-              <a:rPr lang="en-US" sz="1400" dirty="0"/>
+              <a:rPr lang="en-US" sz="1400"/>
               <a:t> is a library designed for processing clinical and biomedical text. </a:t>
             </a:r>
           </a:p>
@@ -5216,18 +7441,18 @@
               <a:buChar char="•"/>
             </a:pPr>
             <a:r>
-              <a:rPr lang="en-US" sz="1400" dirty="0"/>
+              <a:rPr lang="en-US" sz="1400"/>
               <a:t>In this code, </a:t>
             </a:r>
             <a:r>
-              <a:rPr lang="en-US" sz="1400" dirty="0" err="1"/>
+              <a:rPr lang="en-US" sz="1400" err="1"/>
               <a:t>MedSpaCy</a:t>
             </a:r>
             <a:r>
-              <a:rPr lang="en-US" sz="1400" dirty="0"/>
+              <a:rPr lang="en-US" sz="1400"/>
               <a:t> is being enhanced by adding custom target rules to better detect specific medical entities such as diseases, treatments, symptoms, and medications in clinical notes.</a:t>
             </a:r>
-            <a:endParaRPr lang="en-US" dirty="0"/>
+            <a:endParaRPr lang="en-US"/>
           </a:p>
         </p:txBody>
       </p:sp>
@@ -5244,7 +7469,7 @@
 </p:sld>
 </file>
 
-<file path=ppt/slides/slide16.xml><?xml version="1.0" encoding="utf-8"?>
+<file path=ppt/slides/slide17.xml><?xml version="1.0" encoding="utf-8"?>
 <p:sld xmlns:a="http://schemas.openxmlformats.org/drawingml/2006/main" xmlns:r="http://schemas.openxmlformats.org/officeDocument/2006/relationships" xmlns:p="http://schemas.openxmlformats.org/presentationml/2006/main">
   <p:cSld>
     <p:bg>
@@ -5520,7 +7745,7 @@
           <a:lstStyle/>
           <a:p>
             <a:pPr algn="ctr"/>
-            <a:endParaRPr lang="en-US" dirty="0"/>
+            <a:endParaRPr lang="en-US"/>
           </a:p>
         </p:txBody>
       </p:sp>
@@ -5874,7 +8099,7 @@
               </a:spcBef>
             </a:pPr>
             <a:r>
-              <a:rPr lang="en-US" sz="1400" b="1" u="none" strike="noStrike" baseline="0" dirty="0">
+              <a:rPr lang="en-US" sz="1400" b="1" u="none" strike="noStrike" baseline="0">
                 <a:latin typeface="Arial-BoldItalicMT"/>
               </a:rPr>
               <a:t>What Disease Did I Pick?</a:t>
@@ -5890,16 +8115,10 @@
               </a:spcBef>
             </a:pPr>
             <a:r>
-              <a:rPr lang="en-US" sz="1400" u="none" strike="noStrike" baseline="0" dirty="0">
-                <a:latin typeface="Arial-BoldItalicMT"/>
-              </a:rPr>
-              <a:t>I selected disease codes related to 401.0 – Malignant Essential Hypertension. Malignant essential hypertension is a severe and life-threatening form of high blood pressure that develops rapidly and can cause damage to multiple </a:t>
-            </a:r>
-            <a:r>
               <a:rPr lang="en-US" sz="1400" u="none" strike="noStrike" baseline="0">
                 <a:latin typeface="Arial-BoldItalicMT"/>
               </a:rPr>
-              <a:t>organs.</a:t>
+              <a:t>I selected disease codes related to 401.0 – Malignant Essential Hypertension. Malignant essential hypertension is a severe and life-threatening form of high blood pressure that develops rapidly and can cause damage to multiple organs.</a:t>
             </a:r>
           </a:p>
           <a:p>
@@ -5911,7 +8130,7 @@
                 <a:spcPts val="0"/>
               </a:spcBef>
             </a:pPr>
-            <a:endParaRPr lang="en-US" sz="1400" u="none" strike="noStrike" baseline="0" dirty="0">
+            <a:endParaRPr lang="en-US" sz="1400" u="none" strike="noStrike" baseline="0">
               <a:latin typeface="Arial-BoldItalicMT"/>
             </a:endParaRPr>
           </a:p>
@@ -5925,7 +8144,7 @@
               </a:spcBef>
             </a:pPr>
             <a:r>
-              <a:rPr lang="en-US" sz="1400" b="1" u="none" strike="noStrike" baseline="0" dirty="0">
+              <a:rPr lang="en-US" sz="1400" b="1" u="none" strike="noStrike" baseline="0">
                 <a:latin typeface="Arial-BoldItalicMT"/>
               </a:rPr>
               <a:t>What About the Text Data?</a:t>
@@ -5941,19 +8160,19 @@
               </a:spcBef>
             </a:pPr>
             <a:r>
-              <a:rPr lang="en-US" sz="1400" u="none" strike="noStrike" baseline="0" dirty="0">
+              <a:rPr lang="en-US" sz="1400" u="none" strike="noStrike" baseline="0">
                 <a:latin typeface="Arial-BoldItalicMT"/>
               </a:rPr>
               <a:t>The objective of this analysis is to extract medical entities using Spacy, </a:t>
             </a:r>
             <a:r>
-              <a:rPr lang="en-US" sz="1400" u="none" strike="noStrike" baseline="0" dirty="0" err="1">
+              <a:rPr lang="en-US" sz="1400" u="none" strike="noStrike" baseline="0" err="1">
                 <a:latin typeface="Arial-BoldItalicMT"/>
               </a:rPr>
               <a:t>SciSpacy</a:t>
             </a:r>
             <a:r>
-              <a:rPr lang="en-US" sz="1400" u="none" strike="noStrike" baseline="0" dirty="0">
+              <a:rPr lang="en-US" sz="1400" u="none" strike="noStrike" baseline="0">
                 <a:latin typeface="Arial-BoldItalicMT"/>
               </a:rPr>
               <a:t>, Word2Vec, and t-SNE plots.</a:t>
@@ -5969,19 +8188,19 @@
               </a:spcBef>
             </a:pPr>
             <a:r>
-              <a:rPr lang="en-US" sz="1400" u="none" strike="noStrike" baseline="0" dirty="0">
+              <a:rPr lang="en-US" sz="1400" u="none" strike="noStrike" baseline="0">
                 <a:latin typeface="Arial-BoldItalicMT"/>
               </a:rPr>
               <a:t> Additionally, used </a:t>
             </a:r>
             <a:r>
-              <a:rPr lang="en-US" sz="1400" u="none" strike="noStrike" baseline="0" dirty="0" err="1">
+              <a:rPr lang="en-US" sz="1400" u="none" strike="noStrike" baseline="0" err="1">
                 <a:latin typeface="Arial-BoldItalicMT"/>
               </a:rPr>
               <a:t>MedSpacy</a:t>
             </a:r>
             <a:r>
-              <a:rPr lang="en-US" sz="1400" u="none" strike="noStrike" baseline="0" dirty="0">
+              <a:rPr lang="en-US" sz="1400" u="none" strike="noStrike" baseline="0">
                 <a:latin typeface="Arial-BoldItalicMT"/>
               </a:rPr>
               <a:t> to perform a similar analysis.</a:t>
@@ -5996,7 +8215,7 @@
                 <a:spcPts val="0"/>
               </a:spcBef>
             </a:pPr>
-            <a:endParaRPr lang="en-US" sz="1400" u="none" strike="noStrike" baseline="0" dirty="0">
+            <a:endParaRPr lang="en-US" sz="1400" u="none" strike="noStrike" baseline="0">
               <a:latin typeface="Arial-BoldItalicMT"/>
             </a:endParaRPr>
           </a:p>
@@ -6010,27 +8229,27 @@
               </a:spcBef>
             </a:pPr>
             <a:r>
-              <a:rPr lang="en-US" sz="1400" b="1" dirty="0">
+              <a:rPr lang="en-US" sz="1400" b="1">
                 <a:ea typeface="+mn-lt"/>
                 <a:cs typeface="+mn-lt"/>
               </a:rPr>
               <a:t>GitHub and Google </a:t>
             </a:r>
             <a:r>
-              <a:rPr lang="en-US" sz="1400" b="1" dirty="0" err="1">
+              <a:rPr lang="en-US" sz="1400" b="1" err="1">
                 <a:ea typeface="+mn-lt"/>
                 <a:cs typeface="+mn-lt"/>
               </a:rPr>
               <a:t>Colab</a:t>
             </a:r>
             <a:r>
-              <a:rPr lang="en-US" sz="1400" b="1" dirty="0">
+              <a:rPr lang="en-US" sz="1400" b="1">
                 <a:ea typeface="+mn-lt"/>
                 <a:cs typeface="+mn-lt"/>
               </a:rPr>
               <a:t> Links:</a:t>
             </a:r>
-            <a:endParaRPr lang="en-US" sz="1800" b="1" dirty="0">
+            <a:endParaRPr lang="en-US" sz="1800" b="1">
               <a:ea typeface="+mn-lt"/>
               <a:cs typeface="+mn-lt"/>
             </a:endParaRPr>
@@ -6045,13 +8264,13 @@
               </a:spcBef>
             </a:pPr>
             <a:r>
-              <a:rPr lang="en-US" sz="1400" u="none" strike="noStrike" baseline="0" dirty="0">
+              <a:rPr lang="en-US" sz="1400" u="none" strike="noStrike" baseline="0">
                 <a:latin typeface="Arial-BoldItalicMT"/>
                 <a:hlinkClick r:id="rId2"/>
               </a:rPr>
               <a:t>https://colab.research.google.com/github/AnkitaSavaliya/AIH/blob/main/MIMIC-III_NLP.ipynb</a:t>
             </a:r>
-            <a:endParaRPr lang="en-US" sz="1400" u="none" strike="noStrike" baseline="0" dirty="0">
+            <a:endParaRPr lang="en-US" sz="1400" u="none" strike="noStrike" baseline="0">
               <a:latin typeface="Arial-BoldItalicMT"/>
             </a:endParaRPr>
           </a:p>
@@ -6065,13 +8284,13 @@
               </a:spcBef>
             </a:pPr>
             <a:r>
-              <a:rPr lang="en-US" sz="1400" u="none" strike="noStrike" baseline="0" dirty="0">
+              <a:rPr lang="en-US" sz="1400" u="none" strike="noStrike" baseline="0">
                 <a:latin typeface="Arial-BoldItalicMT"/>
                 <a:hlinkClick r:id="rId3"/>
               </a:rPr>
               <a:t>https://github.com/AnkitaSavaliya/AIH/blob/main/MIMIC-III_NLP.ipynb</a:t>
             </a:r>
-            <a:endParaRPr lang="en-US" sz="1400" dirty="0">
+            <a:endParaRPr lang="en-US" sz="1400" u="none" strike="noStrike" baseline="0">
               <a:latin typeface="Arial-BoldItalicMT"/>
             </a:endParaRPr>
           </a:p>
@@ -6084,7 +8303,40 @@
                 <a:spcPts val="0"/>
               </a:spcBef>
             </a:pPr>
-            <a:endParaRPr lang="en-US" sz="1400" u="none" strike="noStrike" baseline="0" dirty="0">
+            <a:r>
+              <a:rPr lang="en-US" sz="1400">
+                <a:latin typeface="Arial-BoldItalicMT"/>
+                <a:hlinkClick r:id="rId4"/>
+              </a:rPr>
+              <a:t>https://github.com/AnkitaSavaliya/AIH/blob/main/MIMIC-III%20NLP.pptx</a:t>
+            </a:r>
+            <a:endParaRPr lang="en-US" sz="1400">
+              <a:latin typeface="Arial-BoldItalicMT"/>
+            </a:endParaRPr>
+          </a:p>
+          <a:p>
+            <a:pPr>
+              <a:lnSpc>
+                <a:spcPct val="150000"/>
+              </a:lnSpc>
+              <a:spcBef>
+                <a:spcPts val="0"/>
+              </a:spcBef>
+            </a:pPr>
+            <a:endParaRPr lang="en-US" sz="1400">
+              <a:latin typeface="Arial-BoldItalicMT"/>
+            </a:endParaRPr>
+          </a:p>
+          <a:p>
+            <a:pPr>
+              <a:lnSpc>
+                <a:spcPct val="150000"/>
+              </a:lnSpc>
+              <a:spcBef>
+                <a:spcPts val="0"/>
+              </a:spcBef>
+            </a:pPr>
+            <a:endParaRPr lang="en-US" sz="1400" u="none" strike="noStrike" baseline="0">
               <a:latin typeface="Arial-BoldItalicMT"/>
             </a:endParaRPr>
           </a:p>
@@ -6104,6 +8356,308 @@
 </file>
 
 <file path=ppt/slides/slide3.xml><?xml version="1.0" encoding="utf-8"?>
+<p:sld xmlns:a="http://schemas.openxmlformats.org/drawingml/2006/main" xmlns:r="http://schemas.openxmlformats.org/officeDocument/2006/relationships" xmlns:p="http://schemas.openxmlformats.org/presentationml/2006/main">
+  <p:cSld>
+    <p:spTree>
+      <p:nvGrpSpPr>
+        <p:cNvPr id="1" name=""/>
+        <p:cNvGrpSpPr/>
+        <p:nvPr/>
+      </p:nvGrpSpPr>
+      <p:grpSpPr>
+        <a:xfrm>
+          <a:off x="0" y="0"/>
+          <a:ext cx="0" cy="0"/>
+          <a:chOff x="0" y="0"/>
+          <a:chExt cx="0" cy="0"/>
+        </a:xfrm>
+      </p:grpSpPr>
+      <p:sp>
+        <p:nvSpPr>
+          <p:cNvPr id="4" name="TextBox 3">
+            <a:extLst>
+              <a:ext uri="{FF2B5EF4-FFF2-40B4-BE49-F238E27FC236}">
+                <a16:creationId xmlns:a16="http://schemas.microsoft.com/office/drawing/2014/main" id="{CA852AC2-1C27-C2BF-38FD-D4A642129E99}"/>
+              </a:ext>
+            </a:extLst>
+          </p:cNvPr>
+          <p:cNvSpPr txBox="1"/>
+          <p:nvPr/>
+        </p:nvSpPr>
+        <p:spPr>
+          <a:xfrm>
+            <a:off x="538619" y="1039660"/>
+            <a:ext cx="11532295" cy="3930371"/>
+          </a:xfrm>
+          <a:prstGeom prst="rect">
+            <a:avLst/>
+          </a:prstGeom>
+          <a:noFill/>
+        </p:spPr>
+        <p:txBody>
+          <a:bodyPr rot="0" spcFirstLastPara="0" vertOverflow="overflow" horzOverflow="overflow" vert="horz" wrap="square" lIns="91440" tIns="45720" rIns="91440" bIns="45720" numCol="1" spcCol="0" rtlCol="0" fromWordArt="0" anchor="t" anchorCtr="0" forceAA="0" compatLnSpc="1">
+            <a:prstTxWarp prst="textNoShape">
+              <a:avLst/>
+            </a:prstTxWarp>
+            <a:spAutoFit/>
+          </a:bodyPr>
+          <a:lstStyle/>
+          <a:p>
+            <a:pPr>
+              <a:lnSpc>
+                <a:spcPct val="150000"/>
+              </a:lnSpc>
+            </a:pPr>
+            <a:r>
+              <a:rPr lang="en-US" sz="1400" b="1">
+                <a:latin typeface="Arial-BoldItalicMT"/>
+                <a:cs typeface="Segoe UI"/>
+              </a:rPr>
+              <a:t>What Disease Did I Pick?</a:t>
+            </a:r>
+            <a:r>
+              <a:rPr lang="en-US" sz="1400">
+                <a:latin typeface="Arial-BoldItalicMT"/>
+                <a:cs typeface="Segoe UI"/>
+              </a:rPr>
+              <a:t>​</a:t>
+            </a:r>
+            <a:endParaRPr lang="en-US"/>
+          </a:p>
+          <a:p>
+            <a:pPr>
+              <a:lnSpc>
+                <a:spcPct val="150000"/>
+              </a:lnSpc>
+            </a:pPr>
+            <a:r>
+              <a:rPr lang="en-US" sz="1400">
+                <a:latin typeface="Arial-BoldItalicMT"/>
+                <a:cs typeface="Segoe UI"/>
+              </a:rPr>
+              <a:t>I selected disease codes related to 401.0 – Malignant Essential Hypertension. Malignant essential hypertension is a severe and life-threatening form of high blood pressure that develops rapidly and can cause damage to multiple organs.​</a:t>
+            </a:r>
+          </a:p>
+          <a:p>
+            <a:pPr>
+              <a:lnSpc>
+                <a:spcPct val="150000"/>
+              </a:lnSpc>
+            </a:pPr>
+            <a:r>
+              <a:rPr lang="en-US" sz="1400">
+                <a:latin typeface="Arial-BoldItalicMT"/>
+                <a:cs typeface="Segoe UI"/>
+              </a:rPr>
+              <a:t>​</a:t>
+            </a:r>
+          </a:p>
+          <a:p>
+            <a:pPr>
+              <a:lnSpc>
+                <a:spcPct val="150000"/>
+              </a:lnSpc>
+            </a:pPr>
+            <a:r>
+              <a:rPr lang="en-US" sz="1400" b="1">
+                <a:latin typeface="Arial-BoldItalicMT"/>
+                <a:cs typeface="Segoe UI"/>
+              </a:rPr>
+              <a:t>What About the Text Data?</a:t>
+            </a:r>
+            <a:r>
+              <a:rPr lang="en-US" sz="1400">
+                <a:latin typeface="Arial-BoldItalicMT"/>
+                <a:cs typeface="Segoe UI"/>
+              </a:rPr>
+              <a:t>​</a:t>
+            </a:r>
+          </a:p>
+          <a:p>
+            <a:pPr>
+              <a:lnSpc>
+                <a:spcPct val="150000"/>
+              </a:lnSpc>
+            </a:pPr>
+            <a:r>
+              <a:rPr lang="en-US" sz="1400">
+                <a:latin typeface="Arial-BoldItalicMT"/>
+                <a:cs typeface="Segoe UI"/>
+              </a:rPr>
+              <a:t>The objective of this analysis is to extract medical entities using Spacy, </a:t>
+            </a:r>
+            <a:r>
+              <a:rPr lang="en-US" sz="1400" err="1">
+                <a:latin typeface="Arial-BoldItalicMT"/>
+                <a:cs typeface="Segoe UI"/>
+              </a:rPr>
+              <a:t>SciSpacy</a:t>
+            </a:r>
+            <a:r>
+              <a:rPr lang="en-US" sz="1400">
+                <a:latin typeface="Arial-BoldItalicMT"/>
+                <a:cs typeface="Segoe UI"/>
+              </a:rPr>
+              <a:t>, Word2Vec, and t-SNE plots.​</a:t>
+            </a:r>
+          </a:p>
+          <a:p>
+            <a:pPr>
+              <a:lnSpc>
+                <a:spcPct val="150000"/>
+              </a:lnSpc>
+            </a:pPr>
+            <a:r>
+              <a:rPr lang="en-US" sz="1400">
+                <a:latin typeface="Arial-BoldItalicMT"/>
+                <a:cs typeface="Segoe UI"/>
+              </a:rPr>
+              <a:t>Additionally, used </a:t>
+            </a:r>
+            <a:r>
+              <a:rPr lang="en-US" sz="1400" err="1">
+                <a:latin typeface="Arial-BoldItalicMT"/>
+                <a:cs typeface="Segoe UI"/>
+              </a:rPr>
+              <a:t>MedSpacy</a:t>
+            </a:r>
+            <a:r>
+              <a:rPr lang="en-US" sz="1400">
+                <a:latin typeface="Arial-BoldItalicMT"/>
+                <a:cs typeface="Segoe UI"/>
+              </a:rPr>
+              <a:t> to perform a similar analysis.​</a:t>
+            </a:r>
+          </a:p>
+          <a:p>
+            <a:pPr>
+              <a:lnSpc>
+                <a:spcPct val="150000"/>
+              </a:lnSpc>
+            </a:pPr>
+            <a:r>
+              <a:rPr lang="en-US" sz="1400">
+                <a:latin typeface="Arial-BoldItalicMT"/>
+                <a:cs typeface="Segoe UI"/>
+              </a:rPr>
+              <a:t>​</a:t>
+            </a:r>
+          </a:p>
+          <a:p>
+            <a:pPr>
+              <a:lnSpc>
+                <a:spcPct val="150000"/>
+              </a:lnSpc>
+            </a:pPr>
+            <a:r>
+              <a:rPr lang="en-US" sz="1400" b="1">
+                <a:cs typeface="Segoe UI"/>
+              </a:rPr>
+              <a:t>GitHub and Google </a:t>
+            </a:r>
+            <a:r>
+              <a:rPr lang="en-US" sz="1400" b="1" err="1">
+                <a:cs typeface="Segoe UI"/>
+              </a:rPr>
+              <a:t>Colab</a:t>
+            </a:r>
+            <a:r>
+              <a:rPr lang="en-US" sz="1400" b="1">
+                <a:cs typeface="Segoe UI"/>
+              </a:rPr>
+              <a:t> Links:</a:t>
+            </a:r>
+            <a:r>
+              <a:rPr lang="en-US" sz="1400">
+                <a:cs typeface="Segoe UI"/>
+              </a:rPr>
+              <a:t>​</a:t>
+            </a:r>
+          </a:p>
+          <a:p>
+            <a:pPr>
+              <a:lnSpc>
+                <a:spcPct val="150000"/>
+              </a:lnSpc>
+            </a:pPr>
+            <a:r>
+              <a:rPr lang="en-US" sz="1400" u="sng">
+                <a:solidFill>
+                  <a:srgbClr val="2998E3"/>
+                </a:solidFill>
+                <a:latin typeface="Arial-BoldItalicMT"/>
+                <a:cs typeface="Segoe UI"/>
+                <a:hlinkClick r:id="rId2"/>
+              </a:rPr>
+              <a:t>https://colab.research.google.com/github/AnkitaSavaliya/AIH/blob/main/MIMIC-III_NLP.ipynb</a:t>
+            </a:r>
+            <a:r>
+              <a:rPr lang="en-US" sz="1400">
+                <a:latin typeface="Arial-BoldItalicMT"/>
+                <a:cs typeface="Segoe UI"/>
+              </a:rPr>
+              <a:t>​</a:t>
+            </a:r>
+          </a:p>
+          <a:p>
+            <a:pPr>
+              <a:lnSpc>
+                <a:spcPct val="150000"/>
+              </a:lnSpc>
+            </a:pPr>
+            <a:r>
+              <a:rPr lang="en-US" sz="1400" u="sng">
+                <a:solidFill>
+                  <a:srgbClr val="2998E3"/>
+                </a:solidFill>
+                <a:latin typeface="Arial-BoldItalicMT"/>
+                <a:cs typeface="Segoe UI"/>
+                <a:hlinkClick r:id="rId3"/>
+              </a:rPr>
+              <a:t>https://github.com/AnkitaSavaliya/AIH/blob/main/MIMIC-III_NLP.ipynb</a:t>
+            </a:r>
+            <a:r>
+              <a:rPr lang="en-US" sz="1400">
+                <a:latin typeface="Arial-BoldItalicMT"/>
+                <a:cs typeface="Segoe UI"/>
+              </a:rPr>
+              <a:t>​</a:t>
+            </a:r>
+          </a:p>
+          <a:p>
+            <a:pPr>
+              <a:lnSpc>
+                <a:spcPct val="150000"/>
+              </a:lnSpc>
+            </a:pPr>
+            <a:r>
+              <a:rPr lang="en-US" sz="1400" u="sng">
+                <a:solidFill>
+                  <a:srgbClr val="2998E3"/>
+                </a:solidFill>
+                <a:latin typeface="Arial-BoldItalicMT"/>
+                <a:cs typeface="Segoe UI"/>
+                <a:hlinkClick r:id="rId4"/>
+              </a:rPr>
+              <a:t>https://github.com/AnkitaSavaliya/AIH/blob/main/MIMIC-III%20NLP.pptx</a:t>
+            </a:r>
+          </a:p>
+        </p:txBody>
+      </p:sp>
+    </p:spTree>
+    <p:extLst>
+      <p:ext uri="{BB962C8B-B14F-4D97-AF65-F5344CB8AC3E}">
+        <p14:creationId xmlns:p14="http://schemas.microsoft.com/office/powerpoint/2010/main" val="842932708"/>
+      </p:ext>
+    </p:extLst>
+  </p:cSld>
+  <p:clrMapOvr>
+    <a:masterClrMapping/>
+  </p:clrMapOvr>
+</p:sld>
+</file>
+
+<file path=ppt/slides/slide4.xml><?xml version="1.0" encoding="utf-8"?>
 <p:sld xmlns:a="http://schemas.openxmlformats.org/drawingml/2006/main" xmlns:r="http://schemas.openxmlformats.org/officeDocument/2006/relationships" xmlns:p="http://schemas.openxmlformats.org/presentationml/2006/main">
   <p:cSld>
     <p:bg>
@@ -6184,7 +8738,7 @@
           <a:lstStyle/>
           <a:p>
             <a:pPr algn="ctr"/>
-            <a:endParaRPr lang="en-US" dirty="0"/>
+            <a:endParaRPr lang="en-US"/>
           </a:p>
         </p:txBody>
       </p:sp>
@@ -6224,7 +8778,7 @@
               </a:spcAft>
             </a:pPr>
             <a:r>
-              <a:rPr lang="en-US" sz="4400" b="1" dirty="0">
+              <a:rPr lang="en-US" sz="4400" b="1">
                 <a:latin typeface="+mj-lt"/>
                 <a:ea typeface="+mj-ea"/>
                 <a:cs typeface="+mj-cs"/>
@@ -6533,23 +9087,23 @@
               <a:buChar char="•"/>
             </a:pPr>
             <a:r>
-              <a:rPr lang="en-US" sz="1400" dirty="0"/>
+              <a:rPr lang="en-US" sz="1400"/>
               <a:t>Fetched rows from </a:t>
             </a:r>
             <a:r>
-              <a:rPr lang="en-US" sz="1400" dirty="0" err="1"/>
+              <a:rPr lang="en-US" sz="1400" err="1"/>
               <a:t>noteevents</a:t>
             </a:r>
             <a:r>
-              <a:rPr lang="en-US" sz="1400" dirty="0"/>
+              <a:rPr lang="en-US" sz="1400"/>
               <a:t> only for ICD-9 CODE 4010 using the </a:t>
             </a:r>
             <a:r>
-              <a:rPr lang="en-US" sz="1400" dirty="0" err="1"/>
+              <a:rPr lang="en-US" sz="1400" err="1"/>
               <a:t>BigQuery</a:t>
             </a:r>
             <a:r>
-              <a:rPr lang="en-US" sz="1400" dirty="0"/>
+              <a:rPr lang="en-US" sz="1400"/>
               <a:t> client.</a:t>
             </a:r>
           </a:p>
@@ -6559,7 +9113,7 @@
               <a:buChar char="•"/>
             </a:pPr>
             <a:r>
-              <a:rPr lang="en-US" sz="1400" dirty="0"/>
+              <a:rPr lang="en-US" sz="1400"/>
               <a:t>The query returned 162 rows.</a:t>
             </a:r>
           </a:p>
@@ -6569,15 +9123,15 @@
               <a:buChar char="•"/>
             </a:pPr>
             <a:r>
-              <a:rPr lang="en-US" sz="1400" dirty="0"/>
+              <a:rPr lang="en-US" sz="1400"/>
               <a:t>Prepared a </a:t>
             </a:r>
             <a:r>
-              <a:rPr lang="en-US" sz="1400" dirty="0" err="1"/>
+              <a:rPr lang="en-US" sz="1400" err="1"/>
               <a:t>DataFrame</a:t>
             </a:r>
             <a:r>
-              <a:rPr lang="en-US" sz="1400" dirty="0"/>
+              <a:rPr lang="en-US" sz="1400"/>
               <a:t> with the required columns.</a:t>
             </a:r>
           </a:p>
@@ -6587,7 +9141,7 @@
               <a:buChar char="•"/>
             </a:pPr>
             <a:r>
-              <a:rPr lang="en-US" sz="1400" dirty="0"/>
+              <a:rPr lang="en-US" sz="1400"/>
               <a:t>Saved the query result to a CSV/XLSX file to reduce queries to the database.</a:t>
             </a:r>
           </a:p>
@@ -6606,7 +9160,7 @@
 </p:sld>
 </file>
 
-<file path=ppt/slides/slide4.xml><?xml version="1.0" encoding="utf-8"?>
+<file path=ppt/slides/slide5.xml><?xml version="1.0" encoding="utf-8"?>
 <p:sld xmlns:a="http://schemas.openxmlformats.org/drawingml/2006/main" xmlns:r="http://schemas.openxmlformats.org/officeDocument/2006/relationships" xmlns:p="http://schemas.openxmlformats.org/presentationml/2006/main">
   <p:cSld>
     <p:spTree>
@@ -6665,26 +9219,26 @@
               </a:spcAft>
             </a:pPr>
             <a:r>
-              <a:rPr lang="en-US" sz="4400" dirty="0"/>
+              <a:rPr lang="en-US" sz="4400"/>
               <a:t>Common Function to Extract Tokens Using a Given NLP Model (</a:t>
             </a:r>
             <a:r>
-              <a:rPr lang="en-US" sz="4400" dirty="0" err="1"/>
+              <a:rPr lang="en-US" sz="4400" err="1"/>
               <a:t>SpaCy</a:t>
             </a:r>
             <a:r>
-              <a:rPr lang="en-US" sz="4400" dirty="0"/>
+              <a:rPr lang="en-US" sz="4400"/>
               <a:t>/</a:t>
             </a:r>
             <a:r>
-              <a:rPr lang="en-US" sz="4400" dirty="0" err="1"/>
+              <a:rPr lang="en-US" sz="4400" err="1"/>
               <a:t>SciSpaCy</a:t>
             </a:r>
             <a:r>
-              <a:rPr lang="en-US" sz="4400" dirty="0"/>
+              <a:rPr lang="en-US" sz="4400"/>
               <a:t>)</a:t>
             </a:r>
-            <a:endParaRPr lang="en-US" sz="4400" b="1" dirty="0">
+            <a:endParaRPr lang="en-US" sz="4400" b="1">
               <a:latin typeface="+mj-lt"/>
               <a:ea typeface="+mj-ea"/>
               <a:cs typeface="+mj-cs"/>
@@ -6714,7 +9268,7 @@
         </p:blipFill>
         <p:spPr>
           <a:xfrm>
-            <a:off x="521208" y="1606386"/>
+            <a:off x="637445" y="1412657"/>
             <a:ext cx="6620799" cy="1362265"/>
           </a:xfrm>
           <a:prstGeom prst="rect">
@@ -6761,7 +9315,7 @@
         </p:blipFill>
         <p:spPr>
           <a:xfrm>
-            <a:off x="521208" y="4498195"/>
+            <a:off x="637445" y="4059077"/>
             <a:ext cx="7491642" cy="1624601"/>
           </a:xfrm>
           <a:prstGeom prst="rect">
@@ -6800,7 +9354,7 @@
         </p:nvSpPr>
         <p:spPr>
           <a:xfrm>
-            <a:off x="412351" y="3518598"/>
+            <a:off x="515673" y="3428191"/>
             <a:ext cx="11149875" cy="512466"/>
           </a:xfrm>
           <a:prstGeom prst="rect">
@@ -6822,7 +9376,7 @@
               </a:spcAft>
             </a:pPr>
             <a:r>
-              <a:rPr lang="en-US" sz="2400" dirty="0">
+              <a:rPr lang="en-US" sz="2400">
                 <a:latin typeface="+mj-lt"/>
                 <a:ea typeface="+mj-ea"/>
                 <a:cs typeface="+mj-cs"/>
@@ -6830,18 +9384,21 @@
               <a:t>Process TEXT using </a:t>
             </a:r>
             <a:r>
-              <a:rPr lang="en-US" sz="2400" dirty="0" err="1">
+              <a:rPr lang="en-US" sz="2400" err="1">
                 <a:latin typeface="+mj-lt"/>
                 <a:ea typeface="+mj-ea"/>
                 <a:cs typeface="+mj-cs"/>
               </a:rPr>
               <a:t>SpaCy</a:t>
             </a:r>
-            <a:endParaRPr lang="en-US" sz="2400" dirty="0">
-              <a:latin typeface="+mj-lt"/>
-              <a:ea typeface="+mj-ea"/>
-              <a:cs typeface="+mj-cs"/>
-            </a:endParaRPr>
+            <a:r>
+              <a:rPr lang="en-US" sz="2400">
+                <a:latin typeface="+mj-lt"/>
+                <a:ea typeface="+mj-ea"/>
+                <a:cs typeface="+mj-cs"/>
+              </a:rPr>
+              <a:t> (Remove punctuation and spaces)</a:t>
+            </a:r>
           </a:p>
         </p:txBody>
       </p:sp>
@@ -6858,7 +9415,7 @@
 </p:sld>
 </file>
 
-<file path=ppt/slides/slide5.xml><?xml version="1.0" encoding="utf-8"?>
+<file path=ppt/slides/slide6.xml><?xml version="1.0" encoding="utf-8"?>
 <p:sld xmlns:a="http://schemas.openxmlformats.org/drawingml/2006/main" xmlns:r="http://schemas.openxmlformats.org/officeDocument/2006/relationships" xmlns:p="http://schemas.openxmlformats.org/presentationml/2006/main">
   <p:cSld>
     <p:spTree>
@@ -6917,7 +9474,7 @@
               </a:spcAft>
             </a:pPr>
             <a:r>
-              <a:rPr lang="en-US" sz="4400" b="1" dirty="0">
+              <a:rPr lang="en-US" sz="4400" b="1">
                 <a:latin typeface="+mj-lt"/>
                 <a:ea typeface="+mj-ea"/>
                 <a:cs typeface="+mj-cs"/>
@@ -7074,7 +9631,7 @@
 </p:sld>
 </file>
 
-<file path=ppt/slides/slide6.xml><?xml version="1.0" encoding="utf-8"?>
+<file path=ppt/slides/slide7.xml><?xml version="1.0" encoding="utf-8"?>
 <p:sld xmlns:a="http://schemas.openxmlformats.org/drawingml/2006/main" xmlns:r="http://schemas.openxmlformats.org/officeDocument/2006/relationships" xmlns:p="http://schemas.openxmlformats.org/presentationml/2006/main">
   <p:cSld>
     <p:spTree>
@@ -7111,8 +9668,8 @@
         </p:nvSpPr>
         <p:spPr>
           <a:xfrm>
-            <a:off x="521208" y="657370"/>
-            <a:ext cx="11149875" cy="769496"/>
+            <a:off x="521208" y="799438"/>
+            <a:ext cx="11149875" cy="524107"/>
           </a:xfrm>
           <a:prstGeom prst="rect">
             <a:avLst/>
@@ -7133,22 +9690,22 @@
               </a:spcAft>
             </a:pPr>
             <a:r>
-              <a:rPr lang="en-US" sz="4400" b="1" dirty="0"/>
+              <a:rPr lang="en-US" sz="2800" b="1"/>
               <a:t>Visualize </a:t>
             </a:r>
             <a:r>
-              <a:rPr lang="en-US" sz="4400" b="1" dirty="0" err="1"/>
+              <a:rPr lang="en-US" sz="2800" b="1" err="1"/>
               <a:t>SpaCy</a:t>
             </a:r>
             <a:r>
-              <a:rPr lang="en-US" sz="4400" b="1" dirty="0"/>
+              <a:rPr lang="en-US" sz="2800" b="1"/>
               <a:t> Entities Using </a:t>
             </a:r>
             <a:r>
-              <a:rPr lang="en-US" sz="4400" b="1" dirty="0" err="1"/>
+              <a:rPr lang="en-US" sz="2800" b="1" err="1"/>
               <a:t>displaCy</a:t>
             </a:r>
-            <a:endParaRPr lang="en-US" sz="4400" b="1" dirty="0">
+            <a:endParaRPr lang="en-US" sz="2800" b="1">
               <a:latin typeface="+mj-lt"/>
               <a:ea typeface="+mj-ea"/>
               <a:cs typeface="+mj-cs"/>
@@ -7158,10 +9715,10 @@
       </p:sp>
       <p:pic>
         <p:nvPicPr>
-          <p:cNvPr id="3" name="Picture 2">
-            <a:extLst>
-              <a:ext uri="{FF2B5EF4-FFF2-40B4-BE49-F238E27FC236}">
-                <a16:creationId xmlns:a16="http://schemas.microsoft.com/office/drawing/2014/main" id="{79FFF2BA-CEAD-09A1-4894-D39A965CA124}"/>
+          <p:cNvPr id="9" name="Picture 8">
+            <a:extLst>
+              <a:ext uri="{FF2B5EF4-FFF2-40B4-BE49-F238E27FC236}">
+                <a16:creationId xmlns:a16="http://schemas.microsoft.com/office/drawing/2014/main" id="{C5E7FB67-C2A9-88BF-53B3-69064D056F02}"/>
               </a:ext>
             </a:extLst>
           </p:cNvPr>
@@ -7178,8 +9735,8 @@
         </p:blipFill>
         <p:spPr>
           <a:xfrm>
-            <a:off x="683287" y="2198144"/>
-            <a:ext cx="9217458" cy="4577508"/>
+            <a:off x="683287" y="1309904"/>
+            <a:ext cx="7287642" cy="514422"/>
           </a:xfrm>
           <a:prstGeom prst="rect">
             <a:avLst/>
@@ -7188,10 +9745,10 @@
       </p:pic>
       <p:pic>
         <p:nvPicPr>
-          <p:cNvPr id="9" name="Picture 8">
-            <a:extLst>
-              <a:ext uri="{FF2B5EF4-FFF2-40B4-BE49-F238E27FC236}">
-                <a16:creationId xmlns:a16="http://schemas.microsoft.com/office/drawing/2014/main" id="{C5E7FB67-C2A9-88BF-53B3-69064D056F02}"/>
+          <p:cNvPr id="2" name="Picture 1" descr="A screenshot of a chat&#10;&#10;AI-generated content may be incorrect.">
+            <a:extLst>
+              <a:ext uri="{FF2B5EF4-FFF2-40B4-BE49-F238E27FC236}">
+                <a16:creationId xmlns:a16="http://schemas.microsoft.com/office/drawing/2014/main" id="{3D34B379-B152-8E90-7E19-110ED54A8879}"/>
               </a:ext>
             </a:extLst>
           </p:cNvPr>
@@ -7208,8 +9765,8 @@
         </p:blipFill>
         <p:spPr>
           <a:xfrm>
-            <a:off x="683287" y="1555294"/>
-            <a:ext cx="7287642" cy="514422"/>
+            <a:off x="684508" y="2002931"/>
+            <a:ext cx="9441051" cy="4724850"/>
           </a:xfrm>
           <a:prstGeom prst="rect">
             <a:avLst/>
@@ -7229,7 +9786,7 @@
 </p:sld>
 </file>
 
-<file path=ppt/slides/slide7.xml><?xml version="1.0" encoding="utf-8"?>
+<file path=ppt/slides/slide8.xml><?xml version="1.0" encoding="utf-8"?>
 <p:sld xmlns:a="http://schemas.openxmlformats.org/drawingml/2006/main" xmlns:r="http://schemas.openxmlformats.org/officeDocument/2006/relationships" xmlns:p="http://schemas.openxmlformats.org/presentationml/2006/main">
   <p:cSld>
     <p:spTree>
@@ -7274,8 +9831,8 @@
           </a:prstGeom>
         </p:spPr>
         <p:txBody>
-          <a:bodyPr vert="horz" lIns="91440" tIns="45720" rIns="91440" bIns="45720" rtlCol="0" anchor="t">
-            <a:normAutofit fontScale="62500" lnSpcReduction="20000"/>
+          <a:bodyPr vert="horz" lIns="91440" tIns="45720" rIns="91440" bIns="45720" rtlCol="0" anchor="ctr">
+            <a:noAutofit/>
           </a:bodyPr>
           <a:lstStyle/>
           <a:p>
@@ -7288,15 +9845,15 @@
               </a:spcAft>
             </a:pPr>
             <a:r>
-              <a:rPr lang="en-US" sz="4400" b="1" dirty="0"/>
+              <a:rPr lang="en-US" sz="2800" b="1"/>
               <a:t>Word2Vec and t-SNE Visualization Using </a:t>
             </a:r>
             <a:r>
-              <a:rPr lang="en-US" sz="4400" b="1" dirty="0" err="1"/>
+              <a:rPr lang="en-US" sz="2800" b="1" err="1"/>
               <a:t>SpaCy</a:t>
             </a:r>
             <a:r>
-              <a:rPr lang="en-US" sz="4400" b="1" dirty="0"/>
+              <a:rPr lang="en-US" sz="2800" b="1"/>
               <a:t>-Processed Data</a:t>
             </a:r>
           </a:p>
@@ -7331,20 +9888,6 @@
             <a:avLst/>
           </a:prstGeom>
         </p:spPr>
-        <p:style>
-          <a:lnRef idx="2">
-            <a:schemeClr val="dk1"/>
-          </a:lnRef>
-          <a:fillRef idx="1">
-            <a:schemeClr val="lt1"/>
-          </a:fillRef>
-          <a:effectRef idx="0">
-            <a:schemeClr val="dk1"/>
-          </a:effectRef>
-          <a:fontRef idx="minor">
-            <a:schemeClr val="dk1"/>
-          </a:fontRef>
-        </p:style>
       </p:pic>
       <p:pic>
         <p:nvPicPr>
@@ -7452,22 +9995,22 @@
               <a:buChar char="•"/>
             </a:pPr>
             <a:r>
-              <a:rPr lang="en-US" dirty="0"/>
+              <a:rPr lang="en-US"/>
               <a:t>Created common function to build corpus using given model </a:t>
             </a:r>
             <a:r>
-              <a:rPr lang="en-US" dirty="0" err="1"/>
+              <a:rPr lang="en-US" err="1"/>
               <a:t>SpaCy</a:t>
             </a:r>
             <a:r>
-              <a:rPr lang="en-US" dirty="0"/>
+              <a:rPr lang="en-US"/>
               <a:t>/</a:t>
             </a:r>
             <a:r>
-              <a:rPr lang="en-US" dirty="0" err="1"/>
+              <a:rPr lang="en-US" err="1"/>
               <a:t>SciSpaCy</a:t>
             </a:r>
-            <a:endParaRPr lang="en-US" dirty="0"/>
+            <a:endParaRPr lang="en-US"/>
           </a:p>
         </p:txBody>
       </p:sp>
@@ -7484,7 +10027,7 @@
 </p:sld>
 </file>
 
-<file path=ppt/slides/slide8.xml><?xml version="1.0" encoding="utf-8"?>
+<file path=ppt/slides/slide9.xml><?xml version="1.0" encoding="utf-8"?>
 <p:sld xmlns:a="http://schemas.openxmlformats.org/drawingml/2006/main" xmlns:r="http://schemas.openxmlformats.org/officeDocument/2006/relationships" xmlns:p="http://schemas.openxmlformats.org/presentationml/2006/main">
   <p:cSld>
     <p:spTree>
@@ -7652,7 +10195,7 @@
               <a:buChar char="•"/>
             </a:pPr>
             <a:r>
-              <a:rPr lang="en-US" sz="1400" dirty="0">
+              <a:rPr lang="en-US" sz="1400">
                 <a:solidFill>
                   <a:schemeClr val="dk1"/>
                 </a:solidFill>
@@ -7666,7 +10209,7 @@
               <a:buChar char="•"/>
             </a:pPr>
             <a:r>
-              <a:rPr lang="en-US" sz="1400" dirty="0">
+              <a:rPr lang="en-US" sz="1400">
                 <a:solidFill>
                   <a:schemeClr val="dk1"/>
                 </a:solidFill>
@@ -7680,96 +10223,6 @@
     <p:extLst>
       <p:ext uri="{BB962C8B-B14F-4D97-AF65-F5344CB8AC3E}">
         <p14:creationId xmlns:p14="http://schemas.microsoft.com/office/powerpoint/2010/main" val="1676429401"/>
-      </p:ext>
-    </p:extLst>
-  </p:cSld>
-  <p:clrMapOvr>
-    <a:masterClrMapping/>
-  </p:clrMapOvr>
-</p:sld>
-</file>
-
-<file path=ppt/slides/slide9.xml><?xml version="1.0" encoding="utf-8"?>
-<p:sld xmlns:a="http://schemas.openxmlformats.org/drawingml/2006/main" xmlns:r="http://schemas.openxmlformats.org/officeDocument/2006/relationships" xmlns:p="http://schemas.openxmlformats.org/presentationml/2006/main">
-  <p:cSld>
-    <p:spTree>
-      <p:nvGrpSpPr>
-        <p:cNvPr id="1" name=""/>
-        <p:cNvGrpSpPr/>
-        <p:nvPr/>
-      </p:nvGrpSpPr>
-      <p:grpSpPr>
-        <a:xfrm>
-          <a:off x="0" y="0"/>
-          <a:ext cx="0" cy="0"/>
-          <a:chOff x="0" y="0"/>
-          <a:chExt cx="0" cy="0"/>
-        </a:xfrm>
-      </p:grpSpPr>
-      <p:pic>
-        <p:nvPicPr>
-          <p:cNvPr id="5" name="Picture 4">
-            <a:extLst>
-              <a:ext uri="{FF2B5EF4-FFF2-40B4-BE49-F238E27FC236}">
-                <a16:creationId xmlns:a16="http://schemas.microsoft.com/office/drawing/2014/main" id="{7071866E-5D82-A5D5-89C3-0030C610F583}"/>
-              </a:ext>
-            </a:extLst>
-          </p:cNvPr>
-          <p:cNvPicPr>
-            <a:picLocks noChangeAspect="1"/>
-          </p:cNvPicPr>
-          <p:nvPr/>
-        </p:nvPicPr>
-        <p:blipFill>
-          <a:blip r:embed="rId2"/>
-          <a:stretch>
-            <a:fillRect/>
-          </a:stretch>
-        </p:blipFill>
-        <p:spPr>
-          <a:xfrm>
-            <a:off x="400776" y="1085835"/>
-            <a:ext cx="5840391" cy="4637314"/>
-          </a:xfrm>
-          <a:prstGeom prst="rect">
-            <a:avLst/>
-          </a:prstGeom>
-        </p:spPr>
-      </p:pic>
-      <p:pic>
-        <p:nvPicPr>
-          <p:cNvPr id="9" name="Picture 8">
-            <a:extLst>
-              <a:ext uri="{FF2B5EF4-FFF2-40B4-BE49-F238E27FC236}">
-                <a16:creationId xmlns:a16="http://schemas.microsoft.com/office/drawing/2014/main" id="{E7FEAFA3-526A-63D1-CC0B-5203B6547F48}"/>
-              </a:ext>
-            </a:extLst>
-          </p:cNvPr>
-          <p:cNvPicPr>
-            <a:picLocks noChangeAspect="1"/>
-          </p:cNvPicPr>
-          <p:nvPr/>
-        </p:nvPicPr>
-        <p:blipFill>
-          <a:blip r:embed="rId3"/>
-          <a:stretch>
-            <a:fillRect/>
-          </a:stretch>
-        </p:blipFill>
-        <p:spPr>
-          <a:xfrm>
-            <a:off x="6552089" y="1085835"/>
-            <a:ext cx="5239135" cy="4489922"/>
-          </a:xfrm>
-          <a:prstGeom prst="rect">
-            <a:avLst/>
-          </a:prstGeom>
-        </p:spPr>
-      </p:pic>
-    </p:spTree>
-    <p:extLst>
-      <p:ext uri="{BB962C8B-B14F-4D97-AF65-F5344CB8AC3E}">
-        <p14:creationId xmlns:p14="http://schemas.microsoft.com/office/powerpoint/2010/main" val="595407707"/>
       </p:ext>
     </p:extLst>
   </p:cSld>
@@ -8157,6 +10610,12 @@
 </file>
 
 <file path=customXml/item2.xml><?xml version="1.0" encoding="utf-8"?>
+<p:properties xmlns:p="http://schemas.microsoft.com/office/2006/metadata/properties" xmlns:xsi="http://www.w3.org/2001/XMLSchema-instance" xmlns:pc="http://schemas.microsoft.com/office/infopath/2007/PartnerControls">
+  <documentManagement/>
+</p:properties>
+</file>
+
+<file path=customXml/item3.xml><?xml version="1.0" encoding="utf-8"?>
 <?mso-contentType ?>
 <FormTemplates xmlns="http://schemas.microsoft.com/sharepoint/v3/contenttype/forms">
   <Display>DocumentLibraryForm</Display>
@@ -8165,50 +10624,44 @@
 </FormTemplates>
 </file>
 
-<file path=customXml/item3.xml><?xml version="1.0" encoding="utf-8"?>
-<p:properties xmlns:p="http://schemas.microsoft.com/office/2006/metadata/properties" xmlns:xsi="http://www.w3.org/2001/XMLSchema-instance" xmlns:pc="http://schemas.microsoft.com/office/infopath/2007/PartnerControls">
-  <documentManagement/>
-</p:properties>
-</file>
-
 <file path=customXml/itemProps1.xml><?xml version="1.0" encoding="utf-8"?>
 <ds:datastoreItem xmlns:ds="http://schemas.openxmlformats.org/officeDocument/2006/customXml" ds:itemID="{FF1937FC-694C-41BF-AF97-5D12EFBC0838}">
   <ds:schemaRefs>
-    <ds:schemaRef ds:uri="http://schemas.microsoft.com/office/2006/metadata/contentType"/>
-    <ds:schemaRef ds:uri="http://schemas.microsoft.com/office/2006/metadata/properties/metaAttributes"/>
-    <ds:schemaRef ds:uri="http://www.w3.org/2001/XMLSchema"/>
-    <ds:schemaRef ds:uri="http://schemas.microsoft.com/office/2006/metadata/properties"/>
     <ds:schemaRef ds:uri="430f76a6-8bad-4da0-9463-45cb17384a94"/>
-    <ds:schemaRef ds:uri="http://schemas.microsoft.com/office/2006/documentManagement/types"/>
-    <ds:schemaRef ds:uri="http://schemas.microsoft.com/office/infopath/2007/PartnerControls"/>
-    <ds:schemaRef ds:uri="http://schemas.openxmlformats.org/package/2006/metadata/core-properties"/>
     <ds:schemaRef ds:uri="http://purl.org/dc/elements/1.1/"/>
     <ds:schemaRef ds:uri="http://purl.org/dc/terms/"/>
     <ds:schemaRef ds:uri="http://schemas.microsoft.com/internal/obd"/>
+    <ds:schemaRef ds:uri="http://schemas.microsoft.com/office/2006/documentManagement/types"/>
+    <ds:schemaRef ds:uri="http://schemas.microsoft.com/office/2006/metadata/contentType"/>
+    <ds:schemaRef ds:uri="http://schemas.microsoft.com/office/2006/metadata/properties"/>
+    <ds:schemaRef ds:uri="http://schemas.microsoft.com/office/2006/metadata/properties/metaAttributes"/>
+    <ds:schemaRef ds:uri="http://schemas.microsoft.com/office/infopath/2007/PartnerControls"/>
+    <ds:schemaRef ds:uri="http://schemas.openxmlformats.org/package/2006/metadata/core-properties"/>
+    <ds:schemaRef ds:uri="http://www.w3.org/2001/XMLSchema"/>
   </ds:schemaRefs>
 </ds:datastoreItem>
 </file>
 
 <file path=customXml/itemProps2.xml><?xml version="1.0" encoding="utf-8"?>
+<ds:datastoreItem xmlns:ds="http://schemas.openxmlformats.org/officeDocument/2006/customXml" ds:itemID="{E93724AC-B74D-41D6-B21F-8824BCBC5BAD}">
+  <ds:schemaRefs>
+    <ds:schemaRef ds:uri="430f76a6-8bad-4da0-9463-45cb17384a94"/>
+    <ds:schemaRef ds:uri="http://purl.org/dc/dcmitype/"/>
+    <ds:schemaRef ds:uri="http://purl.org/dc/elements/1.1/"/>
+    <ds:schemaRef ds:uri="http://purl.org/dc/terms/"/>
+    <ds:schemaRef ds:uri="http://schemas.microsoft.com/office/2006/documentManagement/types"/>
+    <ds:schemaRef ds:uri="http://schemas.microsoft.com/office/2006/metadata/properties"/>
+    <ds:schemaRef ds:uri="http://schemas.microsoft.com/office/infopath/2007/PartnerControls"/>
+    <ds:schemaRef ds:uri="http://schemas.openxmlformats.org/package/2006/metadata/core-properties"/>
+    <ds:schemaRef ds:uri="http://www.w3.org/XML/1998/namespace"/>
+  </ds:schemaRefs>
+</ds:datastoreItem>
+</file>
+
+<file path=customXml/itemProps3.xml><?xml version="1.0" encoding="utf-8"?>
 <ds:datastoreItem xmlns:ds="http://schemas.openxmlformats.org/officeDocument/2006/customXml" ds:itemID="{3CB68206-EC4F-4547-921F-408712D447AB}">
   <ds:schemaRefs>
     <ds:schemaRef ds:uri="http://schemas.microsoft.com/sharepoint/v3/contenttype/forms"/>
   </ds:schemaRefs>
 </ds:datastoreItem>
-</file>
-
-<file path=customXml/itemProps3.xml><?xml version="1.0" encoding="utf-8"?>
-<ds:datastoreItem xmlns:ds="http://schemas.openxmlformats.org/officeDocument/2006/customXml" ds:itemID="{E93724AC-B74D-41D6-B21F-8824BCBC5BAD}">
-  <ds:schemaRefs>
-    <ds:schemaRef ds:uri="http://purl.org/dc/terms/"/>
-    <ds:schemaRef ds:uri="http://schemas.microsoft.com/office/2006/documentManagement/types"/>
-    <ds:schemaRef ds:uri="430f76a6-8bad-4da0-9463-45cb17384a94"/>
-    <ds:schemaRef ds:uri="http://schemas.microsoft.com/office/infopath/2007/PartnerControls"/>
-    <ds:schemaRef ds:uri="http://schemas.microsoft.com/office/2006/metadata/properties"/>
-    <ds:schemaRef ds:uri="http://purl.org/dc/elements/1.1/"/>
-    <ds:schemaRef ds:uri="http://schemas.openxmlformats.org/package/2006/metadata/core-properties"/>
-    <ds:schemaRef ds:uri="http://www.w3.org/XML/1998/namespace"/>
-    <ds:schemaRef ds:uri="http://purl.org/dc/dcmitype/"/>
-  </ds:schemaRefs>
-</ds:datastoreItem>
 </file>